--- a/Presentation_game_def.pptx
+++ b/Presentation_game_def.pptx
@@ -5,19 +5,19 @@
     <p:sldMasterId id="2147483648" r:id="rId1"/>
   </p:sldMasterIdLst>
   <p:sldIdLst>
-    <p:sldId id="257" r:id="rId2"/>
-    <p:sldId id="259" r:id="rId3"/>
-    <p:sldId id="266" r:id="rId4"/>
-    <p:sldId id="265" r:id="rId5"/>
-    <p:sldId id="260" r:id="rId6"/>
-    <p:sldId id="261" r:id="rId7"/>
-    <p:sldId id="267" r:id="rId8"/>
-    <p:sldId id="268" r:id="rId9"/>
-    <p:sldId id="269" r:id="rId10"/>
-    <p:sldId id="258" r:id="rId11"/>
-    <p:sldId id="271" r:id="rId12"/>
-    <p:sldId id="270" r:id="rId13"/>
-    <p:sldId id="264" r:id="rId14"/>
+    <p:sldId id="272" r:id="rId2"/>
+    <p:sldId id="273" r:id="rId3"/>
+    <p:sldId id="274" r:id="rId4"/>
+    <p:sldId id="276" r:id="rId5"/>
+    <p:sldId id="275" r:id="rId6"/>
+    <p:sldId id="281" r:id="rId7"/>
+    <p:sldId id="279" r:id="rId8"/>
+    <p:sldId id="280" r:id="rId9"/>
+    <p:sldId id="282" r:id="rId10"/>
+    <p:sldId id="283" r:id="rId11"/>
+    <p:sldId id="277" r:id="rId12"/>
+    <p:sldId id="285" r:id="rId13"/>
+    <p:sldId id="286" r:id="rId14"/>
   </p:sldIdLst>
   <p:sldSz cx="12192000" cy="6858000"/>
   <p:notesSz cx="6858000" cy="9144000"/>
@@ -273,7 +273,7 @@
           <a:p>
             <a:fld id="{F12BD18A-2C30-4C0B-ABD0-231F6CF2FFAF}" type="datetimeFigureOut">
               <a:rPr lang="en-US" smtClean="0"/>
-              <a:t>5/12/2023</a:t>
+              <a:t>5/13/2023</a:t>
             </a:fld>
             <a:endParaRPr lang="en-US" dirty="0"/>
           </a:p>
@@ -473,7 +473,7 @@
           <a:p>
             <a:fld id="{F12BD18A-2C30-4C0B-ABD0-231F6CF2FFAF}" type="datetimeFigureOut">
               <a:rPr lang="en-US" smtClean="0"/>
-              <a:t>5/12/2023</a:t>
+              <a:t>5/13/2023</a:t>
             </a:fld>
             <a:endParaRPr lang="en-US" dirty="0"/>
           </a:p>
@@ -683,7 +683,7 @@
           <a:p>
             <a:fld id="{F12BD18A-2C30-4C0B-ABD0-231F6CF2FFAF}" type="datetimeFigureOut">
               <a:rPr lang="en-US" smtClean="0"/>
-              <a:t>5/12/2023</a:t>
+              <a:t>5/13/2023</a:t>
             </a:fld>
             <a:endParaRPr lang="en-US" dirty="0"/>
           </a:p>
@@ -883,7 +883,7 @@
           <a:p>
             <a:fld id="{F12BD18A-2C30-4C0B-ABD0-231F6CF2FFAF}" type="datetimeFigureOut">
               <a:rPr lang="en-US" smtClean="0"/>
-              <a:t>5/12/2023</a:t>
+              <a:t>5/13/2023</a:t>
             </a:fld>
             <a:endParaRPr lang="en-US" dirty="0"/>
           </a:p>
@@ -1159,7 +1159,7 @@
           <a:p>
             <a:fld id="{F12BD18A-2C30-4C0B-ABD0-231F6CF2FFAF}" type="datetimeFigureOut">
               <a:rPr lang="en-US" smtClean="0"/>
-              <a:t>5/12/2023</a:t>
+              <a:t>5/13/2023</a:t>
             </a:fld>
             <a:endParaRPr lang="en-US" dirty="0"/>
           </a:p>
@@ -1427,7 +1427,7 @@
           <a:p>
             <a:fld id="{F12BD18A-2C30-4C0B-ABD0-231F6CF2FFAF}" type="datetimeFigureOut">
               <a:rPr lang="en-US" smtClean="0"/>
-              <a:t>5/12/2023</a:t>
+              <a:t>5/13/2023</a:t>
             </a:fld>
             <a:endParaRPr lang="en-US" dirty="0"/>
           </a:p>
@@ -1842,7 +1842,7 @@
           <a:p>
             <a:fld id="{F12BD18A-2C30-4C0B-ABD0-231F6CF2FFAF}" type="datetimeFigureOut">
               <a:rPr lang="en-US" smtClean="0"/>
-              <a:t>5/12/2023</a:t>
+              <a:t>5/13/2023</a:t>
             </a:fld>
             <a:endParaRPr lang="en-US" dirty="0"/>
           </a:p>
@@ -1984,7 +1984,7 @@
           <a:p>
             <a:fld id="{F12BD18A-2C30-4C0B-ABD0-231F6CF2FFAF}" type="datetimeFigureOut">
               <a:rPr lang="en-US" smtClean="0"/>
-              <a:t>5/12/2023</a:t>
+              <a:t>5/13/2023</a:t>
             </a:fld>
             <a:endParaRPr lang="en-US" dirty="0"/>
           </a:p>
@@ -2097,7 +2097,7 @@
           <a:p>
             <a:fld id="{F12BD18A-2C30-4C0B-ABD0-231F6CF2FFAF}" type="datetimeFigureOut">
               <a:rPr lang="en-US" smtClean="0"/>
-              <a:t>5/12/2023</a:t>
+              <a:t>5/13/2023</a:t>
             </a:fld>
             <a:endParaRPr lang="en-US" dirty="0"/>
           </a:p>
@@ -2410,7 +2410,7 @@
           <a:p>
             <a:fld id="{F12BD18A-2C30-4C0B-ABD0-231F6CF2FFAF}" type="datetimeFigureOut">
               <a:rPr lang="en-US" smtClean="0"/>
-              <a:t>5/12/2023</a:t>
+              <a:t>5/13/2023</a:t>
             </a:fld>
             <a:endParaRPr lang="en-US" dirty="0"/>
           </a:p>
@@ -2699,7 +2699,7 @@
           <a:p>
             <a:fld id="{F12BD18A-2C30-4C0B-ABD0-231F6CF2FFAF}" type="datetimeFigureOut">
               <a:rPr lang="en-US" smtClean="0"/>
-              <a:t>5/12/2023</a:t>
+              <a:t>5/13/2023</a:t>
             </a:fld>
             <a:endParaRPr lang="en-US" dirty="0"/>
           </a:p>
@@ -2942,7 +2942,7 @@
           <a:p>
             <a:fld id="{F12BD18A-2C30-4C0B-ABD0-231F6CF2FFAF}" type="datetimeFigureOut">
               <a:rPr lang="en-US" smtClean="0"/>
-              <a:t>5/12/2023</a:t>
+              <a:t>5/13/2023</a:t>
             </a:fld>
             <a:endParaRPr lang="en-US" dirty="0"/>
           </a:p>
@@ -3359,280 +3359,48 @@
           <a:chExt cx="0" cy="0"/>
         </a:xfrm>
       </p:grpSpPr>
-      <p:sp>
-        <p:nvSpPr>
-          <p:cNvPr id="2" name="Прямоугольник 1">
-            <a:extLst>
-              <a:ext uri="{FF2B5EF4-FFF2-40B4-BE49-F238E27FC236}">
-                <a16:creationId xmlns:a16="http://schemas.microsoft.com/office/drawing/2014/main" id="{E3BCA4D1-9697-77AD-D339-DEBA3D42B040}"/>
-              </a:ext>
-            </a:extLst>
-          </p:cNvPr>
-          <p:cNvSpPr/>
-          <p:nvPr/>
-        </p:nvSpPr>
-        <p:spPr>
-          <a:xfrm>
-            <a:off x="0" y="10084"/>
-            <a:ext cx="12192000" cy="6858000"/>
-          </a:xfrm>
-          <a:prstGeom prst="rect">
-            <a:avLst/>
-          </a:prstGeom>
-        </p:spPr>
-        <p:style>
-          <a:lnRef idx="2">
-            <a:schemeClr val="accent5">
-              <a:shade val="50000"/>
-            </a:schemeClr>
-          </a:lnRef>
-          <a:fillRef idx="1">
-            <a:schemeClr val="accent5"/>
-          </a:fillRef>
-          <a:effectRef idx="0">
-            <a:schemeClr val="accent5"/>
-          </a:effectRef>
-          <a:fontRef idx="minor">
-            <a:schemeClr val="lt1"/>
-          </a:fontRef>
-        </p:style>
-        <p:txBody>
-          <a:bodyPr rtlCol="0" anchor="ctr"/>
-          <a:lstStyle/>
-          <a:p>
-            <a:pPr algn="ctr"/>
-            <a:endParaRPr lang="en-US" dirty="0"/>
-          </a:p>
-        </p:txBody>
-      </p:sp>
-      <p:sp>
-        <p:nvSpPr>
-          <p:cNvPr id="7" name="Прямоугольник 6">
-            <a:extLst>
-              <a:ext uri="{FF2B5EF4-FFF2-40B4-BE49-F238E27FC236}">
-                <a16:creationId xmlns:a16="http://schemas.microsoft.com/office/drawing/2014/main" id="{A7626091-9633-AB8D-DA2E-F462AFE905F1}"/>
-              </a:ext>
-            </a:extLst>
-          </p:cNvPr>
-          <p:cNvSpPr/>
-          <p:nvPr/>
-        </p:nvSpPr>
-        <p:spPr>
-          <a:xfrm rot="18432735">
-            <a:off x="-2885396" y="607729"/>
-            <a:ext cx="12216029" cy="6171953"/>
-          </a:xfrm>
-          <a:prstGeom prst="rect">
-            <a:avLst/>
-          </a:prstGeom>
-          <a:ln/>
-        </p:spPr>
-        <p:style>
-          <a:lnRef idx="0">
-            <a:schemeClr val="accent3"/>
-          </a:lnRef>
-          <a:fillRef idx="3">
-            <a:schemeClr val="accent3"/>
-          </a:fillRef>
-          <a:effectRef idx="3">
-            <a:schemeClr val="accent3"/>
-          </a:effectRef>
-          <a:fontRef idx="minor">
-            <a:schemeClr val="lt1"/>
-          </a:fontRef>
-        </p:style>
-        <p:txBody>
-          <a:bodyPr rtlCol="0" anchor="ctr"/>
-          <a:lstStyle/>
-          <a:p>
-            <a:pPr algn="ctr"/>
-            <a:endParaRPr lang="en-US" dirty="0"/>
-          </a:p>
-        </p:txBody>
-      </p:sp>
-      <p:grpSp>
-        <p:nvGrpSpPr>
-          <p:cNvPr id="6" name="Группа 5">
-            <a:extLst>
-              <a:ext uri="{FF2B5EF4-FFF2-40B4-BE49-F238E27FC236}">
-                <a16:creationId xmlns:a16="http://schemas.microsoft.com/office/drawing/2014/main" id="{8127CD34-716E-729F-E641-AADF5AD1E8BF}"/>
-              </a:ext>
-            </a:extLst>
-          </p:cNvPr>
-          <p:cNvGrpSpPr/>
-          <p:nvPr/>
-        </p:nvGrpSpPr>
-        <p:grpSpPr>
-          <a:xfrm>
-            <a:off x="6801139" y="-1386415"/>
-            <a:ext cx="5655225" cy="8671308"/>
-            <a:chOff x="6570133" y="-1242037"/>
-            <a:chExt cx="5655225" cy="8671308"/>
-          </a:xfrm>
-          <a:blipFill>
-            <a:blip r:embed="rId2"/>
-            <a:stretch>
-              <a:fillRect/>
-            </a:stretch>
-          </a:blipFill>
-        </p:grpSpPr>
-        <p:sp>
-          <p:nvSpPr>
-            <p:cNvPr id="3" name="Прямоугольник 2">
-              <a:extLst>
-                <a:ext uri="{FF2B5EF4-FFF2-40B4-BE49-F238E27FC236}">
-                  <a16:creationId xmlns:a16="http://schemas.microsoft.com/office/drawing/2014/main" id="{79BF4934-2FAD-A97D-068E-EFD6CF0AF256}"/>
-                </a:ext>
-              </a:extLst>
-            </p:cNvPr>
-            <p:cNvSpPr/>
-            <p:nvPr/>
-          </p:nvSpPr>
-          <p:spPr>
-            <a:xfrm rot="2239700">
-              <a:off x="6570133" y="-1242037"/>
-              <a:ext cx="1621606" cy="6769303"/>
-            </a:xfrm>
-            <a:prstGeom prst="rect">
-              <a:avLst/>
-            </a:prstGeom>
-            <a:grpFill/>
-            <a:ln>
-              <a:noFill/>
-            </a:ln>
-          </p:spPr>
-          <p:style>
-            <a:lnRef idx="2">
-              <a:schemeClr val="accent1">
-                <a:shade val="50000"/>
-              </a:schemeClr>
-            </a:lnRef>
-            <a:fillRef idx="1">
-              <a:schemeClr val="accent1"/>
-            </a:fillRef>
-            <a:effectRef idx="0">
-              <a:schemeClr val="accent1"/>
-            </a:effectRef>
-            <a:fontRef idx="minor">
-              <a:schemeClr val="lt1"/>
-            </a:fontRef>
-          </p:style>
-          <p:txBody>
-            <a:bodyPr rtlCol="0" anchor="ctr"/>
-            <a:lstStyle/>
-            <a:p>
-              <a:pPr algn="ctr"/>
-              <a:endParaRPr lang="en-US" dirty="0"/>
-            </a:p>
-          </p:txBody>
-        </p:sp>
-        <p:sp>
-          <p:nvSpPr>
-            <p:cNvPr id="4" name="Прямоугольник 3">
-              <a:extLst>
-                <a:ext uri="{FF2B5EF4-FFF2-40B4-BE49-F238E27FC236}">
-                  <a16:creationId xmlns:a16="http://schemas.microsoft.com/office/drawing/2014/main" id="{4F35E542-B509-9718-811E-1A70B8AC223D}"/>
-                </a:ext>
-              </a:extLst>
-            </p:cNvPr>
-            <p:cNvSpPr/>
-            <p:nvPr/>
-          </p:nvSpPr>
-          <p:spPr>
-            <a:xfrm rot="2206679">
-              <a:off x="8463663" y="-1236911"/>
-              <a:ext cx="1679794" cy="8666182"/>
-            </a:xfrm>
-            <a:prstGeom prst="rect">
-              <a:avLst/>
-            </a:prstGeom>
-            <a:grpFill/>
-            <a:ln>
-              <a:noFill/>
-            </a:ln>
-          </p:spPr>
-          <p:style>
-            <a:lnRef idx="2">
-              <a:schemeClr val="accent1">
-                <a:shade val="50000"/>
-              </a:schemeClr>
-            </a:lnRef>
-            <a:fillRef idx="1">
-              <a:schemeClr val="accent1"/>
-            </a:fillRef>
-            <a:effectRef idx="0">
-              <a:schemeClr val="accent1"/>
-            </a:effectRef>
-            <a:fontRef idx="minor">
-              <a:schemeClr val="lt1"/>
-            </a:fontRef>
-          </p:style>
-          <p:txBody>
-            <a:bodyPr rtlCol="0" anchor="ctr"/>
-            <a:lstStyle/>
-            <a:p>
-              <a:pPr algn="ctr"/>
-              <a:endParaRPr lang="en-US" dirty="0"/>
-            </a:p>
-          </p:txBody>
-        </p:sp>
-        <p:sp>
-          <p:nvSpPr>
-            <p:cNvPr id="5" name="Прямоугольник 4">
-              <a:extLst>
-                <a:ext uri="{FF2B5EF4-FFF2-40B4-BE49-F238E27FC236}">
-                  <a16:creationId xmlns:a16="http://schemas.microsoft.com/office/drawing/2014/main" id="{C8B065E1-5816-7A51-192D-0DE36C827EDF}"/>
-                </a:ext>
-              </a:extLst>
-            </p:cNvPr>
-            <p:cNvSpPr/>
-            <p:nvPr/>
-          </p:nvSpPr>
-          <p:spPr>
-            <a:xfrm rot="2157060">
-              <a:off x="10734889" y="648053"/>
-              <a:ext cx="1490469" cy="6380063"/>
-            </a:xfrm>
-            <a:prstGeom prst="rect">
-              <a:avLst/>
-            </a:prstGeom>
-            <a:grpFill/>
-            <a:ln>
-              <a:noFill/>
-            </a:ln>
-          </p:spPr>
-          <p:style>
-            <a:lnRef idx="2">
-              <a:schemeClr val="accent1">
-                <a:shade val="50000"/>
-              </a:schemeClr>
-            </a:lnRef>
-            <a:fillRef idx="1">
-              <a:schemeClr val="accent1"/>
-            </a:fillRef>
-            <a:effectRef idx="0">
-              <a:schemeClr val="accent1"/>
-            </a:effectRef>
-            <a:fontRef idx="minor">
-              <a:schemeClr val="lt1"/>
-            </a:fontRef>
-          </p:style>
-          <p:txBody>
-            <a:bodyPr rtlCol="0" anchor="ctr"/>
-            <a:lstStyle/>
-            <a:p>
-              <a:pPr algn="ctr"/>
-              <a:endParaRPr lang="en-US" dirty="0"/>
-            </a:p>
-          </p:txBody>
-        </p:sp>
-      </p:grpSp>
-      <p:sp>
-        <p:nvSpPr>
-          <p:cNvPr id="8" name="TextBox 7">
-            <a:extLst>
-              <a:ext uri="{FF2B5EF4-FFF2-40B4-BE49-F238E27FC236}">
-                <a16:creationId xmlns:a16="http://schemas.microsoft.com/office/drawing/2014/main" id="{DA357ED0-F77D-49D2-4E49-976213C88DD9}"/>
+      <p:pic>
+        <p:nvPicPr>
+          <p:cNvPr id="14" name="Рисунок 13">
+            <a:extLst>
+              <a:ext uri="{FF2B5EF4-FFF2-40B4-BE49-F238E27FC236}">
+                <a16:creationId xmlns:a16="http://schemas.microsoft.com/office/drawing/2014/main" id="{56182E69-43C6-4FA9-9DD4-217FFC41C75F}"/>
+              </a:ext>
+            </a:extLst>
+          </p:cNvPr>
+          <p:cNvPicPr>
+            <a:picLocks noChangeAspect="1"/>
+          </p:cNvPicPr>
+          <p:nvPr/>
+        </p:nvPicPr>
+        <p:blipFill>
+          <a:blip r:embed="rId2">
+            <a:extLst>
+              <a:ext uri="{28A0092B-C50C-407E-A947-70E740481C1C}">
+                <a14:useLocalDpi xmlns:a14="http://schemas.microsoft.com/office/drawing/2010/main" val="0"/>
+              </a:ext>
+            </a:extLst>
+          </a:blip>
+          <a:stretch>
+            <a:fillRect/>
+          </a:stretch>
+        </p:blipFill>
+        <p:spPr>
+          <a:xfrm>
+            <a:off x="0" y="0"/>
+            <a:ext cx="12192001" cy="6858000"/>
+          </a:xfrm>
+          <a:prstGeom prst="rect">
+            <a:avLst/>
+          </a:prstGeom>
+        </p:spPr>
+      </p:pic>
+      <p:sp>
+        <p:nvSpPr>
+          <p:cNvPr id="15" name="TextBox 14">
+            <a:extLst>
+              <a:ext uri="{FF2B5EF4-FFF2-40B4-BE49-F238E27FC236}">
+                <a16:creationId xmlns:a16="http://schemas.microsoft.com/office/drawing/2014/main" id="{D2B7AE4C-EB1B-6933-C690-38B2925CDAA5}"/>
               </a:ext>
             </a:extLst>
           </p:cNvPr>
@@ -3641,8 +3409,8 @@
         </p:nvSpPr>
         <p:spPr>
           <a:xfrm>
-            <a:off x="1484807" y="936407"/>
-            <a:ext cx="5028680" cy="2123658"/>
+            <a:off x="7567199" y="413891"/>
+            <a:ext cx="4964979" cy="2125201"/>
           </a:xfrm>
           <a:prstGeom prst="rect">
             <a:avLst/>
@@ -3658,7 +3426,10 @@
             <a:r>
               <a:rPr lang="en-US" sz="6600" dirty="0">
                 <a:solidFill>
-                  <a:srgbClr val="FFFF00"/>
+                  <a:schemeClr val="accent5">
+                    <a:lumMod val="20000"/>
+                    <a:lumOff val="80000"/>
+                  </a:schemeClr>
                 </a:solidFill>
                 <a:latin typeface="Bahnschrift SemiBold Condensed" panose="020B0502040204020203" pitchFamily="34" charset="0"/>
               </a:rPr>
@@ -3667,7 +3438,10 @@
             <a:r>
               <a:rPr lang="ru-RU" sz="6600" dirty="0">
                 <a:solidFill>
-                  <a:srgbClr val="FFFF00"/>
+                  <a:schemeClr val="accent5">
+                    <a:lumMod val="20000"/>
+                    <a:lumOff val="80000"/>
+                  </a:schemeClr>
                 </a:solidFill>
                 <a:latin typeface="Bahnschrift SemiBold Condensed" panose="020B0502040204020203" pitchFamily="34" charset="0"/>
               </a:rPr>
@@ -3676,7 +3450,10 @@
             <a:r>
               <a:rPr lang="en-US" sz="6600" dirty="0">
                 <a:solidFill>
-                  <a:srgbClr val="FFFF00"/>
+                  <a:schemeClr val="accent5">
+                    <a:lumMod val="20000"/>
+                    <a:lumOff val="80000"/>
+                  </a:schemeClr>
                 </a:solidFill>
                 <a:latin typeface="Bahnschrift SemiBold Condensed" panose="020B0502040204020203" pitchFamily="34" charset="0"/>
               </a:rPr>
@@ -3687,10 +3464,10 @@
       </p:sp>
       <p:sp>
         <p:nvSpPr>
-          <p:cNvPr id="9" name="TextBox 8">
-            <a:extLst>
-              <a:ext uri="{FF2B5EF4-FFF2-40B4-BE49-F238E27FC236}">
-                <a16:creationId xmlns:a16="http://schemas.microsoft.com/office/drawing/2014/main" id="{BDCBB100-824B-2B05-4465-69E1668842A3}"/>
+          <p:cNvPr id="16" name="TextBox 15">
+            <a:extLst>
+              <a:ext uri="{FF2B5EF4-FFF2-40B4-BE49-F238E27FC236}">
+                <a16:creationId xmlns:a16="http://schemas.microsoft.com/office/drawing/2014/main" id="{F8718238-0519-B24C-F8D1-A8092F58703F}"/>
               </a:ext>
             </a:extLst>
           </p:cNvPr>
@@ -3699,8 +3476,8 @@
         </p:nvSpPr>
         <p:spPr>
           <a:xfrm>
-            <a:off x="779646" y="5811559"/>
-            <a:ext cx="3878981" cy="1354217"/>
+            <a:off x="7567199" y="4318909"/>
+            <a:ext cx="4516697" cy="1354217"/>
           </a:xfrm>
           <a:prstGeom prst="rect">
             <a:avLst/>
@@ -3717,11 +3494,11 @@
             <a:r>
               <a:rPr lang="ru-RU" sz="3200" dirty="0">
                 <a:solidFill>
-                  <a:srgbClr val="0070C0"/>
+                  <a:srgbClr val="00B0F0"/>
                 </a:solidFill>
                 <a:latin typeface="Bahnschrift SemiBold Condensed" panose="020B0502040204020203" pitchFamily="34" charset="0"/>
               </a:rPr>
-              <a:t>Автор: Жеребцов Алексей,</a:t>
+              <a:t>Выполнил: Жеребцов Алексей,</a:t>
             </a:r>
           </a:p>
           <a:p>
@@ -3729,7 +3506,7 @@
             <a:r>
               <a:rPr lang="ru-RU" sz="3200" dirty="0">
                 <a:solidFill>
-                  <a:srgbClr val="0070C0"/>
+                  <a:srgbClr val="00B0F0"/>
                 </a:solidFill>
                 <a:latin typeface="Bahnschrift SemiBold Condensed" panose="020B0502040204020203" pitchFamily="34" charset="0"/>
               </a:rPr>
@@ -3743,10 +3520,10 @@
       </p:sp>
       <p:sp>
         <p:nvSpPr>
-          <p:cNvPr id="10" name="TextBox 9">
-            <a:extLst>
-              <a:ext uri="{FF2B5EF4-FFF2-40B4-BE49-F238E27FC236}">
-                <a16:creationId xmlns:a16="http://schemas.microsoft.com/office/drawing/2014/main" id="{234C3690-786B-8BD8-249C-765DDAF703C5}"/>
+          <p:cNvPr id="17" name="TextBox 16">
+            <a:extLst>
+              <a:ext uri="{FF2B5EF4-FFF2-40B4-BE49-F238E27FC236}">
+                <a16:creationId xmlns:a16="http://schemas.microsoft.com/office/drawing/2014/main" id="{BADDA33F-9AEA-FEED-0EF5-3D258636B44A}"/>
               </a:ext>
             </a:extLst>
           </p:cNvPr>
@@ -3755,7 +3532,7 @@
         </p:nvSpPr>
         <p:spPr>
           <a:xfrm>
-            <a:off x="336704" y="6488668"/>
+            <a:off x="108104" y="6417775"/>
             <a:ext cx="1520791" cy="369332"/>
           </a:xfrm>
           <a:prstGeom prst="rect">
@@ -3772,7 +3549,7 @@
             <a:r>
               <a:rPr lang="ru-RU" dirty="0">
                 <a:solidFill>
-                  <a:srgbClr val="FFFF00"/>
+                  <a:srgbClr val="00B0F0"/>
                 </a:solidFill>
                 <a:latin typeface="Bahnschrift SemiBold Condensed" panose="020B0502040204020203" pitchFamily="34" charset="0"/>
               </a:rPr>
@@ -3780,7 +3557,7 @@
             </a:r>
             <a:endParaRPr lang="en-US" dirty="0">
               <a:solidFill>
-                <a:srgbClr val="FFFF00"/>
+                <a:srgbClr val="00B0F0"/>
               </a:solidFill>
               <a:latin typeface="Bahnschrift SemiBold Condensed" panose="020B0502040204020203" pitchFamily="34" charset="0"/>
             </a:endParaRPr>
@@ -3790,7 +3567,7 @@
     </p:spTree>
     <p:extLst>
       <p:ext uri="{BB962C8B-B14F-4D97-AF65-F5344CB8AC3E}">
-        <p14:creationId xmlns:p14="http://schemas.microsoft.com/office/powerpoint/2010/main" val="1295611371"/>
+        <p14:creationId xmlns:p14="http://schemas.microsoft.com/office/powerpoint/2010/main" val="394279719"/>
       </p:ext>
     </p:extLst>
   </p:cSld>
@@ -3817,148 +3594,12 @@
           <a:chExt cx="0" cy="0"/>
         </a:xfrm>
       </p:grpSpPr>
-      <p:sp>
-        <p:nvSpPr>
-          <p:cNvPr id="2" name="Прямоугольник 1">
-            <a:extLst>
-              <a:ext uri="{FF2B5EF4-FFF2-40B4-BE49-F238E27FC236}">
-                <a16:creationId xmlns:a16="http://schemas.microsoft.com/office/drawing/2014/main" id="{E3BCA4D1-9697-77AD-D339-DEBA3D42B040}"/>
-              </a:ext>
-            </a:extLst>
-          </p:cNvPr>
-          <p:cNvSpPr/>
-          <p:nvPr/>
-        </p:nvSpPr>
-        <p:spPr>
-          <a:xfrm>
-            <a:off x="0" y="10084"/>
-            <a:ext cx="12192000" cy="6858000"/>
-          </a:xfrm>
-          <a:prstGeom prst="rect">
-            <a:avLst/>
-          </a:prstGeom>
-        </p:spPr>
-        <p:style>
-          <a:lnRef idx="2">
-            <a:schemeClr val="accent5">
-              <a:shade val="50000"/>
-            </a:schemeClr>
-          </a:lnRef>
-          <a:fillRef idx="1">
-            <a:schemeClr val="accent5"/>
-          </a:fillRef>
-          <a:effectRef idx="0">
-            <a:schemeClr val="accent5"/>
-          </a:effectRef>
-          <a:fontRef idx="minor">
-            <a:schemeClr val="lt1"/>
-          </a:fontRef>
-        </p:style>
-        <p:txBody>
-          <a:bodyPr rtlCol="0" anchor="ctr"/>
-          <a:lstStyle/>
-          <a:p>
-            <a:pPr algn="ctr"/>
-            <a:endParaRPr lang="en-US" dirty="0"/>
-          </a:p>
-        </p:txBody>
-      </p:sp>
-      <p:sp>
-        <p:nvSpPr>
-          <p:cNvPr id="16" name="Прямоугольник 15">
-            <a:extLst>
-              <a:ext uri="{FF2B5EF4-FFF2-40B4-BE49-F238E27FC236}">
-                <a16:creationId xmlns:a16="http://schemas.microsoft.com/office/drawing/2014/main" id="{3F454599-045F-A07A-A6E5-66D7E3B080D2}"/>
-              </a:ext>
-            </a:extLst>
-          </p:cNvPr>
-          <p:cNvSpPr/>
-          <p:nvPr/>
-        </p:nvSpPr>
-        <p:spPr>
-          <a:xfrm rot="18432735">
-            <a:off x="5064178" y="-185486"/>
-            <a:ext cx="12216029" cy="4689369"/>
-          </a:xfrm>
-          <a:prstGeom prst="rect">
-            <a:avLst/>
-          </a:prstGeom>
-          <a:ln/>
-        </p:spPr>
-        <p:style>
-          <a:lnRef idx="0">
-            <a:schemeClr val="accent3"/>
-          </a:lnRef>
-          <a:fillRef idx="3">
-            <a:schemeClr val="accent3"/>
-          </a:fillRef>
-          <a:effectRef idx="3">
-            <a:schemeClr val="accent3"/>
-          </a:effectRef>
-          <a:fontRef idx="minor">
-            <a:schemeClr val="lt1"/>
-          </a:fontRef>
-        </p:style>
-        <p:txBody>
-          <a:bodyPr rtlCol="0" anchor="ctr"/>
-          <a:lstStyle/>
-          <a:p>
-            <a:pPr algn="ctr"/>
-            <a:endParaRPr lang="en-US" dirty="0"/>
-          </a:p>
-        </p:txBody>
-      </p:sp>
-      <p:sp>
-        <p:nvSpPr>
-          <p:cNvPr id="7" name="Прямоугольник 6">
-            <a:extLst>
-              <a:ext uri="{FF2B5EF4-FFF2-40B4-BE49-F238E27FC236}">
-                <a16:creationId xmlns:a16="http://schemas.microsoft.com/office/drawing/2014/main" id="{A7626091-9633-AB8D-DA2E-F462AFE905F1}"/>
-              </a:ext>
-            </a:extLst>
-          </p:cNvPr>
-          <p:cNvSpPr/>
-          <p:nvPr/>
-        </p:nvSpPr>
-        <p:spPr>
-          <a:xfrm rot="18432735">
-            <a:off x="-2885396" y="607729"/>
-            <a:ext cx="12216029" cy="6171953"/>
-          </a:xfrm>
-          <a:prstGeom prst="rect">
-            <a:avLst/>
-          </a:prstGeom>
-          <a:ln/>
-        </p:spPr>
-        <p:style>
-          <a:lnRef idx="0">
-            <a:schemeClr val="accent3"/>
-          </a:lnRef>
-          <a:fillRef idx="3">
-            <a:schemeClr val="accent3"/>
-          </a:fillRef>
-          <a:effectRef idx="3">
-            <a:schemeClr val="accent3"/>
-          </a:effectRef>
-          <a:fontRef idx="minor">
-            <a:schemeClr val="lt1"/>
-          </a:fontRef>
-        </p:style>
-        <p:txBody>
-          <a:bodyPr rtlCol="0" anchor="ctr"/>
-          <a:lstStyle/>
-          <a:p>
-            <a:pPr algn="ctr"/>
-            <a:endParaRPr lang="en-US" dirty="0"/>
-          </a:p>
-        </p:txBody>
-      </p:sp>
       <p:pic>
         <p:nvPicPr>
-          <p:cNvPr id="4" name="Рисунок 3">
-            <a:extLst>
-              <a:ext uri="{FF2B5EF4-FFF2-40B4-BE49-F238E27FC236}">
-                <a16:creationId xmlns:a16="http://schemas.microsoft.com/office/drawing/2014/main" id="{CCFB94E6-CE85-6778-C388-29C40E70E446}"/>
+          <p:cNvPr id="3" name="Рисунок 2">
+            <a:extLst>
+              <a:ext uri="{FF2B5EF4-FFF2-40B4-BE49-F238E27FC236}">
+                <a16:creationId xmlns:a16="http://schemas.microsoft.com/office/drawing/2014/main" id="{87DCD917-B3BC-B360-C5AB-4E62C9913F3C}"/>
               </a:ext>
             </a:extLst>
           </p:cNvPr>
@@ -3981,8 +3622,8 @@
         </p:blipFill>
         <p:spPr>
           <a:xfrm>
-            <a:off x="0" y="5598243"/>
-            <a:ext cx="1269841" cy="1269841"/>
+            <a:off x="0" y="0"/>
+            <a:ext cx="12192000" cy="6858000"/>
           </a:xfrm>
           <a:prstGeom prst="rect">
             <a:avLst/>
@@ -3991,10 +3632,10 @@
       </p:pic>
       <p:sp>
         <p:nvSpPr>
-          <p:cNvPr id="5" name="TextBox 4">
-            <a:extLst>
-              <a:ext uri="{FF2B5EF4-FFF2-40B4-BE49-F238E27FC236}">
-                <a16:creationId xmlns:a16="http://schemas.microsoft.com/office/drawing/2014/main" id="{76F2B60B-AB78-D6EF-0625-25D0BEC217A2}"/>
+          <p:cNvPr id="2" name="TextBox 1">
+            <a:extLst>
+              <a:ext uri="{FF2B5EF4-FFF2-40B4-BE49-F238E27FC236}">
+                <a16:creationId xmlns:a16="http://schemas.microsoft.com/office/drawing/2014/main" id="{1F27ABB5-9006-4BE5-4209-ADA22134AFA4}"/>
               </a:ext>
             </a:extLst>
           </p:cNvPr>
@@ -4003,8 +3644,8 @@
         </p:nvSpPr>
         <p:spPr>
           <a:xfrm>
-            <a:off x="1488866" y="532014"/>
-            <a:ext cx="7666341" cy="1107996"/>
+            <a:off x="3268436" y="114300"/>
+            <a:ext cx="5655128" cy="1015663"/>
           </a:xfrm>
           <a:prstGeom prst="rect">
             <a:avLst/>
@@ -4018,29 +3659,23 @@
           <a:lstStyle/>
           <a:p>
             <a:r>
-              <a:rPr lang="ru-RU" sz="6600" dirty="0">
+              <a:rPr lang="ru-RU" sz="6000" dirty="0">
                 <a:solidFill>
-                  <a:srgbClr val="FFFF00"/>
+                  <a:schemeClr val="bg2"/>
                 </a:solidFill>
                 <a:latin typeface="Bahnschrift SemiBold Condensed" panose="020B0502040204020203" pitchFamily="34" charset="0"/>
               </a:rPr>
-              <a:t>Чем я вдохновлялся:</a:t>
-            </a:r>
-            <a:endParaRPr lang="en-US" sz="6600" dirty="0">
-              <a:solidFill>
-                <a:srgbClr val="FFFF00"/>
-              </a:solidFill>
-              <a:latin typeface="Bahnschrift SemiBold Condensed" panose="020B0502040204020203" pitchFamily="34" charset="0"/>
-            </a:endParaRPr>
+              <a:t>Чем я вдохновлялся</a:t>
+            </a:r>
           </a:p>
         </p:txBody>
       </p:sp>
       <p:pic>
         <p:nvPicPr>
-          <p:cNvPr id="8" name="Рисунок 7">
-            <a:extLst>
-              <a:ext uri="{FF2B5EF4-FFF2-40B4-BE49-F238E27FC236}">
-                <a16:creationId xmlns:a16="http://schemas.microsoft.com/office/drawing/2014/main" id="{A292C512-81AB-9E2E-77E3-ECA403E49339}"/>
+          <p:cNvPr id="5" name="Рисунок 4">
+            <a:extLst>
+              <a:ext uri="{FF2B5EF4-FFF2-40B4-BE49-F238E27FC236}">
+                <a16:creationId xmlns:a16="http://schemas.microsoft.com/office/drawing/2014/main" id="{2F69009F-8F3E-5C87-CCE2-71D1B1B09EDB}"/>
               </a:ext>
             </a:extLst>
           </p:cNvPr>
@@ -4063,7 +3698,7 @@
         </p:blipFill>
         <p:spPr>
           <a:xfrm>
-            <a:off x="1283557" y="2726206"/>
+            <a:off x="1104742" y="3429000"/>
             <a:ext cx="4327387" cy="2430549"/>
           </a:xfrm>
           <a:prstGeom prst="rect">
@@ -4071,130 +3706,12 @@
           </a:prstGeom>
         </p:spPr>
       </p:pic>
-      <p:sp>
-        <p:nvSpPr>
-          <p:cNvPr id="10" name="TextBox 9">
-            <a:extLst>
-              <a:ext uri="{FF2B5EF4-FFF2-40B4-BE49-F238E27FC236}">
-                <a16:creationId xmlns:a16="http://schemas.microsoft.com/office/drawing/2014/main" id="{39E64918-0AE9-8638-4284-107B7AA137D7}"/>
-              </a:ext>
-            </a:extLst>
-          </p:cNvPr>
-          <p:cNvSpPr txBox="1"/>
-          <p:nvPr/>
-        </p:nvSpPr>
-        <p:spPr>
-          <a:xfrm>
-            <a:off x="805628" y="1780446"/>
-            <a:ext cx="4805316" cy="646331"/>
-          </a:xfrm>
-          <a:prstGeom prst="rect">
-            <a:avLst/>
-          </a:prstGeom>
-          <a:noFill/>
-        </p:spPr>
-        <p:txBody>
-          <a:bodyPr wrap="square" rtlCol="0">
-            <a:spAutoFit/>
-          </a:bodyPr>
-          <a:lstStyle/>
-          <a:p>
-            <a:pPr marL="285750" indent="-285750" algn="ctr">
-              <a:buFont typeface="Arial" panose="020B0604020202020204" pitchFamily="34" charset="0"/>
-              <a:buChar char="•"/>
-            </a:pPr>
-            <a:r>
-              <a:rPr lang="en-US" sz="3600" dirty="0" err="1">
-                <a:solidFill>
-                  <a:schemeClr val="accent1"/>
-                </a:solidFill>
-                <a:latin typeface="Bahnschrift SemiBold Condensed" panose="020B0502040204020203" pitchFamily="34" charset="0"/>
-              </a:rPr>
-              <a:t>Inscryption</a:t>
-            </a:r>
-            <a:endParaRPr lang="ru-RU" sz="3600" dirty="0">
-              <a:solidFill>
-                <a:schemeClr val="accent1"/>
-              </a:solidFill>
-              <a:latin typeface="Bahnschrift SemiBold Condensed" panose="020B0502040204020203" pitchFamily="34" charset="0"/>
-            </a:endParaRPr>
-          </a:p>
-        </p:txBody>
-      </p:sp>
-      <p:sp>
-        <p:nvSpPr>
-          <p:cNvPr id="11" name="TextBox 10">
-            <a:extLst>
-              <a:ext uri="{FF2B5EF4-FFF2-40B4-BE49-F238E27FC236}">
-                <a16:creationId xmlns:a16="http://schemas.microsoft.com/office/drawing/2014/main" id="{F131A0E5-6F38-22B7-FC7E-CCC8D88EAC39}"/>
-              </a:ext>
-            </a:extLst>
-          </p:cNvPr>
-          <p:cNvSpPr txBox="1"/>
-          <p:nvPr/>
-        </p:nvSpPr>
-        <p:spPr>
-          <a:xfrm>
-            <a:off x="6450562" y="1836032"/>
-            <a:ext cx="4805316" cy="646331"/>
-          </a:xfrm>
-          <a:prstGeom prst="rect">
-            <a:avLst/>
-          </a:prstGeom>
-          <a:noFill/>
-        </p:spPr>
-        <p:txBody>
-          <a:bodyPr wrap="square" rtlCol="0">
-            <a:spAutoFit/>
-          </a:bodyPr>
-          <a:lstStyle/>
-          <a:p>
-            <a:pPr marL="285750" indent="-285750" algn="ctr">
-              <a:buFont typeface="Arial" panose="020B0604020202020204" pitchFamily="34" charset="0"/>
-              <a:buChar char="•"/>
-            </a:pPr>
-            <a:r>
-              <a:rPr lang="en-US" sz="3600" dirty="0" err="1">
-                <a:solidFill>
-                  <a:schemeClr val="accent1"/>
-                </a:solidFill>
-                <a:latin typeface="Bahnschrift SemiBold Condensed" panose="020B0502040204020203" pitchFamily="34" charset="0"/>
-              </a:rPr>
-              <a:t>Doki</a:t>
-            </a:r>
-            <a:r>
-              <a:rPr lang="en-US" sz="3600" dirty="0">
-                <a:solidFill>
-                  <a:schemeClr val="accent1"/>
-                </a:solidFill>
-                <a:latin typeface="Bahnschrift SemiBold Condensed" panose="020B0502040204020203" pitchFamily="34" charset="0"/>
-              </a:rPr>
-              <a:t> </a:t>
-            </a:r>
-            <a:r>
-              <a:rPr lang="en-US" sz="3600" dirty="0" err="1">
-                <a:solidFill>
-                  <a:schemeClr val="accent1"/>
-                </a:solidFill>
-                <a:latin typeface="Bahnschrift SemiBold Condensed" panose="020B0502040204020203" pitchFamily="34" charset="0"/>
-              </a:rPr>
-              <a:t>Doki</a:t>
-            </a:r>
-            <a:endParaRPr lang="ru-RU" sz="3600" dirty="0">
-              <a:solidFill>
-                <a:schemeClr val="accent1"/>
-              </a:solidFill>
-              <a:latin typeface="Bahnschrift SemiBold Condensed" panose="020B0502040204020203" pitchFamily="34" charset="0"/>
-            </a:endParaRPr>
-          </a:p>
-        </p:txBody>
-      </p:sp>
       <p:pic>
         <p:nvPicPr>
-          <p:cNvPr id="17" name="Рисунок 16">
-            <a:extLst>
-              <a:ext uri="{FF2B5EF4-FFF2-40B4-BE49-F238E27FC236}">
-                <a16:creationId xmlns:a16="http://schemas.microsoft.com/office/drawing/2014/main" id="{12634DD5-7962-8FA6-58B2-67E0E74874F6}"/>
+          <p:cNvPr id="6" name="Рисунок 5">
+            <a:extLst>
+              <a:ext uri="{FF2B5EF4-FFF2-40B4-BE49-F238E27FC236}">
+                <a16:creationId xmlns:a16="http://schemas.microsoft.com/office/drawing/2014/main" id="{A252F037-8D8A-D380-BC1E-50593785B1DA}"/>
               </a:ext>
             </a:extLst>
           </p:cNvPr>
@@ -4217,7 +3734,7 @@
         </p:blipFill>
         <p:spPr>
           <a:xfrm>
-            <a:off x="6752549" y="2678385"/>
+            <a:off x="7038299" y="3405089"/>
             <a:ext cx="4405992" cy="2478370"/>
           </a:xfrm>
           <a:prstGeom prst="rect">
@@ -4225,10 +3742,116 @@
           </a:prstGeom>
         </p:spPr>
       </p:pic>
+      <p:sp>
+        <p:nvSpPr>
+          <p:cNvPr id="7" name="TextBox 6">
+            <a:extLst>
+              <a:ext uri="{FF2B5EF4-FFF2-40B4-BE49-F238E27FC236}">
+                <a16:creationId xmlns:a16="http://schemas.microsoft.com/office/drawing/2014/main" id="{3FA25313-B457-B7A8-B170-05F5197F512E}"/>
+              </a:ext>
+            </a:extLst>
+          </p:cNvPr>
+          <p:cNvSpPr txBox="1"/>
+          <p:nvPr/>
+        </p:nvSpPr>
+        <p:spPr>
+          <a:xfrm>
+            <a:off x="805628" y="1780446"/>
+            <a:ext cx="4805316" cy="646331"/>
+          </a:xfrm>
+          <a:prstGeom prst="rect">
+            <a:avLst/>
+          </a:prstGeom>
+          <a:noFill/>
+        </p:spPr>
+        <p:txBody>
+          <a:bodyPr wrap="square" rtlCol="0">
+            <a:spAutoFit/>
+          </a:bodyPr>
+          <a:lstStyle/>
+          <a:p>
+            <a:pPr marL="285750" indent="-285750" algn="ctr">
+              <a:buFont typeface="Arial" panose="020B0604020202020204" pitchFamily="34" charset="0"/>
+              <a:buChar char="•"/>
+            </a:pPr>
+            <a:r>
+              <a:rPr lang="en-US" sz="3600" dirty="0" err="1">
+                <a:latin typeface="Bahnschrift SemiBold Condensed" panose="020B0502040204020203" pitchFamily="34" charset="0"/>
+              </a:rPr>
+              <a:t>Inscryption</a:t>
+            </a:r>
+            <a:endParaRPr lang="ru-RU" sz="3600" dirty="0">
+              <a:latin typeface="Bahnschrift SemiBold Condensed" panose="020B0502040204020203" pitchFamily="34" charset="0"/>
+            </a:endParaRPr>
+          </a:p>
+        </p:txBody>
+      </p:sp>
+      <p:sp>
+        <p:nvSpPr>
+          <p:cNvPr id="8" name="TextBox 7">
+            <a:extLst>
+              <a:ext uri="{FF2B5EF4-FFF2-40B4-BE49-F238E27FC236}">
+                <a16:creationId xmlns:a16="http://schemas.microsoft.com/office/drawing/2014/main" id="{E4025866-86C6-2EE2-CEE1-C35286620243}"/>
+              </a:ext>
+            </a:extLst>
+          </p:cNvPr>
+          <p:cNvSpPr txBox="1"/>
+          <p:nvPr/>
+        </p:nvSpPr>
+        <p:spPr>
+          <a:xfrm>
+            <a:off x="6581055" y="1780446"/>
+            <a:ext cx="5281651" cy="646331"/>
+          </a:xfrm>
+          <a:prstGeom prst="rect">
+            <a:avLst/>
+          </a:prstGeom>
+          <a:noFill/>
+        </p:spPr>
+        <p:txBody>
+          <a:bodyPr wrap="square" rtlCol="0">
+            <a:spAutoFit/>
+          </a:bodyPr>
+          <a:lstStyle/>
+          <a:p>
+            <a:pPr marL="285750" indent="-285750" algn="ctr">
+              <a:buFont typeface="Arial" panose="020B0604020202020204" pitchFamily="34" charset="0"/>
+              <a:buChar char="•"/>
+            </a:pPr>
+            <a:r>
+              <a:rPr lang="en-US" sz="3600" dirty="0" err="1">
+                <a:latin typeface="Bahnschrift SemiBold Condensed" panose="020B0502040204020203" pitchFamily="34" charset="0"/>
+              </a:rPr>
+              <a:t>Doki</a:t>
+            </a:r>
+            <a:r>
+              <a:rPr lang="en-US" sz="3600" dirty="0">
+                <a:latin typeface="Bahnschrift SemiBold Condensed" panose="020B0502040204020203" pitchFamily="34" charset="0"/>
+              </a:rPr>
+              <a:t> </a:t>
+            </a:r>
+            <a:r>
+              <a:rPr lang="en-US" sz="3600" dirty="0" err="1">
+                <a:latin typeface="Bahnschrift SemiBold Condensed" panose="020B0502040204020203" pitchFamily="34" charset="0"/>
+              </a:rPr>
+              <a:t>doki</a:t>
+            </a:r>
+            <a:r>
+              <a:rPr lang="en-US" sz="3600" dirty="0">
+                <a:latin typeface="Bahnschrift SemiBold Condensed" panose="020B0502040204020203" pitchFamily="34" charset="0"/>
+              </a:rPr>
+              <a:t>: Literature club</a:t>
+            </a:r>
+            <a:endParaRPr lang="ru-RU" sz="3600" dirty="0">
+              <a:latin typeface="Bahnschrift SemiBold Condensed" panose="020B0502040204020203" pitchFamily="34" charset="0"/>
+            </a:endParaRPr>
+          </a:p>
+        </p:txBody>
+      </p:sp>
     </p:spTree>
     <p:extLst>
       <p:ext uri="{BB962C8B-B14F-4D97-AF65-F5344CB8AC3E}">
-        <p14:creationId xmlns:p14="http://schemas.microsoft.com/office/powerpoint/2010/main" val="2841711785"/>
+        <p14:creationId xmlns:p14="http://schemas.microsoft.com/office/powerpoint/2010/main" val="137871121"/>
       </p:ext>
     </p:extLst>
   </p:cSld>
@@ -4255,238 +3878,12 @@
           <a:chExt cx="0" cy="0"/>
         </a:xfrm>
       </p:grpSpPr>
-      <p:sp>
-        <p:nvSpPr>
-          <p:cNvPr id="2" name="Прямоугольник 1">
-            <a:extLst>
-              <a:ext uri="{FF2B5EF4-FFF2-40B4-BE49-F238E27FC236}">
-                <a16:creationId xmlns:a16="http://schemas.microsoft.com/office/drawing/2014/main" id="{E3BCA4D1-9697-77AD-D339-DEBA3D42B040}"/>
-              </a:ext>
-            </a:extLst>
-          </p:cNvPr>
-          <p:cNvSpPr/>
-          <p:nvPr/>
-        </p:nvSpPr>
-        <p:spPr>
-          <a:xfrm>
-            <a:off x="0" y="10084"/>
-            <a:ext cx="12192000" cy="6858000"/>
-          </a:xfrm>
-          <a:prstGeom prst="rect">
-            <a:avLst/>
-          </a:prstGeom>
-        </p:spPr>
-        <p:style>
-          <a:lnRef idx="2">
-            <a:schemeClr val="accent5">
-              <a:shade val="50000"/>
-            </a:schemeClr>
-          </a:lnRef>
-          <a:fillRef idx="1">
-            <a:schemeClr val="accent5"/>
-          </a:fillRef>
-          <a:effectRef idx="0">
-            <a:schemeClr val="accent5"/>
-          </a:effectRef>
-          <a:fontRef idx="minor">
-            <a:schemeClr val="lt1"/>
-          </a:fontRef>
-        </p:style>
-        <p:txBody>
-          <a:bodyPr rtlCol="0" anchor="ctr"/>
-          <a:lstStyle/>
-          <a:p>
-            <a:pPr algn="ctr"/>
-            <a:endParaRPr lang="en-US" dirty="0"/>
-          </a:p>
-        </p:txBody>
-      </p:sp>
-      <p:sp>
-        <p:nvSpPr>
-          <p:cNvPr id="16" name="Прямоугольник 15">
-            <a:extLst>
-              <a:ext uri="{FF2B5EF4-FFF2-40B4-BE49-F238E27FC236}">
-                <a16:creationId xmlns:a16="http://schemas.microsoft.com/office/drawing/2014/main" id="{3F454599-045F-A07A-A6E5-66D7E3B080D2}"/>
-              </a:ext>
-            </a:extLst>
-          </p:cNvPr>
-          <p:cNvSpPr/>
-          <p:nvPr/>
-        </p:nvSpPr>
-        <p:spPr>
-          <a:xfrm rot="18432735">
-            <a:off x="5064178" y="-185486"/>
-            <a:ext cx="12216029" cy="4689369"/>
-          </a:xfrm>
-          <a:prstGeom prst="rect">
-            <a:avLst/>
-          </a:prstGeom>
-          <a:ln/>
-        </p:spPr>
-        <p:style>
-          <a:lnRef idx="0">
-            <a:schemeClr val="accent3"/>
-          </a:lnRef>
-          <a:fillRef idx="3">
-            <a:schemeClr val="accent3"/>
-          </a:fillRef>
-          <a:effectRef idx="3">
-            <a:schemeClr val="accent3"/>
-          </a:effectRef>
-          <a:fontRef idx="minor">
-            <a:schemeClr val="lt1"/>
-          </a:fontRef>
-        </p:style>
-        <p:txBody>
-          <a:bodyPr rtlCol="0" anchor="ctr"/>
-          <a:lstStyle/>
-          <a:p>
-            <a:pPr algn="ctr"/>
-            <a:endParaRPr lang="en-US" dirty="0"/>
-          </a:p>
-        </p:txBody>
-      </p:sp>
-      <p:sp>
-        <p:nvSpPr>
-          <p:cNvPr id="7" name="Прямоугольник 6">
-            <a:extLst>
-              <a:ext uri="{FF2B5EF4-FFF2-40B4-BE49-F238E27FC236}">
-                <a16:creationId xmlns:a16="http://schemas.microsoft.com/office/drawing/2014/main" id="{A7626091-9633-AB8D-DA2E-F462AFE905F1}"/>
-              </a:ext>
-            </a:extLst>
-          </p:cNvPr>
-          <p:cNvSpPr/>
-          <p:nvPr/>
-        </p:nvSpPr>
-        <p:spPr>
-          <a:xfrm rot="18432735">
-            <a:off x="-2885396" y="607729"/>
-            <a:ext cx="12216029" cy="6171953"/>
-          </a:xfrm>
-          <a:prstGeom prst="rect">
-            <a:avLst/>
-          </a:prstGeom>
-          <a:ln/>
-        </p:spPr>
-        <p:style>
-          <a:lnRef idx="0">
-            <a:schemeClr val="accent3"/>
-          </a:lnRef>
-          <a:fillRef idx="3">
-            <a:schemeClr val="accent3"/>
-          </a:fillRef>
-          <a:effectRef idx="3">
-            <a:schemeClr val="accent3"/>
-          </a:effectRef>
-          <a:fontRef idx="minor">
-            <a:schemeClr val="lt1"/>
-          </a:fontRef>
-        </p:style>
-        <p:txBody>
-          <a:bodyPr rtlCol="0" anchor="ctr"/>
-          <a:lstStyle/>
-          <a:p>
-            <a:pPr algn="ctr"/>
-            <a:endParaRPr lang="en-US" dirty="0"/>
-          </a:p>
-        </p:txBody>
-      </p:sp>
-      <p:sp>
-        <p:nvSpPr>
-          <p:cNvPr id="5" name="TextBox 4">
-            <a:extLst>
-              <a:ext uri="{FF2B5EF4-FFF2-40B4-BE49-F238E27FC236}">
-                <a16:creationId xmlns:a16="http://schemas.microsoft.com/office/drawing/2014/main" id="{76F2B60B-AB78-D6EF-0625-25D0BEC217A2}"/>
-              </a:ext>
-            </a:extLst>
-          </p:cNvPr>
-          <p:cNvSpPr txBox="1"/>
-          <p:nvPr/>
-        </p:nvSpPr>
-        <p:spPr>
-          <a:xfrm>
-            <a:off x="1488866" y="532014"/>
-            <a:ext cx="7666341" cy="1107996"/>
-          </a:xfrm>
-          <a:prstGeom prst="rect">
-            <a:avLst/>
-          </a:prstGeom>
-          <a:noFill/>
-        </p:spPr>
-        <p:txBody>
-          <a:bodyPr wrap="square" rtlCol="0">
-            <a:spAutoFit/>
-          </a:bodyPr>
-          <a:lstStyle/>
-          <a:p>
-            <a:r>
-              <a:rPr lang="ru-RU" sz="6600" dirty="0">
-                <a:solidFill>
-                  <a:srgbClr val="FFFF00"/>
-                </a:solidFill>
-                <a:latin typeface="Bahnschrift SemiBold Condensed" panose="020B0502040204020203" pitchFamily="34" charset="0"/>
-              </a:rPr>
-              <a:t>Благодарности:</a:t>
-            </a:r>
-            <a:endParaRPr lang="en-US" sz="6600" dirty="0">
-              <a:solidFill>
-                <a:srgbClr val="FFFF00"/>
-              </a:solidFill>
-              <a:latin typeface="Bahnschrift SemiBold Condensed" panose="020B0502040204020203" pitchFamily="34" charset="0"/>
-            </a:endParaRPr>
-          </a:p>
-        </p:txBody>
-      </p:sp>
-      <p:sp>
-        <p:nvSpPr>
-          <p:cNvPr id="10" name="TextBox 9">
-            <a:extLst>
-              <a:ext uri="{FF2B5EF4-FFF2-40B4-BE49-F238E27FC236}">
-                <a16:creationId xmlns:a16="http://schemas.microsoft.com/office/drawing/2014/main" id="{39E64918-0AE9-8638-4284-107B7AA137D7}"/>
-              </a:ext>
-            </a:extLst>
-          </p:cNvPr>
-          <p:cNvSpPr txBox="1"/>
-          <p:nvPr/>
-        </p:nvSpPr>
-        <p:spPr>
-          <a:xfrm>
-            <a:off x="-658870" y="1805005"/>
-            <a:ext cx="4805316" cy="646331"/>
-          </a:xfrm>
-          <a:prstGeom prst="rect">
-            <a:avLst/>
-          </a:prstGeom>
-          <a:noFill/>
-        </p:spPr>
-        <p:txBody>
-          <a:bodyPr wrap="square" rtlCol="0">
-            <a:spAutoFit/>
-          </a:bodyPr>
-          <a:lstStyle/>
-          <a:p>
-            <a:pPr marL="285750" indent="-285750" algn="ctr">
-              <a:buFont typeface="Arial" panose="020B0604020202020204" pitchFamily="34" charset="0"/>
-              <a:buChar char="•"/>
-            </a:pPr>
-            <a:r>
-              <a:rPr lang="ru-RU" sz="3600" dirty="0">
-                <a:solidFill>
-                  <a:schemeClr val="accent1"/>
-                </a:solidFill>
-                <a:latin typeface="Bahnschrift SemiBold Condensed" panose="020B0502040204020203" pitchFamily="34" charset="0"/>
-              </a:rPr>
-              <a:t>Степанюк А.В.</a:t>
-            </a:r>
-          </a:p>
-        </p:txBody>
-      </p:sp>
       <p:pic>
         <p:nvPicPr>
-          <p:cNvPr id="6" name="Рисунок 5">
-            <a:extLst>
-              <a:ext uri="{FF2B5EF4-FFF2-40B4-BE49-F238E27FC236}">
-                <a16:creationId xmlns:a16="http://schemas.microsoft.com/office/drawing/2014/main" id="{DD9B1298-EECE-49EC-0730-E668480174B4}"/>
+          <p:cNvPr id="3" name="Рисунок 2">
+            <a:extLst>
+              <a:ext uri="{FF2B5EF4-FFF2-40B4-BE49-F238E27FC236}">
+                <a16:creationId xmlns:a16="http://schemas.microsoft.com/office/drawing/2014/main" id="{87DCD917-B3BC-B360-C5AB-4E62C9913F3C}"/>
               </a:ext>
             </a:extLst>
           </p:cNvPr>
@@ -4509,8 +3906,8 @@
         </p:blipFill>
         <p:spPr>
           <a:xfrm>
-            <a:off x="585799" y="2671268"/>
-            <a:ext cx="2513625" cy="3786213"/>
+            <a:off x="0" y="0"/>
+            <a:ext cx="12192000" cy="6858000"/>
           </a:xfrm>
           <a:prstGeom prst="rect">
             <a:avLst/>
@@ -4519,10 +3916,10 @@
       </p:pic>
       <p:sp>
         <p:nvSpPr>
-          <p:cNvPr id="9" name="TextBox 8">
-            <a:extLst>
-              <a:ext uri="{FF2B5EF4-FFF2-40B4-BE49-F238E27FC236}">
-                <a16:creationId xmlns:a16="http://schemas.microsoft.com/office/drawing/2014/main" id="{E7BBF321-EBF0-E87C-D14B-F9DE07182E71}"/>
+          <p:cNvPr id="2" name="TextBox 1">
+            <a:extLst>
+              <a:ext uri="{FF2B5EF4-FFF2-40B4-BE49-F238E27FC236}">
+                <a16:creationId xmlns:a16="http://schemas.microsoft.com/office/drawing/2014/main" id="{1F27ABB5-9006-4BE5-4209-ADA22134AFA4}"/>
               </a:ext>
             </a:extLst>
           </p:cNvPr>
@@ -4531,8 +3928,8 @@
         </p:nvSpPr>
         <p:spPr>
           <a:xfrm>
-            <a:off x="3282319" y="1848018"/>
-            <a:ext cx="5000532" cy="646331"/>
+            <a:off x="4050846" y="122464"/>
+            <a:ext cx="4090307" cy="1015663"/>
           </a:xfrm>
           <a:prstGeom prst="rect">
             <a:avLst/>
@@ -4545,28 +3942,24 @@
           </a:bodyPr>
           <a:lstStyle/>
           <a:p>
-            <a:pPr marL="285750" indent="-285750" algn="ctr">
-              <a:buFont typeface="Arial" panose="020B0604020202020204" pitchFamily="34" charset="0"/>
-              <a:buChar char="•"/>
-            </a:pPr>
-            <a:r>
-              <a:rPr lang="ru-RU" sz="3600" dirty="0">
+            <a:r>
+              <a:rPr lang="ru-RU" sz="6000" dirty="0">
                 <a:solidFill>
-                  <a:schemeClr val="accent1"/>
+                  <a:schemeClr val="bg2"/>
                 </a:solidFill>
                 <a:latin typeface="Bahnschrift SemiBold Condensed" panose="020B0502040204020203" pitchFamily="34" charset="0"/>
               </a:rPr>
-              <a:t>Снегирёв З.?</a:t>
+              <a:t>Благодарности</a:t>
             </a:r>
           </a:p>
         </p:txBody>
       </p:sp>
       <p:pic>
         <p:nvPicPr>
-          <p:cNvPr id="13" name="Рисунок 12">
-            <a:extLst>
-              <a:ext uri="{FF2B5EF4-FFF2-40B4-BE49-F238E27FC236}">
-                <a16:creationId xmlns:a16="http://schemas.microsoft.com/office/drawing/2014/main" id="{2969C256-1F37-4283-2038-EDA669D8B192}"/>
+          <p:cNvPr id="4" name="Рисунок 3">
+            <a:extLst>
+              <a:ext uri="{FF2B5EF4-FFF2-40B4-BE49-F238E27FC236}">
+                <a16:creationId xmlns:a16="http://schemas.microsoft.com/office/drawing/2014/main" id="{4E54B340-BD34-9496-880E-7F356987F965}"/>
               </a:ext>
             </a:extLst>
           </p:cNvPr>
@@ -4575,87 +3968,8 @@
           </p:cNvPicPr>
           <p:nvPr/>
         </p:nvPicPr>
-        <p:blipFill rotWithShape="1">
+        <p:blipFill>
           <a:blip r:embed="rId3">
-            <a:extLst>
-              <a:ext uri="{28A0092B-C50C-407E-A947-70E740481C1C}">
-                <a14:useLocalDpi xmlns:a14="http://schemas.microsoft.com/office/drawing/2010/main" val="0"/>
-              </a:ext>
-            </a:extLst>
-          </a:blip>
-          <a:srcRect l="72051" t="20848" r="3623"/>
-          <a:stretch/>
-        </p:blipFill>
-        <p:spPr>
-          <a:xfrm>
-            <a:off x="4648083" y="2671268"/>
-            <a:ext cx="2240932" cy="3786213"/>
-          </a:xfrm>
-          <a:prstGeom prst="rect">
-            <a:avLst/>
-          </a:prstGeom>
-        </p:spPr>
-      </p:pic>
-      <p:sp>
-        <p:nvSpPr>
-          <p:cNvPr id="14" name="TextBox 13">
-            <a:extLst>
-              <a:ext uri="{FF2B5EF4-FFF2-40B4-BE49-F238E27FC236}">
-                <a16:creationId xmlns:a16="http://schemas.microsoft.com/office/drawing/2014/main" id="{D623C022-F110-21AF-DB4B-228EF993A62A}"/>
-              </a:ext>
-            </a:extLst>
-          </p:cNvPr>
-          <p:cNvSpPr txBox="1"/>
-          <p:nvPr/>
-        </p:nvSpPr>
-        <p:spPr>
-          <a:xfrm>
-            <a:off x="7660154" y="1836032"/>
-            <a:ext cx="4805316" cy="646331"/>
-          </a:xfrm>
-          <a:prstGeom prst="rect">
-            <a:avLst/>
-          </a:prstGeom>
-          <a:noFill/>
-        </p:spPr>
-        <p:txBody>
-          <a:bodyPr wrap="square" rtlCol="0">
-            <a:spAutoFit/>
-          </a:bodyPr>
-          <a:lstStyle/>
-          <a:p>
-            <a:pPr marL="285750" indent="-285750" algn="ctr">
-              <a:buFont typeface="Arial" panose="020B0604020202020204" pitchFamily="34" charset="0"/>
-              <a:buChar char="•"/>
-            </a:pPr>
-            <a:r>
-              <a:rPr lang="ru-RU" sz="3600" dirty="0">
-                <a:solidFill>
-                  <a:schemeClr val="accent1"/>
-                </a:solidFill>
-                <a:latin typeface="Bahnschrift SemiBold Condensed" panose="020B0502040204020203" pitchFamily="34" charset="0"/>
-              </a:rPr>
-              <a:t>Бегемот</a:t>
-            </a:r>
-          </a:p>
-        </p:txBody>
-      </p:sp>
-      <p:pic>
-        <p:nvPicPr>
-          <p:cNvPr id="18" name="Рисунок 17">
-            <a:extLst>
-              <a:ext uri="{FF2B5EF4-FFF2-40B4-BE49-F238E27FC236}">
-                <a16:creationId xmlns:a16="http://schemas.microsoft.com/office/drawing/2014/main" id="{03ED6A10-F644-DF90-3801-0EE19AE93738}"/>
-              </a:ext>
-            </a:extLst>
-          </p:cNvPr>
-          <p:cNvPicPr>
-            <a:picLocks noChangeAspect="1"/>
-          </p:cNvPicPr>
-          <p:nvPr/>
-        </p:nvPicPr>
-        <p:blipFill>
-          <a:blip r:embed="rId4">
             <a:extLst>
               <a:ext uri="{28A0092B-C50C-407E-A947-70E740481C1C}">
                 <a14:useLocalDpi xmlns:a14="http://schemas.microsoft.com/office/drawing/2010/main" val="0"/>
@@ -4668,6 +3982,77 @@
         </p:blipFill>
         <p:spPr>
           <a:xfrm>
+            <a:off x="585799" y="2671268"/>
+            <a:ext cx="2513625" cy="3786213"/>
+          </a:xfrm>
+          <a:prstGeom prst="rect">
+            <a:avLst/>
+          </a:prstGeom>
+        </p:spPr>
+      </p:pic>
+      <p:pic>
+        <p:nvPicPr>
+          <p:cNvPr id="5" name="Рисунок 4">
+            <a:extLst>
+              <a:ext uri="{FF2B5EF4-FFF2-40B4-BE49-F238E27FC236}">
+                <a16:creationId xmlns:a16="http://schemas.microsoft.com/office/drawing/2014/main" id="{7EDA5F43-0E25-C36B-B972-2F1017CD7DB6}"/>
+              </a:ext>
+            </a:extLst>
+          </p:cNvPr>
+          <p:cNvPicPr>
+            <a:picLocks noChangeAspect="1"/>
+          </p:cNvPicPr>
+          <p:nvPr/>
+        </p:nvPicPr>
+        <p:blipFill rotWithShape="1">
+          <a:blip r:embed="rId4">
+            <a:extLst>
+              <a:ext uri="{28A0092B-C50C-407E-A947-70E740481C1C}">
+                <a14:useLocalDpi xmlns:a14="http://schemas.microsoft.com/office/drawing/2010/main" val="0"/>
+              </a:ext>
+            </a:extLst>
+          </a:blip>
+          <a:srcRect l="72051" t="20848" r="3623"/>
+          <a:stretch/>
+        </p:blipFill>
+        <p:spPr>
+          <a:xfrm>
+            <a:off x="4648083" y="2671268"/>
+            <a:ext cx="2240932" cy="3786213"/>
+          </a:xfrm>
+          <a:prstGeom prst="rect">
+            <a:avLst/>
+          </a:prstGeom>
+        </p:spPr>
+      </p:pic>
+      <p:pic>
+        <p:nvPicPr>
+          <p:cNvPr id="6" name="Рисунок 5">
+            <a:extLst>
+              <a:ext uri="{FF2B5EF4-FFF2-40B4-BE49-F238E27FC236}">
+                <a16:creationId xmlns:a16="http://schemas.microsoft.com/office/drawing/2014/main" id="{801199F3-A077-471E-9C78-D1C2A9FB4691}"/>
+              </a:ext>
+            </a:extLst>
+          </p:cNvPr>
+          <p:cNvPicPr>
+            <a:picLocks noChangeAspect="1"/>
+          </p:cNvPicPr>
+          <p:nvPr/>
+        </p:nvPicPr>
+        <p:blipFill>
+          <a:blip r:embed="rId5">
+            <a:extLst>
+              <a:ext uri="{28A0092B-C50C-407E-A947-70E740481C1C}">
+                <a14:useLocalDpi xmlns:a14="http://schemas.microsoft.com/office/drawing/2010/main" val="0"/>
+              </a:ext>
+            </a:extLst>
+          </a:blip>
+          <a:stretch>
+            <a:fillRect/>
+          </a:stretch>
+        </p:blipFill>
+        <p:spPr>
+          <a:xfrm>
             <a:off x="8867383" y="2664152"/>
             <a:ext cx="2605160" cy="3793329"/>
           </a:xfrm>
@@ -4676,10 +4061,133 @@
           </a:prstGeom>
         </p:spPr>
       </p:pic>
+      <p:sp>
+        <p:nvSpPr>
+          <p:cNvPr id="7" name="TextBox 6">
+            <a:extLst>
+              <a:ext uri="{FF2B5EF4-FFF2-40B4-BE49-F238E27FC236}">
+                <a16:creationId xmlns:a16="http://schemas.microsoft.com/office/drawing/2014/main" id="{5E02B88F-4C73-F96F-6DFC-E6A045081F2C}"/>
+              </a:ext>
+            </a:extLst>
+          </p:cNvPr>
+          <p:cNvSpPr txBox="1"/>
+          <p:nvPr/>
+        </p:nvSpPr>
+        <p:spPr>
+          <a:xfrm>
+            <a:off x="-658870" y="1805005"/>
+            <a:ext cx="4805316" cy="646331"/>
+          </a:xfrm>
+          <a:prstGeom prst="rect">
+            <a:avLst/>
+          </a:prstGeom>
+          <a:noFill/>
+        </p:spPr>
+        <p:txBody>
+          <a:bodyPr wrap="square" rtlCol="0">
+            <a:spAutoFit/>
+          </a:bodyPr>
+          <a:lstStyle/>
+          <a:p>
+            <a:pPr marL="285750" indent="-285750" algn="ctr">
+              <a:buFont typeface="Arial" panose="020B0604020202020204" pitchFamily="34" charset="0"/>
+              <a:buChar char="•"/>
+            </a:pPr>
+            <a:r>
+              <a:rPr lang="ru-RU" sz="3600" dirty="0">
+                <a:latin typeface="Bahnschrift SemiBold Condensed" panose="020B0502040204020203" pitchFamily="34" charset="0"/>
+              </a:rPr>
+              <a:t>Степанюк А.В.</a:t>
+            </a:r>
+          </a:p>
+        </p:txBody>
+      </p:sp>
+      <p:sp>
+        <p:nvSpPr>
+          <p:cNvPr id="8" name="TextBox 7">
+            <a:extLst>
+              <a:ext uri="{FF2B5EF4-FFF2-40B4-BE49-F238E27FC236}">
+                <a16:creationId xmlns:a16="http://schemas.microsoft.com/office/drawing/2014/main" id="{761EE8A8-0984-F38B-9761-8A97378324F0}"/>
+              </a:ext>
+            </a:extLst>
+          </p:cNvPr>
+          <p:cNvSpPr txBox="1"/>
+          <p:nvPr/>
+        </p:nvSpPr>
+        <p:spPr>
+          <a:xfrm>
+            <a:off x="3282319" y="1848018"/>
+            <a:ext cx="5000532" cy="646331"/>
+          </a:xfrm>
+          <a:prstGeom prst="rect">
+            <a:avLst/>
+          </a:prstGeom>
+          <a:noFill/>
+        </p:spPr>
+        <p:txBody>
+          <a:bodyPr wrap="square" rtlCol="0">
+            <a:spAutoFit/>
+          </a:bodyPr>
+          <a:lstStyle/>
+          <a:p>
+            <a:pPr marL="285750" indent="-285750" algn="ctr">
+              <a:buFont typeface="Arial" panose="020B0604020202020204" pitchFamily="34" charset="0"/>
+              <a:buChar char="•"/>
+            </a:pPr>
+            <a:r>
+              <a:rPr lang="ru-RU" sz="3600" dirty="0">
+                <a:latin typeface="Bahnschrift SemiBold Condensed" panose="020B0502040204020203" pitchFamily="34" charset="0"/>
+              </a:rPr>
+              <a:t>Снегирёв З.?</a:t>
+            </a:r>
+          </a:p>
+        </p:txBody>
+      </p:sp>
+      <p:sp>
+        <p:nvSpPr>
+          <p:cNvPr id="9" name="TextBox 8">
+            <a:extLst>
+              <a:ext uri="{FF2B5EF4-FFF2-40B4-BE49-F238E27FC236}">
+                <a16:creationId xmlns:a16="http://schemas.microsoft.com/office/drawing/2014/main" id="{D3A5B2ED-A939-7BBC-9EC5-ECF4DCC53041}"/>
+              </a:ext>
+            </a:extLst>
+          </p:cNvPr>
+          <p:cNvSpPr txBox="1"/>
+          <p:nvPr/>
+        </p:nvSpPr>
+        <p:spPr>
+          <a:xfrm>
+            <a:off x="7660154" y="1836032"/>
+            <a:ext cx="4805316" cy="646331"/>
+          </a:xfrm>
+          <a:prstGeom prst="rect">
+            <a:avLst/>
+          </a:prstGeom>
+          <a:noFill/>
+        </p:spPr>
+        <p:txBody>
+          <a:bodyPr wrap="square" rtlCol="0">
+            <a:spAutoFit/>
+          </a:bodyPr>
+          <a:lstStyle/>
+          <a:p>
+            <a:pPr marL="285750" indent="-285750" algn="ctr">
+              <a:buFont typeface="Arial" panose="020B0604020202020204" pitchFamily="34" charset="0"/>
+              <a:buChar char="•"/>
+            </a:pPr>
+            <a:r>
+              <a:rPr lang="ru-RU" sz="3600" dirty="0">
+                <a:latin typeface="Bahnschrift SemiBold Condensed" panose="020B0502040204020203" pitchFamily="34" charset="0"/>
+              </a:rPr>
+              <a:t>Бегемот</a:t>
+            </a:r>
+          </a:p>
+        </p:txBody>
+      </p:sp>
     </p:spTree>
     <p:extLst>
       <p:ext uri="{BB962C8B-B14F-4D97-AF65-F5344CB8AC3E}">
-        <p14:creationId xmlns:p14="http://schemas.microsoft.com/office/powerpoint/2010/main" val="2407084281"/>
+        <p14:creationId xmlns:p14="http://schemas.microsoft.com/office/powerpoint/2010/main" val="2930442039"/>
       </p:ext>
     </p:extLst>
   </p:cSld>
@@ -4708,10 +4216,10 @@
       </p:grpSpPr>
       <p:pic>
         <p:nvPicPr>
-          <p:cNvPr id="12" name="Рисунок 11">
-            <a:extLst>
-              <a:ext uri="{FF2B5EF4-FFF2-40B4-BE49-F238E27FC236}">
-                <a16:creationId xmlns:a16="http://schemas.microsoft.com/office/drawing/2014/main" id="{49A1899D-8518-5BB2-AB03-CFDFAED23C71}"/>
+          <p:cNvPr id="14" name="Рисунок 13">
+            <a:extLst>
+              <a:ext uri="{FF2B5EF4-FFF2-40B4-BE49-F238E27FC236}">
+                <a16:creationId xmlns:a16="http://schemas.microsoft.com/office/drawing/2014/main" id="{56182E69-43C6-4FA9-9DD4-217FFC41C75F}"/>
               </a:ext>
             </a:extLst>
           </p:cNvPr>
@@ -4735,7 +4243,7 @@
         <p:spPr>
           <a:xfrm>
             <a:off x="0" y="0"/>
-            <a:ext cx="12192000" cy="6858000"/>
+            <a:ext cx="12192001" cy="6858000"/>
           </a:xfrm>
           <a:prstGeom prst="rect">
             <a:avLst/>
@@ -4744,10 +4252,10 @@
       </p:pic>
       <p:sp>
         <p:nvSpPr>
-          <p:cNvPr id="14" name="TextBox 13">
-            <a:extLst>
-              <a:ext uri="{FF2B5EF4-FFF2-40B4-BE49-F238E27FC236}">
-                <a16:creationId xmlns:a16="http://schemas.microsoft.com/office/drawing/2014/main" id="{1600BDBA-7903-7A06-A877-9BAA51308E97}"/>
+          <p:cNvPr id="15" name="TextBox 14">
+            <a:extLst>
+              <a:ext uri="{FF2B5EF4-FFF2-40B4-BE49-F238E27FC236}">
+                <a16:creationId xmlns:a16="http://schemas.microsoft.com/office/drawing/2014/main" id="{D2B7AE4C-EB1B-6933-C690-38B2925CDAA5}"/>
               </a:ext>
             </a:extLst>
           </p:cNvPr>
@@ -4756,8 +4264,8 @@
         </p:nvSpPr>
         <p:spPr>
           <a:xfrm>
-            <a:off x="4269921" y="2514600"/>
-            <a:ext cx="3894366" cy="1015663"/>
+            <a:off x="3966749" y="2875002"/>
+            <a:ext cx="4964979" cy="1107996"/>
           </a:xfrm>
           <a:prstGeom prst="rect">
             <a:avLst/>
@@ -4771,17 +4279,23 @@
           <a:lstStyle/>
           <a:p>
             <a:r>
-              <a:rPr lang="ru-RU" sz="6000" dirty="0">
+              <a:rPr lang="ru-RU" sz="6600" dirty="0">
                 <a:solidFill>
-                  <a:srgbClr val="FFFF00"/>
+                  <a:schemeClr val="accent5">
+                    <a:lumMod val="20000"/>
+                    <a:lumOff val="80000"/>
+                  </a:schemeClr>
                 </a:solidFill>
                 <a:latin typeface="Bahnschrift SemiBold Condensed" panose="020B0502040204020203" pitchFamily="34" charset="0"/>
               </a:rPr>
-              <a:t>Ваши вопросы</a:t>
-            </a:r>
-            <a:endParaRPr lang="en-US" sz="6000" dirty="0">
+              <a:t>Ваши вопросы.</a:t>
+            </a:r>
+            <a:endParaRPr lang="en-US" sz="6600" dirty="0">
               <a:solidFill>
-                <a:srgbClr val="FFFF00"/>
+                <a:schemeClr val="accent5">
+                  <a:lumMod val="20000"/>
+                  <a:lumOff val="80000"/>
+                </a:schemeClr>
               </a:solidFill>
               <a:latin typeface="Bahnschrift SemiBold Condensed" panose="020B0502040204020203" pitchFamily="34" charset="0"/>
             </a:endParaRPr>
@@ -4791,7 +4305,7 @@
     </p:spTree>
     <p:extLst>
       <p:ext uri="{BB962C8B-B14F-4D97-AF65-F5344CB8AC3E}">
-        <p14:creationId xmlns:p14="http://schemas.microsoft.com/office/powerpoint/2010/main" val="1131774903"/>
+        <p14:creationId xmlns:p14="http://schemas.microsoft.com/office/powerpoint/2010/main" val="2670221289"/>
       </p:ext>
     </p:extLst>
   </p:cSld>
@@ -4820,10 +4334,10 @@
       </p:grpSpPr>
       <p:pic>
         <p:nvPicPr>
-          <p:cNvPr id="12" name="Рисунок 11">
-            <a:extLst>
-              <a:ext uri="{FF2B5EF4-FFF2-40B4-BE49-F238E27FC236}">
-                <a16:creationId xmlns:a16="http://schemas.microsoft.com/office/drawing/2014/main" id="{49A1899D-8518-5BB2-AB03-CFDFAED23C71}"/>
+          <p:cNvPr id="14" name="Рисунок 13">
+            <a:extLst>
+              <a:ext uri="{FF2B5EF4-FFF2-40B4-BE49-F238E27FC236}">
+                <a16:creationId xmlns:a16="http://schemas.microsoft.com/office/drawing/2014/main" id="{56182E69-43C6-4FA9-9DD4-217FFC41C75F}"/>
               </a:ext>
             </a:extLst>
           </p:cNvPr>
@@ -4847,7 +4361,7 @@
         <p:spPr>
           <a:xfrm>
             <a:off x="0" y="0"/>
-            <a:ext cx="12192000" cy="6858000"/>
+            <a:ext cx="12192001" cy="6858000"/>
           </a:xfrm>
           <a:prstGeom prst="rect">
             <a:avLst/>
@@ -4856,10 +4370,10 @@
       </p:pic>
       <p:sp>
         <p:nvSpPr>
-          <p:cNvPr id="14" name="TextBox 13">
-            <a:extLst>
-              <a:ext uri="{FF2B5EF4-FFF2-40B4-BE49-F238E27FC236}">
-                <a16:creationId xmlns:a16="http://schemas.microsoft.com/office/drawing/2014/main" id="{1600BDBA-7903-7A06-A877-9BAA51308E97}"/>
+          <p:cNvPr id="15" name="TextBox 14">
+            <a:extLst>
+              <a:ext uri="{FF2B5EF4-FFF2-40B4-BE49-F238E27FC236}">
+                <a16:creationId xmlns:a16="http://schemas.microsoft.com/office/drawing/2014/main" id="{D2B7AE4C-EB1B-6933-C690-38B2925CDAA5}"/>
               </a:ext>
             </a:extLst>
           </p:cNvPr>
@@ -4868,8 +4382,8 @@
         </p:nvSpPr>
         <p:spPr>
           <a:xfrm>
-            <a:off x="2898322" y="2514600"/>
-            <a:ext cx="6090558" cy="1015663"/>
+            <a:off x="2878724" y="2875002"/>
+            <a:ext cx="6434551" cy="1107996"/>
           </a:xfrm>
           <a:prstGeom prst="rect">
             <a:avLst/>
@@ -4883,17 +4397,23 @@
           <a:lstStyle/>
           <a:p>
             <a:r>
-              <a:rPr lang="ru-RU" sz="6000" dirty="0">
+              <a:rPr lang="ru-RU" sz="6600" dirty="0">
                 <a:solidFill>
-                  <a:srgbClr val="FFFF00"/>
+                  <a:schemeClr val="accent5">
+                    <a:lumMod val="20000"/>
+                    <a:lumOff val="80000"/>
+                  </a:schemeClr>
                 </a:solidFill>
                 <a:latin typeface="Bahnschrift SemiBold Condensed" panose="020B0502040204020203" pitchFamily="34" charset="0"/>
               </a:rPr>
               <a:t>Спасибо за внимание!</a:t>
             </a:r>
-            <a:endParaRPr lang="en-US" sz="6000" dirty="0">
+            <a:endParaRPr lang="en-US" sz="6600" dirty="0">
               <a:solidFill>
-                <a:srgbClr val="FFFF00"/>
+                <a:schemeClr val="accent5">
+                  <a:lumMod val="20000"/>
+                  <a:lumOff val="80000"/>
+                </a:schemeClr>
               </a:solidFill>
               <a:latin typeface="Bahnschrift SemiBold Condensed" panose="020B0502040204020203" pitchFamily="34" charset="0"/>
             </a:endParaRPr>
@@ -4903,7 +4423,7 @@
     </p:spTree>
     <p:extLst>
       <p:ext uri="{BB962C8B-B14F-4D97-AF65-F5344CB8AC3E}">
-        <p14:creationId xmlns:p14="http://schemas.microsoft.com/office/powerpoint/2010/main" val="72866845"/>
+        <p14:creationId xmlns:p14="http://schemas.microsoft.com/office/powerpoint/2010/main" val="41040774"/>
       </p:ext>
     </p:extLst>
   </p:cSld>
@@ -4932,10 +4452,10 @@
       </p:grpSpPr>
       <p:pic>
         <p:nvPicPr>
-          <p:cNvPr id="5" name="Рисунок 4">
-            <a:extLst>
-              <a:ext uri="{FF2B5EF4-FFF2-40B4-BE49-F238E27FC236}">
-                <a16:creationId xmlns:a16="http://schemas.microsoft.com/office/drawing/2014/main" id="{67CF3B11-50A3-3F23-FAD8-905363CE7583}"/>
+          <p:cNvPr id="3" name="Рисунок 2">
+            <a:extLst>
+              <a:ext uri="{FF2B5EF4-FFF2-40B4-BE49-F238E27FC236}">
+                <a16:creationId xmlns:a16="http://schemas.microsoft.com/office/drawing/2014/main" id="{87DCD917-B3BC-B360-C5AB-4E62C9913F3C}"/>
               </a:ext>
             </a:extLst>
           </p:cNvPr>
@@ -4958,8 +4478,8 @@
         </p:blipFill>
         <p:spPr>
           <a:xfrm>
-            <a:off x="0" y="-16329"/>
-            <a:ext cx="12192000" cy="6874329"/>
+            <a:off x="0" y="0"/>
+            <a:ext cx="12192000" cy="6858000"/>
           </a:xfrm>
           <a:prstGeom prst="rect">
             <a:avLst/>
@@ -4968,10 +4488,10 @@
       </p:pic>
       <p:sp>
         <p:nvSpPr>
-          <p:cNvPr id="6" name="TextBox 5">
-            <a:extLst>
-              <a:ext uri="{FF2B5EF4-FFF2-40B4-BE49-F238E27FC236}">
-                <a16:creationId xmlns:a16="http://schemas.microsoft.com/office/drawing/2014/main" id="{29458B39-E45F-6526-04C8-EC9336D7726E}"/>
+          <p:cNvPr id="4" name="TextBox 3">
+            <a:extLst>
+              <a:ext uri="{FF2B5EF4-FFF2-40B4-BE49-F238E27FC236}">
+                <a16:creationId xmlns:a16="http://schemas.microsoft.com/office/drawing/2014/main" id="{9F44CB1E-973D-C0A2-CBE6-C465AA349475}"/>
               </a:ext>
             </a:extLst>
           </p:cNvPr>
@@ -4980,7 +4500,7 @@
         </p:nvSpPr>
         <p:spPr>
           <a:xfrm>
-            <a:off x="718458" y="1804307"/>
+            <a:off x="1069522" y="1735889"/>
             <a:ext cx="7323364" cy="1938992"/>
           </a:xfrm>
           <a:prstGeom prst="rect">
@@ -4996,9 +4516,6 @@
           <a:p>
             <a:r>
               <a:rPr lang="ru-RU" sz="6000" dirty="0">
-                <a:solidFill>
-                  <a:srgbClr val="FFFF00"/>
-                </a:solidFill>
                 <a:latin typeface="Bahnschrift SemiBold Condensed" panose="020B0502040204020203" pitchFamily="34" charset="0"/>
               </a:rPr>
               <a:t>Сага битв и приключений –</a:t>
@@ -5016,10 +4533,10 @@
       </p:sp>
       <p:sp>
         <p:nvSpPr>
-          <p:cNvPr id="18" name="TextBox 17">
-            <a:extLst>
-              <a:ext uri="{FF2B5EF4-FFF2-40B4-BE49-F238E27FC236}">
-                <a16:creationId xmlns:a16="http://schemas.microsoft.com/office/drawing/2014/main" id="{B6D5A673-BFC2-798E-29E5-8B83FA524E5C}"/>
+          <p:cNvPr id="7" name="TextBox 6">
+            <a:extLst>
+              <a:ext uri="{FF2B5EF4-FFF2-40B4-BE49-F238E27FC236}">
+                <a16:creationId xmlns:a16="http://schemas.microsoft.com/office/drawing/2014/main" id="{3EB13891-EBAB-F5D7-B956-EEE3A542988C}"/>
               </a:ext>
             </a:extLst>
           </p:cNvPr>
@@ -5028,8 +4545,8 @@
         </p:nvSpPr>
         <p:spPr>
           <a:xfrm>
-            <a:off x="1620982" y="2913760"/>
-            <a:ext cx="10365971" cy="1200329"/>
+            <a:off x="3010789" y="2922698"/>
+            <a:ext cx="9434304" cy="1754326"/>
           </a:xfrm>
           <a:prstGeom prst="rect">
             <a:avLst/>
@@ -5046,7 +4563,7 @@
             <a:r>
               <a:rPr lang="ru-RU" sz="3600" dirty="0">
                 <a:solidFill>
-                  <a:schemeClr val="accent1"/>
+                  <a:srgbClr val="00B0F0"/>
                 </a:solidFill>
                 <a:latin typeface="Bahnschrift SemiBold Condensed" panose="020B0502040204020203" pitchFamily="34" charset="0"/>
               </a:rPr>
@@ -5054,17 +4571,53 @@
             </a:r>
             <a:endParaRPr lang="en-US" sz="3600" dirty="0">
               <a:solidFill>
-                <a:schemeClr val="accent1"/>
+                <a:srgbClr val="00B0F0"/>
               </a:solidFill>
               <a:latin typeface="Bahnschrift SemiBold Condensed" panose="020B0502040204020203" pitchFamily="34" charset="0"/>
             </a:endParaRPr>
           </a:p>
         </p:txBody>
       </p:sp>
+      <p:pic>
+        <p:nvPicPr>
+          <p:cNvPr id="9" name="Рисунок 8">
+            <a:extLst>
+              <a:ext uri="{FF2B5EF4-FFF2-40B4-BE49-F238E27FC236}">
+                <a16:creationId xmlns:a16="http://schemas.microsoft.com/office/drawing/2014/main" id="{804E3D3B-8DC2-0ED2-96CF-BCE4229AB21E}"/>
+              </a:ext>
+            </a:extLst>
+          </p:cNvPr>
+          <p:cNvPicPr>
+            <a:picLocks noChangeAspect="1"/>
+          </p:cNvPicPr>
+          <p:nvPr/>
+        </p:nvPicPr>
+        <p:blipFill>
+          <a:blip r:embed="rId3">
+            <a:extLst>
+              <a:ext uri="{28A0092B-C50C-407E-A947-70E740481C1C}">
+                <a14:useLocalDpi xmlns:a14="http://schemas.microsoft.com/office/drawing/2010/main" val="0"/>
+              </a:ext>
+            </a:extLst>
+          </a:blip>
+          <a:stretch>
+            <a:fillRect/>
+          </a:stretch>
+        </p:blipFill>
+        <p:spPr>
+          <a:xfrm>
+            <a:off x="391885" y="3309097"/>
+            <a:ext cx="2491445" cy="3176726"/>
+          </a:xfrm>
+          <a:prstGeom prst="rect">
+            <a:avLst/>
+          </a:prstGeom>
+        </p:spPr>
+      </p:pic>
     </p:spTree>
     <p:extLst>
       <p:ext uri="{BB962C8B-B14F-4D97-AF65-F5344CB8AC3E}">
-        <p14:creationId xmlns:p14="http://schemas.microsoft.com/office/powerpoint/2010/main" val="3298975983"/>
+        <p14:creationId xmlns:p14="http://schemas.microsoft.com/office/powerpoint/2010/main" val="2872425234"/>
       </p:ext>
     </p:extLst>
   </p:cSld>
@@ -5093,10 +4646,10 @@
       </p:grpSpPr>
       <p:pic>
         <p:nvPicPr>
-          <p:cNvPr id="5" name="Рисунок 4">
-            <a:extLst>
-              <a:ext uri="{FF2B5EF4-FFF2-40B4-BE49-F238E27FC236}">
-                <a16:creationId xmlns:a16="http://schemas.microsoft.com/office/drawing/2014/main" id="{67CF3B11-50A3-3F23-FAD8-905363CE7583}"/>
+          <p:cNvPr id="3" name="Рисунок 2">
+            <a:extLst>
+              <a:ext uri="{FF2B5EF4-FFF2-40B4-BE49-F238E27FC236}">
+                <a16:creationId xmlns:a16="http://schemas.microsoft.com/office/drawing/2014/main" id="{87DCD917-B3BC-B360-C5AB-4E62C9913F3C}"/>
               </a:ext>
             </a:extLst>
           </p:cNvPr>
@@ -5119,8 +4672,8 @@
         </p:blipFill>
         <p:spPr>
           <a:xfrm>
-            <a:off x="0" y="-16329"/>
-            <a:ext cx="12192000" cy="6874329"/>
+            <a:off x="0" y="0"/>
+            <a:ext cx="12192000" cy="6858000"/>
           </a:xfrm>
           <a:prstGeom prst="rect">
             <a:avLst/>
@@ -5129,10 +4682,10 @@
       </p:pic>
       <p:sp>
         <p:nvSpPr>
-          <p:cNvPr id="6" name="TextBox 5">
-            <a:extLst>
-              <a:ext uri="{FF2B5EF4-FFF2-40B4-BE49-F238E27FC236}">
-                <a16:creationId xmlns:a16="http://schemas.microsoft.com/office/drawing/2014/main" id="{29458B39-E45F-6526-04C8-EC9336D7726E}"/>
+          <p:cNvPr id="2" name="TextBox 1">
+            <a:extLst>
+              <a:ext uri="{FF2B5EF4-FFF2-40B4-BE49-F238E27FC236}">
+                <a16:creationId xmlns:a16="http://schemas.microsoft.com/office/drawing/2014/main" id="{1F27ABB5-9006-4BE5-4209-ADA22134AFA4}"/>
               </a:ext>
             </a:extLst>
           </p:cNvPr>
@@ -5141,8 +4694,8 @@
         </p:nvSpPr>
         <p:spPr>
           <a:xfrm>
-            <a:off x="718458" y="1804307"/>
-            <a:ext cx="7323364" cy="1938992"/>
+            <a:off x="4332514" y="81642"/>
+            <a:ext cx="3526971" cy="1015663"/>
           </a:xfrm>
           <a:prstGeom prst="rect">
             <a:avLst/>
@@ -5162,25 +4715,26 @@
                 </a:solidFill>
                 <a:latin typeface="Bahnschrift SemiBold Condensed" panose="020B0502040204020203" pitchFamily="34" charset="0"/>
               </a:rPr>
-              <a:t>  Цель игры -</a:t>
-            </a:r>
-          </a:p>
-          <a:p>
-            <a:endParaRPr lang="en-US" sz="6000" dirty="0">
-              <a:solidFill>
-                <a:srgbClr val="FFFF00"/>
-              </a:solidFill>
-              <a:latin typeface="Bahnschrift SemiBold Condensed" panose="020B0502040204020203" pitchFamily="34" charset="0"/>
-            </a:endParaRPr>
-          </a:p>
-        </p:txBody>
-      </p:sp>
-      <p:sp>
-        <p:nvSpPr>
-          <p:cNvPr id="18" name="TextBox 17">
-            <a:extLst>
-              <a:ext uri="{FF2B5EF4-FFF2-40B4-BE49-F238E27FC236}">
-                <a16:creationId xmlns:a16="http://schemas.microsoft.com/office/drawing/2014/main" id="{B6D5A673-BFC2-798E-29E5-8B83FA524E5C}"/>
+              <a:t>  </a:t>
+            </a:r>
+            <a:r>
+              <a:rPr lang="ru-RU" sz="6000" dirty="0">
+                <a:solidFill>
+                  <a:schemeClr val="bg2"/>
+                </a:solidFill>
+                <a:latin typeface="Bahnschrift SemiBold Condensed" panose="020B0502040204020203" pitchFamily="34" charset="0"/>
+              </a:rPr>
+              <a:t>Цель игры </a:t>
+            </a:r>
+          </a:p>
+        </p:txBody>
+      </p:sp>
+      <p:sp>
+        <p:nvSpPr>
+          <p:cNvPr id="4" name="TextBox 3">
+            <a:extLst>
+              <a:ext uri="{FF2B5EF4-FFF2-40B4-BE49-F238E27FC236}">
+                <a16:creationId xmlns:a16="http://schemas.microsoft.com/office/drawing/2014/main" id="{E234F8A8-825D-EDDD-76B5-0111064DAC2C}"/>
               </a:ext>
             </a:extLst>
           </p:cNvPr>
@@ -5189,8 +4743,8 @@
         </p:nvSpPr>
         <p:spPr>
           <a:xfrm>
-            <a:off x="1620982" y="2913760"/>
-            <a:ext cx="10365971" cy="1200329"/>
+            <a:off x="1000496" y="2828835"/>
+            <a:ext cx="10919361" cy="1200329"/>
           </a:xfrm>
           <a:prstGeom prst="rect">
             <a:avLst/>
@@ -5206,17 +4760,11 @@
             <a:pPr algn="ctr"/>
             <a:r>
               <a:rPr lang="ru-RU" sz="3600" dirty="0">
-                <a:solidFill>
-                  <a:schemeClr val="accent1"/>
-                </a:solidFill>
                 <a:latin typeface="Bahnschrift SemiBold Condensed" panose="020B0502040204020203" pitchFamily="34" charset="0"/>
               </a:rPr>
-              <a:t>развитие критического и логического мышления у подростковой аудитории. </a:t>
+              <a:t>Главной целью игры является развитие критического и логического мышления у подростковой аудитории. </a:t>
             </a:r>
             <a:endParaRPr lang="en-US" sz="3600" dirty="0">
-              <a:solidFill>
-                <a:schemeClr val="accent1"/>
-              </a:solidFill>
               <a:latin typeface="Bahnschrift SemiBold Condensed" panose="020B0502040204020203" pitchFamily="34" charset="0"/>
             </a:endParaRPr>
           </a:p>
@@ -5224,10 +4772,10 @@
       </p:sp>
       <p:pic>
         <p:nvPicPr>
-          <p:cNvPr id="3" name="Рисунок 2">
-            <a:extLst>
-              <a:ext uri="{FF2B5EF4-FFF2-40B4-BE49-F238E27FC236}">
-                <a16:creationId xmlns:a16="http://schemas.microsoft.com/office/drawing/2014/main" id="{FBD3F026-BEBF-ADB6-AB22-E26EAFAC0826}"/>
+          <p:cNvPr id="6" name="Рисунок 5">
+            <a:extLst>
+              <a:ext uri="{FF2B5EF4-FFF2-40B4-BE49-F238E27FC236}">
+                <a16:creationId xmlns:a16="http://schemas.microsoft.com/office/drawing/2014/main" id="{6DBD39EE-58BD-BCE0-B43E-74A89CD23DF3}"/>
               </a:ext>
             </a:extLst>
           </p:cNvPr>
@@ -5250,8 +4798,8 @@
         </p:blipFill>
         <p:spPr>
           <a:xfrm>
-            <a:off x="8041822" y="4114089"/>
-            <a:ext cx="1504950" cy="581025"/>
+            <a:off x="272143" y="4029164"/>
+            <a:ext cx="2887482" cy="2555421"/>
           </a:xfrm>
           <a:prstGeom prst="rect">
             <a:avLst/>
@@ -5261,7 +4809,7 @@
     </p:spTree>
     <p:extLst>
       <p:ext uri="{BB962C8B-B14F-4D97-AF65-F5344CB8AC3E}">
-        <p14:creationId xmlns:p14="http://schemas.microsoft.com/office/powerpoint/2010/main" val="550957847"/>
+        <p14:creationId xmlns:p14="http://schemas.microsoft.com/office/powerpoint/2010/main" val="1230337971"/>
       </p:ext>
     </p:extLst>
   </p:cSld>
@@ -5290,10 +4838,10 @@
       </p:grpSpPr>
       <p:pic>
         <p:nvPicPr>
-          <p:cNvPr id="5" name="Рисунок 4">
-            <a:extLst>
-              <a:ext uri="{FF2B5EF4-FFF2-40B4-BE49-F238E27FC236}">
-                <a16:creationId xmlns:a16="http://schemas.microsoft.com/office/drawing/2014/main" id="{67CF3B11-50A3-3F23-FAD8-905363CE7583}"/>
+          <p:cNvPr id="3" name="Рисунок 2">
+            <a:extLst>
+              <a:ext uri="{FF2B5EF4-FFF2-40B4-BE49-F238E27FC236}">
+                <a16:creationId xmlns:a16="http://schemas.microsoft.com/office/drawing/2014/main" id="{87DCD917-B3BC-B360-C5AB-4E62C9913F3C}"/>
               </a:ext>
             </a:extLst>
           </p:cNvPr>
@@ -5316,8 +4864,8 @@
         </p:blipFill>
         <p:spPr>
           <a:xfrm>
-            <a:off x="0" y="-16329"/>
-            <a:ext cx="12192000" cy="6874329"/>
+            <a:off x="0" y="0"/>
+            <a:ext cx="12192000" cy="6858000"/>
           </a:xfrm>
           <a:prstGeom prst="rect">
             <a:avLst/>
@@ -5326,10 +4874,10 @@
       </p:pic>
       <p:sp>
         <p:nvSpPr>
-          <p:cNvPr id="6" name="TextBox 5">
-            <a:extLst>
-              <a:ext uri="{FF2B5EF4-FFF2-40B4-BE49-F238E27FC236}">
-                <a16:creationId xmlns:a16="http://schemas.microsoft.com/office/drawing/2014/main" id="{29458B39-E45F-6526-04C8-EC9336D7726E}"/>
+          <p:cNvPr id="2" name="TextBox 1">
+            <a:extLst>
+              <a:ext uri="{FF2B5EF4-FFF2-40B4-BE49-F238E27FC236}">
+                <a16:creationId xmlns:a16="http://schemas.microsoft.com/office/drawing/2014/main" id="{1F27ABB5-9006-4BE5-4209-ADA22134AFA4}"/>
               </a:ext>
             </a:extLst>
           </p:cNvPr>
@@ -5338,8 +4886,8 @@
         </p:nvSpPr>
         <p:spPr>
           <a:xfrm>
-            <a:off x="1510393" y="685800"/>
-            <a:ext cx="5331279" cy="1015663"/>
+            <a:off x="4332514" y="81642"/>
+            <a:ext cx="3855522" cy="1015663"/>
           </a:xfrm>
           <a:prstGeom prst="rect">
             <a:avLst/>
@@ -5359,23 +4907,26 @@
                 </a:solidFill>
                 <a:latin typeface="Bahnschrift SemiBold Condensed" panose="020B0502040204020203" pitchFamily="34" charset="0"/>
               </a:rPr>
-              <a:t>Задачи игры:</a:t>
-            </a:r>
-            <a:endParaRPr lang="en-US" sz="6000" dirty="0">
-              <a:solidFill>
-                <a:srgbClr val="FFFF00"/>
-              </a:solidFill>
-              <a:latin typeface="Bahnschrift SemiBold Condensed" panose="020B0502040204020203" pitchFamily="34" charset="0"/>
-            </a:endParaRPr>
-          </a:p>
-        </p:txBody>
-      </p:sp>
-      <p:sp>
-        <p:nvSpPr>
-          <p:cNvPr id="8" name="TextBox 7">
-            <a:extLst>
-              <a:ext uri="{FF2B5EF4-FFF2-40B4-BE49-F238E27FC236}">
-                <a16:creationId xmlns:a16="http://schemas.microsoft.com/office/drawing/2014/main" id="{9E8F7AF2-4237-7CD7-FECA-E8897E33EE1F}"/>
+              <a:t>  </a:t>
+            </a:r>
+            <a:r>
+              <a:rPr lang="ru-RU" sz="6000" dirty="0">
+                <a:solidFill>
+                  <a:schemeClr val="bg2"/>
+                </a:solidFill>
+                <a:latin typeface="Bahnschrift SemiBold Condensed" panose="020B0502040204020203" pitchFamily="34" charset="0"/>
+              </a:rPr>
+              <a:t>Задачи игры</a:t>
+            </a:r>
+          </a:p>
+        </p:txBody>
+      </p:sp>
+      <p:sp>
+        <p:nvSpPr>
+          <p:cNvPr id="4" name="TextBox 3">
+            <a:extLst>
+              <a:ext uri="{FF2B5EF4-FFF2-40B4-BE49-F238E27FC236}">
+                <a16:creationId xmlns:a16="http://schemas.microsoft.com/office/drawing/2014/main" id="{420128B6-5903-2E03-342A-937D66A79E3C}"/>
               </a:ext>
             </a:extLst>
           </p:cNvPr>
@@ -5404,9 +4955,6 @@
             </a:pPr>
             <a:r>
               <a:rPr lang="ru-RU" sz="3600" dirty="0">
-                <a:solidFill>
-                  <a:schemeClr val="accent1"/>
-                </a:solidFill>
                 <a:latin typeface="Bahnschrift SemiBold Condensed" panose="020B0502040204020203" pitchFamily="34" charset="0"/>
               </a:rPr>
               <a:t>Развлечение</a:t>
@@ -5414,12 +4962,94 @@
           </a:p>
         </p:txBody>
       </p:sp>
+      <p:sp>
+        <p:nvSpPr>
+          <p:cNvPr id="5" name="TextBox 4">
+            <a:extLst>
+              <a:ext uri="{FF2B5EF4-FFF2-40B4-BE49-F238E27FC236}">
+                <a16:creationId xmlns:a16="http://schemas.microsoft.com/office/drawing/2014/main" id="{A539A8E7-421C-0507-C61B-5D0D2FD9B37D}"/>
+              </a:ext>
+            </a:extLst>
+          </p:cNvPr>
+          <p:cNvSpPr txBox="1"/>
+          <p:nvPr/>
+        </p:nvSpPr>
+        <p:spPr>
+          <a:xfrm>
+            <a:off x="3693341" y="2216659"/>
+            <a:ext cx="4805316" cy="646331"/>
+          </a:xfrm>
+          <a:prstGeom prst="rect">
+            <a:avLst/>
+          </a:prstGeom>
+          <a:noFill/>
+        </p:spPr>
+        <p:txBody>
+          <a:bodyPr wrap="square" rtlCol="0">
+            <a:spAutoFit/>
+          </a:bodyPr>
+          <a:lstStyle/>
+          <a:p>
+            <a:pPr marL="285750" indent="-285750" algn="ctr">
+              <a:buFont typeface="Arial" panose="020B0604020202020204" pitchFamily="34" charset="0"/>
+              <a:buChar char="•"/>
+            </a:pPr>
+            <a:r>
+              <a:rPr lang="ru-RU" sz="3600" dirty="0">
+                <a:latin typeface="Bahnschrift SemiBold Condensed" panose="020B0502040204020203" pitchFamily="34" charset="0"/>
+              </a:rPr>
+              <a:t>Заряд бодрости</a:t>
+            </a:r>
+          </a:p>
+        </p:txBody>
+      </p:sp>
+      <p:sp>
+        <p:nvSpPr>
+          <p:cNvPr id="6" name="TextBox 5">
+            <a:extLst>
+              <a:ext uri="{FF2B5EF4-FFF2-40B4-BE49-F238E27FC236}">
+                <a16:creationId xmlns:a16="http://schemas.microsoft.com/office/drawing/2014/main" id="{66753E9D-E7D5-58DC-CCFD-A934A01E2FC9}"/>
+              </a:ext>
+            </a:extLst>
+          </p:cNvPr>
+          <p:cNvSpPr txBox="1"/>
+          <p:nvPr/>
+        </p:nvSpPr>
+        <p:spPr>
+          <a:xfrm>
+            <a:off x="7780930" y="2216658"/>
+            <a:ext cx="4805316" cy="646331"/>
+          </a:xfrm>
+          <a:prstGeom prst="rect">
+            <a:avLst/>
+          </a:prstGeom>
+          <a:noFill/>
+        </p:spPr>
+        <p:txBody>
+          <a:bodyPr wrap="square" rtlCol="0">
+            <a:spAutoFit/>
+          </a:bodyPr>
+          <a:lstStyle/>
+          <a:p>
+            <a:pPr marL="285750" indent="-285750" algn="ctr">
+              <a:buFont typeface="Arial" panose="020B0604020202020204" pitchFamily="34" charset="0"/>
+              <a:buChar char="•"/>
+            </a:pPr>
+            <a:r>
+              <a:rPr lang="ru-RU" sz="3600" dirty="0">
+                <a:latin typeface="Bahnschrift SemiBold Condensed" panose="020B0502040204020203" pitchFamily="34" charset="0"/>
+              </a:rPr>
+              <a:t>Развитие мышления</a:t>
+            </a:r>
+          </a:p>
+        </p:txBody>
+      </p:sp>
       <p:pic>
         <p:nvPicPr>
-          <p:cNvPr id="10" name="Рисунок 9">
-            <a:extLst>
-              <a:ext uri="{FF2B5EF4-FFF2-40B4-BE49-F238E27FC236}">
-                <a16:creationId xmlns:a16="http://schemas.microsoft.com/office/drawing/2014/main" id="{BB7DC254-B07C-6267-5063-60159470D333}"/>
+          <p:cNvPr id="9" name="Рисунок 8">
+            <a:extLst>
+              <a:ext uri="{FF2B5EF4-FFF2-40B4-BE49-F238E27FC236}">
+                <a16:creationId xmlns:a16="http://schemas.microsoft.com/office/drawing/2014/main" id="{0494B9B7-2C8F-E13C-EE4D-542CB5955257}"/>
               </a:ext>
             </a:extLst>
           </p:cNvPr>
@@ -5442,8 +5072,8 @@
         </p:blipFill>
         <p:spPr>
           <a:xfrm>
-            <a:off x="5231265" y="3116155"/>
-            <a:ext cx="2198235" cy="2198235"/>
+            <a:off x="997676" y="3429000"/>
+            <a:ext cx="2204357" cy="2204357"/>
           </a:xfrm>
           <a:prstGeom prst="rect">
             <a:avLst/>
@@ -5452,10 +5082,10 @@
       </p:pic>
       <p:pic>
         <p:nvPicPr>
-          <p:cNvPr id="12" name="Рисунок 11">
-            <a:extLst>
-              <a:ext uri="{FF2B5EF4-FFF2-40B4-BE49-F238E27FC236}">
-                <a16:creationId xmlns:a16="http://schemas.microsoft.com/office/drawing/2014/main" id="{C223FB4B-B4AA-E201-E254-653270BA6EA4}"/>
+          <p:cNvPr id="10" name="Рисунок 9">
+            <a:extLst>
+              <a:ext uri="{FF2B5EF4-FFF2-40B4-BE49-F238E27FC236}">
+                <a16:creationId xmlns:a16="http://schemas.microsoft.com/office/drawing/2014/main" id="{995DC4C4-FB41-3480-762C-1E59D3690E1E}"/>
               </a:ext>
             </a:extLst>
           </p:cNvPr>
@@ -5478,70 +5108,20 @@
         </p:blipFill>
         <p:spPr>
           <a:xfrm>
-            <a:off x="906236" y="3110033"/>
-            <a:ext cx="2204357" cy="2204357"/>
+            <a:off x="5161157" y="3429000"/>
+            <a:ext cx="2198235" cy="2198235"/>
           </a:xfrm>
           <a:prstGeom prst="rect">
             <a:avLst/>
           </a:prstGeom>
         </p:spPr>
       </p:pic>
-      <p:sp>
-        <p:nvSpPr>
-          <p:cNvPr id="13" name="TextBox 12">
-            <a:extLst>
-              <a:ext uri="{FF2B5EF4-FFF2-40B4-BE49-F238E27FC236}">
-                <a16:creationId xmlns:a16="http://schemas.microsoft.com/office/drawing/2014/main" id="{FA2999AB-4C75-E835-6E17-00D0E7A2DE9F}"/>
-              </a:ext>
-            </a:extLst>
-          </p:cNvPr>
-          <p:cNvSpPr txBox="1"/>
-          <p:nvPr/>
-        </p:nvSpPr>
-        <p:spPr>
-          <a:xfrm>
-            <a:off x="4127558" y="2216661"/>
-            <a:ext cx="3694339" cy="646331"/>
-          </a:xfrm>
-          <a:prstGeom prst="rect">
-            <a:avLst/>
-          </a:prstGeom>
-          <a:noFill/>
-        </p:spPr>
-        <p:txBody>
-          <a:bodyPr wrap="square" rtlCol="0">
-            <a:spAutoFit/>
-          </a:bodyPr>
-          <a:lstStyle/>
-          <a:p>
-            <a:pPr marL="571500" indent="-571500" algn="ctr">
-              <a:buFont typeface="Arial" panose="020B0604020202020204" pitchFamily="34" charset="0"/>
-              <a:buChar char="•"/>
-            </a:pPr>
-            <a:r>
-              <a:rPr lang="ru-RU" sz="3600" dirty="0">
-                <a:solidFill>
-                  <a:schemeClr val="accent1"/>
-                </a:solidFill>
-                <a:latin typeface="Bahnschrift SemiBold Condensed" panose="020B0502040204020203" pitchFamily="34" charset="0"/>
-              </a:rPr>
-              <a:t>Заряд бодрости</a:t>
-            </a:r>
-            <a:endParaRPr lang="en-US" sz="3600" dirty="0">
-              <a:solidFill>
-                <a:schemeClr val="accent1"/>
-              </a:solidFill>
-              <a:latin typeface="Bahnschrift SemiBold Condensed" panose="020B0502040204020203" pitchFamily="34" charset="0"/>
-            </a:endParaRPr>
-          </a:p>
-        </p:txBody>
-      </p:sp>
       <p:pic>
         <p:nvPicPr>
-          <p:cNvPr id="15" name="Рисунок 14">
-            <a:extLst>
-              <a:ext uri="{FF2B5EF4-FFF2-40B4-BE49-F238E27FC236}">
-                <a16:creationId xmlns:a16="http://schemas.microsoft.com/office/drawing/2014/main" id="{594991CC-4CEF-4976-CF43-89BA4E9DDCA5}"/>
+          <p:cNvPr id="11" name="Рисунок 10">
+            <a:extLst>
+              <a:ext uri="{FF2B5EF4-FFF2-40B4-BE49-F238E27FC236}">
+                <a16:creationId xmlns:a16="http://schemas.microsoft.com/office/drawing/2014/main" id="{DF5CF0F6-DAA6-A069-3D1E-EB9C7FF52A20}"/>
               </a:ext>
             </a:extLst>
           </p:cNvPr>
@@ -5564,94 +5144,8 @@
         </p:blipFill>
         <p:spPr>
           <a:xfrm>
-            <a:off x="9087529" y="3110033"/>
+            <a:off x="9318516" y="3317852"/>
             <a:ext cx="2198235" cy="2198235"/>
-          </a:xfrm>
-          <a:prstGeom prst="rect">
-            <a:avLst/>
-          </a:prstGeom>
-        </p:spPr>
-      </p:pic>
-      <p:sp>
-        <p:nvSpPr>
-          <p:cNvPr id="18" name="TextBox 17">
-            <a:extLst>
-              <a:ext uri="{FF2B5EF4-FFF2-40B4-BE49-F238E27FC236}">
-                <a16:creationId xmlns:a16="http://schemas.microsoft.com/office/drawing/2014/main" id="{B6D5A673-BFC2-798E-29E5-8B83FA524E5C}"/>
-              </a:ext>
-            </a:extLst>
-          </p:cNvPr>
-          <p:cNvSpPr txBox="1"/>
-          <p:nvPr/>
-        </p:nvSpPr>
-        <p:spPr>
-          <a:xfrm>
-            <a:off x="7984671" y="2216661"/>
-            <a:ext cx="3853542" cy="646331"/>
-          </a:xfrm>
-          <a:prstGeom prst="rect">
-            <a:avLst/>
-          </a:prstGeom>
-          <a:noFill/>
-        </p:spPr>
-        <p:txBody>
-          <a:bodyPr wrap="square" rtlCol="0">
-            <a:spAutoFit/>
-          </a:bodyPr>
-          <a:lstStyle/>
-          <a:p>
-            <a:pPr marL="571500" indent="-571500" algn="ctr">
-              <a:buFont typeface="Arial" panose="020B0604020202020204" pitchFamily="34" charset="0"/>
-              <a:buChar char="•"/>
-            </a:pPr>
-            <a:r>
-              <a:rPr lang="ru-RU" sz="3600" dirty="0">
-                <a:solidFill>
-                  <a:schemeClr val="accent1"/>
-                </a:solidFill>
-                <a:latin typeface="Bahnschrift SemiBold Condensed" panose="020B0502040204020203" pitchFamily="34" charset="0"/>
-              </a:rPr>
-              <a:t>Развитие мышления</a:t>
-            </a:r>
-            <a:endParaRPr lang="en-US" sz="3600" dirty="0">
-              <a:solidFill>
-                <a:schemeClr val="accent1"/>
-              </a:solidFill>
-              <a:latin typeface="Bahnschrift SemiBold Condensed" panose="020B0502040204020203" pitchFamily="34" charset="0"/>
-            </a:endParaRPr>
-          </a:p>
-        </p:txBody>
-      </p:sp>
-      <p:pic>
-        <p:nvPicPr>
-          <p:cNvPr id="3" name="Рисунок 2">
-            <a:extLst>
-              <a:ext uri="{FF2B5EF4-FFF2-40B4-BE49-F238E27FC236}">
-                <a16:creationId xmlns:a16="http://schemas.microsoft.com/office/drawing/2014/main" id="{34FCC181-BB57-12A6-384F-A049A79A101A}"/>
-              </a:ext>
-            </a:extLst>
-          </p:cNvPr>
-          <p:cNvPicPr>
-            <a:picLocks noChangeAspect="1"/>
-          </p:cNvPicPr>
-          <p:nvPr/>
-        </p:nvPicPr>
-        <p:blipFill>
-          <a:blip r:embed="rId6">
-            <a:extLst>
-              <a:ext uri="{28A0092B-C50C-407E-A947-70E740481C1C}">
-                <a14:useLocalDpi xmlns:a14="http://schemas.microsoft.com/office/drawing/2010/main" val="0"/>
-              </a:ext>
-            </a:extLst>
-          </a:blip>
-          <a:stretch>
-            <a:fillRect/>
-          </a:stretch>
-        </p:blipFill>
-        <p:spPr>
-          <a:xfrm>
-            <a:off x="5837462" y="1096294"/>
-            <a:ext cx="6000763" cy="476251"/>
           </a:xfrm>
           <a:prstGeom prst="rect">
             <a:avLst/>
@@ -5661,7 +5155,7 @@
     </p:spTree>
     <p:extLst>
       <p:ext uri="{BB962C8B-B14F-4D97-AF65-F5344CB8AC3E}">
-        <p14:creationId xmlns:p14="http://schemas.microsoft.com/office/powerpoint/2010/main" val="502774703"/>
+        <p14:creationId xmlns:p14="http://schemas.microsoft.com/office/powerpoint/2010/main" val="393086100"/>
       </p:ext>
     </p:extLst>
   </p:cSld>
@@ -5690,10 +5184,10 @@
       </p:grpSpPr>
       <p:pic>
         <p:nvPicPr>
-          <p:cNvPr id="5" name="Рисунок 4">
-            <a:extLst>
-              <a:ext uri="{FF2B5EF4-FFF2-40B4-BE49-F238E27FC236}">
-                <a16:creationId xmlns:a16="http://schemas.microsoft.com/office/drawing/2014/main" id="{67CF3B11-50A3-3F23-FAD8-905363CE7583}"/>
+          <p:cNvPr id="3" name="Рисунок 2">
+            <a:extLst>
+              <a:ext uri="{FF2B5EF4-FFF2-40B4-BE49-F238E27FC236}">
+                <a16:creationId xmlns:a16="http://schemas.microsoft.com/office/drawing/2014/main" id="{87DCD917-B3BC-B360-C5AB-4E62C9913F3C}"/>
               </a:ext>
             </a:extLst>
           </p:cNvPr>
@@ -5717,7 +5211,7 @@
         <p:spPr>
           <a:xfrm>
             <a:off x="0" y="0"/>
-            <a:ext cx="12192000" cy="6874329"/>
+            <a:ext cx="12192000" cy="6858000"/>
           </a:xfrm>
           <a:prstGeom prst="rect">
             <a:avLst/>
@@ -5729,7 +5223,7 @@
           <p:cNvPr id="2" name="TextBox 1">
             <a:extLst>
               <a:ext uri="{FF2B5EF4-FFF2-40B4-BE49-F238E27FC236}">
-                <a16:creationId xmlns:a16="http://schemas.microsoft.com/office/drawing/2014/main" id="{B4ECBDAB-C419-5D1C-6A1C-B4C06DFC5285}"/>
+                <a16:creationId xmlns:a16="http://schemas.microsoft.com/office/drawing/2014/main" id="{1F27ABB5-9006-4BE5-4209-ADA22134AFA4}"/>
               </a:ext>
             </a:extLst>
           </p:cNvPr>
@@ -5738,8 +5232,8 @@
         </p:nvSpPr>
         <p:spPr>
           <a:xfrm>
-            <a:off x="1428751" y="628650"/>
-            <a:ext cx="5568042" cy="1015663"/>
+            <a:off x="4121975" y="92314"/>
+            <a:ext cx="4262846" cy="1015663"/>
           </a:xfrm>
           <a:prstGeom prst="rect">
             <a:avLst/>
@@ -5755,27 +5249,21 @@
             <a:r>
               <a:rPr lang="ru-RU" sz="6000" dirty="0">
                 <a:solidFill>
-                  <a:srgbClr val="FFFF00"/>
+                  <a:schemeClr val="bg2"/>
                 </a:solidFill>
                 <a:latin typeface="Bahnschrift SemiBold Condensed" panose="020B0502040204020203" pitchFamily="34" charset="0"/>
               </a:rPr>
-              <a:t>Механики игры:</a:t>
-            </a:r>
-            <a:endParaRPr lang="en-US" sz="6000" dirty="0">
-              <a:solidFill>
-                <a:srgbClr val="FFFF00"/>
-              </a:solidFill>
-              <a:latin typeface="Bahnschrift SemiBold Condensed" panose="020B0502040204020203" pitchFamily="34" charset="0"/>
-            </a:endParaRPr>
-          </a:p>
-        </p:txBody>
-      </p:sp>
-      <p:sp>
-        <p:nvSpPr>
-          <p:cNvPr id="9" name="TextBox 8">
-            <a:extLst>
-              <a:ext uri="{FF2B5EF4-FFF2-40B4-BE49-F238E27FC236}">
-                <a16:creationId xmlns:a16="http://schemas.microsoft.com/office/drawing/2014/main" id="{F4FBBA29-FC03-AAC2-5897-F5CF3E487528}"/>
+              <a:t>Механики игры</a:t>
+            </a:r>
+          </a:p>
+        </p:txBody>
+      </p:sp>
+      <p:sp>
+        <p:nvSpPr>
+          <p:cNvPr id="4" name="TextBox 3">
+            <a:extLst>
+              <a:ext uri="{FF2B5EF4-FFF2-40B4-BE49-F238E27FC236}">
+                <a16:creationId xmlns:a16="http://schemas.microsoft.com/office/drawing/2014/main" id="{4E11808C-A4B5-C567-A95F-9E47B04DEC15}"/>
               </a:ext>
             </a:extLst>
           </p:cNvPr>
@@ -5784,7 +5272,7 @@
         </p:nvSpPr>
         <p:spPr>
           <a:xfrm>
-            <a:off x="78032" y="1725813"/>
+            <a:off x="314796" y="1807455"/>
             <a:ext cx="4805316" cy="646331"/>
           </a:xfrm>
           <a:prstGeom prst="rect">
@@ -5804,9 +5292,6 @@
             </a:pPr>
             <a:r>
               <a:rPr lang="ru-RU" sz="3600" dirty="0">
-                <a:solidFill>
-                  <a:schemeClr val="accent1"/>
-                </a:solidFill>
                 <a:latin typeface="Bahnschrift SemiBold Condensed" panose="020B0502040204020203" pitchFamily="34" charset="0"/>
               </a:rPr>
               <a:t>Уникальное меню настроек</a:t>
@@ -5814,56 +5299,12 @@
           </a:p>
         </p:txBody>
       </p:sp>
-      <p:sp>
-        <p:nvSpPr>
-          <p:cNvPr id="10" name="TextBox 9">
-            <a:extLst>
-              <a:ext uri="{FF2B5EF4-FFF2-40B4-BE49-F238E27FC236}">
-                <a16:creationId xmlns:a16="http://schemas.microsoft.com/office/drawing/2014/main" id="{8A04960E-7628-4A7C-F20F-81E52EB4F65B}"/>
-              </a:ext>
-            </a:extLst>
-          </p:cNvPr>
-          <p:cNvSpPr txBox="1"/>
-          <p:nvPr/>
-        </p:nvSpPr>
-        <p:spPr>
-          <a:xfrm>
-            <a:off x="5282806" y="1725812"/>
-            <a:ext cx="6909194" cy="646331"/>
-          </a:xfrm>
-          <a:prstGeom prst="rect">
-            <a:avLst/>
-          </a:prstGeom>
-          <a:noFill/>
-        </p:spPr>
-        <p:txBody>
-          <a:bodyPr wrap="square" rtlCol="0">
-            <a:spAutoFit/>
-          </a:bodyPr>
-          <a:lstStyle/>
-          <a:p>
-            <a:pPr marL="285750" indent="-285750" algn="ctr">
-              <a:buFont typeface="Arial" panose="020B0604020202020204" pitchFamily="34" charset="0"/>
-              <a:buChar char="•"/>
-            </a:pPr>
-            <a:r>
-              <a:rPr lang="ru-RU" sz="3600" dirty="0">
-                <a:solidFill>
-                  <a:schemeClr val="accent1"/>
-                </a:solidFill>
-                <a:latin typeface="Bahnschrift SemiBold Condensed" panose="020B0502040204020203" pitchFamily="34" charset="0"/>
-              </a:rPr>
-              <a:t>Интерактивное меню выбора</a:t>
-            </a:r>
-          </a:p>
-        </p:txBody>
-      </p:sp>
       <p:pic>
         <p:nvPicPr>
           <p:cNvPr id="6" name="Рисунок 5">
             <a:extLst>
               <a:ext uri="{FF2B5EF4-FFF2-40B4-BE49-F238E27FC236}">
-                <a16:creationId xmlns:a16="http://schemas.microsoft.com/office/drawing/2014/main" id="{97A2072E-BD47-C89C-D194-BFB8A7B4450B}"/>
+                <a16:creationId xmlns:a16="http://schemas.microsoft.com/office/drawing/2014/main" id="{D5C650DE-5262-CFC1-AA44-0306860F711E}"/>
               </a:ext>
             </a:extLst>
           </p:cNvPr>
@@ -5886,20 +5327,61 @@
         </p:blipFill>
         <p:spPr>
           <a:xfrm>
-            <a:off x="2001322" y="2570991"/>
-            <a:ext cx="958736" cy="898815"/>
+            <a:off x="2347339" y="2860561"/>
+            <a:ext cx="853060" cy="799744"/>
           </a:xfrm>
           <a:prstGeom prst="rect">
             <a:avLst/>
           </a:prstGeom>
         </p:spPr>
       </p:pic>
+      <p:sp>
+        <p:nvSpPr>
+          <p:cNvPr id="7" name="TextBox 6">
+            <a:extLst>
+              <a:ext uri="{FF2B5EF4-FFF2-40B4-BE49-F238E27FC236}">
+                <a16:creationId xmlns:a16="http://schemas.microsoft.com/office/drawing/2014/main" id="{2CC8EBB8-1868-9DF2-33E6-309B363A230D}"/>
+              </a:ext>
+            </a:extLst>
+          </p:cNvPr>
+          <p:cNvSpPr txBox="1"/>
+          <p:nvPr/>
+        </p:nvSpPr>
+        <p:spPr>
+          <a:xfrm>
+            <a:off x="6253398" y="1807455"/>
+            <a:ext cx="5127616" cy="646331"/>
+          </a:xfrm>
+          <a:prstGeom prst="rect">
+            <a:avLst/>
+          </a:prstGeom>
+          <a:noFill/>
+        </p:spPr>
+        <p:txBody>
+          <a:bodyPr wrap="square" rtlCol="0">
+            <a:spAutoFit/>
+          </a:bodyPr>
+          <a:lstStyle/>
+          <a:p>
+            <a:pPr marL="285750" indent="-285750" algn="ctr">
+              <a:buFont typeface="Arial" panose="020B0604020202020204" pitchFamily="34" charset="0"/>
+              <a:buChar char="•"/>
+            </a:pPr>
+            <a:r>
+              <a:rPr lang="ru-RU" sz="3600" dirty="0">
+                <a:latin typeface="Bahnschrift SemiBold Condensed" panose="020B0502040204020203" pitchFamily="34" charset="0"/>
+              </a:rPr>
+              <a:t>Интерактивное меню выбора</a:t>
+            </a:r>
+          </a:p>
+        </p:txBody>
+      </p:sp>
       <p:pic>
         <p:nvPicPr>
-          <p:cNvPr id="11" name="Рисунок 10">
-            <a:extLst>
-              <a:ext uri="{FF2B5EF4-FFF2-40B4-BE49-F238E27FC236}">
-                <a16:creationId xmlns:a16="http://schemas.microsoft.com/office/drawing/2014/main" id="{550674C9-6267-637F-3520-CA6D01E66843}"/>
+          <p:cNvPr id="8" name="Рисунок 7">
+            <a:extLst>
+              <a:ext uri="{FF2B5EF4-FFF2-40B4-BE49-F238E27FC236}">
+                <a16:creationId xmlns:a16="http://schemas.microsoft.com/office/drawing/2014/main" id="{392ACB72-022D-5E46-76CE-2EB5E82007C7}"/>
               </a:ext>
             </a:extLst>
           </p:cNvPr>
@@ -5922,7 +5404,7 @@
         </p:blipFill>
         <p:spPr>
           <a:xfrm>
-            <a:off x="8131213" y="2570991"/>
+            <a:off x="8490442" y="2761490"/>
             <a:ext cx="1631182" cy="898815"/>
           </a:xfrm>
           <a:prstGeom prst="rect">
@@ -5930,12 +5412,53 @@
           </a:prstGeom>
         </p:spPr>
       </p:pic>
+      <p:sp>
+        <p:nvSpPr>
+          <p:cNvPr id="9" name="TextBox 8">
+            <a:extLst>
+              <a:ext uri="{FF2B5EF4-FFF2-40B4-BE49-F238E27FC236}">
+                <a16:creationId xmlns:a16="http://schemas.microsoft.com/office/drawing/2014/main" id="{0A65602B-3A0C-5E2F-81B7-A3BE7E05FC62}"/>
+              </a:ext>
+            </a:extLst>
+          </p:cNvPr>
+          <p:cNvSpPr txBox="1"/>
+          <p:nvPr/>
+        </p:nvSpPr>
+        <p:spPr>
+          <a:xfrm>
+            <a:off x="3362826" y="4182427"/>
+            <a:ext cx="5127616" cy="646331"/>
+          </a:xfrm>
+          <a:prstGeom prst="rect">
+            <a:avLst/>
+          </a:prstGeom>
+          <a:noFill/>
+        </p:spPr>
+        <p:txBody>
+          <a:bodyPr wrap="square" rtlCol="0">
+            <a:spAutoFit/>
+          </a:bodyPr>
+          <a:lstStyle/>
+          <a:p>
+            <a:pPr marL="285750" indent="-285750" algn="ctr">
+              <a:buFont typeface="Arial" panose="020B0604020202020204" pitchFamily="34" charset="0"/>
+              <a:buChar char="•"/>
+            </a:pPr>
+            <a:r>
+              <a:rPr lang="ru-RU" sz="3600" dirty="0">
+                <a:latin typeface="Bahnschrift SemiBold Condensed" panose="020B0502040204020203" pitchFamily="34" charset="0"/>
+              </a:rPr>
+              <a:t>Уникальная система диалогов</a:t>
+            </a:r>
+          </a:p>
+        </p:txBody>
+      </p:sp>
       <p:pic>
         <p:nvPicPr>
-          <p:cNvPr id="13" name="Рисунок 12">
-            <a:extLst>
-              <a:ext uri="{FF2B5EF4-FFF2-40B4-BE49-F238E27FC236}">
-                <a16:creationId xmlns:a16="http://schemas.microsoft.com/office/drawing/2014/main" id="{CB9DBE71-37CE-13FE-50BA-3AB5A05ABADF}"/>
+          <p:cNvPr id="10" name="Рисунок 9">
+            <a:extLst>
+              <a:ext uri="{FF2B5EF4-FFF2-40B4-BE49-F238E27FC236}">
+                <a16:creationId xmlns:a16="http://schemas.microsoft.com/office/drawing/2014/main" id="{4B9A1DB3-974D-162D-40E7-7DD4024949DF}"/>
               </a:ext>
             </a:extLst>
           </p:cNvPr>
@@ -5958,7 +5481,7 @@
         </p:blipFill>
         <p:spPr>
           <a:xfrm>
-            <a:off x="2159453" y="5572125"/>
+            <a:off x="2363030" y="5694029"/>
             <a:ext cx="7534275" cy="657225"/>
           </a:xfrm>
           <a:prstGeom prst="rect">
@@ -5966,54 +5489,10 @@
           </a:prstGeom>
         </p:spPr>
       </p:pic>
-      <p:sp>
-        <p:nvSpPr>
-          <p:cNvPr id="14" name="TextBox 13">
-            <a:extLst>
-              <a:ext uri="{FF2B5EF4-FFF2-40B4-BE49-F238E27FC236}">
-                <a16:creationId xmlns:a16="http://schemas.microsoft.com/office/drawing/2014/main" id="{A3373925-76F7-84BA-8656-913C2BCC37A1}"/>
-              </a:ext>
-            </a:extLst>
-          </p:cNvPr>
-          <p:cNvSpPr txBox="1"/>
-          <p:nvPr/>
-        </p:nvSpPr>
-        <p:spPr>
-          <a:xfrm>
-            <a:off x="2890157" y="4280815"/>
-            <a:ext cx="5421086" cy="646331"/>
-          </a:xfrm>
-          <a:prstGeom prst="rect">
-            <a:avLst/>
-          </a:prstGeom>
-          <a:noFill/>
-        </p:spPr>
-        <p:txBody>
-          <a:bodyPr wrap="square" rtlCol="0">
-            <a:spAutoFit/>
-          </a:bodyPr>
-          <a:lstStyle/>
-          <a:p>
-            <a:pPr marL="285750" indent="-285750" algn="ctr">
-              <a:buFont typeface="Arial" panose="020B0604020202020204" pitchFamily="34" charset="0"/>
-              <a:buChar char="•"/>
-            </a:pPr>
-            <a:r>
-              <a:rPr lang="ru-RU" sz="3600" dirty="0">
-                <a:solidFill>
-                  <a:schemeClr val="accent1"/>
-                </a:solidFill>
-                <a:latin typeface="Bahnschrift SemiBold Condensed" panose="020B0502040204020203" pitchFamily="34" charset="0"/>
-              </a:rPr>
-              <a:t>Уникальная система диалогов</a:t>
-            </a:r>
-          </a:p>
-        </p:txBody>
-      </p:sp>
     </p:spTree>
     <p:extLst>
       <p:ext uri="{BB962C8B-B14F-4D97-AF65-F5344CB8AC3E}">
-        <p14:creationId xmlns:p14="http://schemas.microsoft.com/office/powerpoint/2010/main" val="3407448615"/>
+        <p14:creationId xmlns:p14="http://schemas.microsoft.com/office/powerpoint/2010/main" val="2808149339"/>
       </p:ext>
     </p:extLst>
   </p:cSld>
@@ -6042,10 +5521,10 @@
       </p:grpSpPr>
       <p:pic>
         <p:nvPicPr>
-          <p:cNvPr id="5" name="Рисунок 4">
-            <a:extLst>
-              <a:ext uri="{FF2B5EF4-FFF2-40B4-BE49-F238E27FC236}">
-                <a16:creationId xmlns:a16="http://schemas.microsoft.com/office/drawing/2014/main" id="{67CF3B11-50A3-3F23-FAD8-905363CE7583}"/>
+          <p:cNvPr id="7" name="Рисунок 6">
+            <a:extLst>
+              <a:ext uri="{FF2B5EF4-FFF2-40B4-BE49-F238E27FC236}">
+                <a16:creationId xmlns:a16="http://schemas.microsoft.com/office/drawing/2014/main" id="{B58042A2-D768-BDC4-972B-B258D2DBCC2B}"/>
               </a:ext>
             </a:extLst>
           </p:cNvPr>
@@ -6068,8 +5547,8 @@
         </p:blipFill>
         <p:spPr>
           <a:xfrm>
-            <a:off x="0" y="-16329"/>
-            <a:ext cx="12192000" cy="6874329"/>
+            <a:off x="0" y="0"/>
+            <a:ext cx="12192001" cy="6858000"/>
           </a:xfrm>
           <a:prstGeom prst="rect">
             <a:avLst/>
@@ -6078,10 +5557,10 @@
       </p:pic>
       <p:sp>
         <p:nvSpPr>
-          <p:cNvPr id="3" name="TextBox 2">
-            <a:extLst>
-              <a:ext uri="{FF2B5EF4-FFF2-40B4-BE49-F238E27FC236}">
-                <a16:creationId xmlns:a16="http://schemas.microsoft.com/office/drawing/2014/main" id="{05B56169-F056-6E07-7628-BEC1B42F39C6}"/>
+          <p:cNvPr id="9" name="TextBox 8">
+            <a:extLst>
+              <a:ext uri="{FF2B5EF4-FFF2-40B4-BE49-F238E27FC236}">
+                <a16:creationId xmlns:a16="http://schemas.microsoft.com/office/drawing/2014/main" id="{40A08976-1C7E-54D3-16D1-46929846FD17}"/>
               </a:ext>
             </a:extLst>
           </p:cNvPr>
@@ -6090,8 +5569,8 @@
         </p:nvSpPr>
         <p:spPr>
           <a:xfrm>
-            <a:off x="1428750" y="628650"/>
-            <a:ext cx="7649935" cy="1015663"/>
+            <a:off x="3076945" y="1398600"/>
+            <a:ext cx="4964875" cy="646331"/>
           </a:xfrm>
           <a:prstGeom prst="rect">
             <a:avLst/>
@@ -6105,29 +5584,23 @@
           <a:lstStyle/>
           <a:p>
             <a:r>
-              <a:rPr lang="ru-RU" sz="6000" dirty="0">
+              <a:rPr lang="ru-RU" sz="3600" dirty="0">
                 <a:solidFill>
-                  <a:srgbClr val="FFFF00"/>
+                  <a:schemeClr val="bg2"/>
                 </a:solidFill>
                 <a:latin typeface="Bahnschrift SemiBold Condensed" panose="020B0502040204020203" pitchFamily="34" charset="0"/>
               </a:rPr>
               <a:t>Использованные технологии:</a:t>
             </a:r>
-            <a:endParaRPr lang="en-US" sz="6000" dirty="0">
-              <a:solidFill>
-                <a:srgbClr val="FFFF00"/>
-              </a:solidFill>
-              <a:latin typeface="Bahnschrift SemiBold Condensed" panose="020B0502040204020203" pitchFamily="34" charset="0"/>
-            </a:endParaRPr>
           </a:p>
         </p:txBody>
       </p:sp>
       <p:pic>
         <p:nvPicPr>
-          <p:cNvPr id="4" name="Рисунок 3">
-            <a:extLst>
-              <a:ext uri="{FF2B5EF4-FFF2-40B4-BE49-F238E27FC236}">
-                <a16:creationId xmlns:a16="http://schemas.microsoft.com/office/drawing/2014/main" id="{0D2533F7-8C41-B975-8B38-2443C65CD08A}"/>
+          <p:cNvPr id="10" name="Рисунок 9">
+            <a:extLst>
+              <a:ext uri="{FF2B5EF4-FFF2-40B4-BE49-F238E27FC236}">
+                <a16:creationId xmlns:a16="http://schemas.microsoft.com/office/drawing/2014/main" id="{CB342B9E-D544-21D1-7D2A-B12754CC5217}"/>
               </a:ext>
             </a:extLst>
           </p:cNvPr>
@@ -6150,7 +5623,7 @@
         </p:blipFill>
         <p:spPr>
           <a:xfrm>
-            <a:off x="1940966" y="2220686"/>
+            <a:off x="3230923" y="2757816"/>
             <a:ext cx="1208314" cy="1208314"/>
           </a:xfrm>
           <a:prstGeom prst="rect">
@@ -6160,10 +5633,10 @@
       </p:pic>
       <p:pic>
         <p:nvPicPr>
-          <p:cNvPr id="9" name="Рисунок 8">
-            <a:extLst>
-              <a:ext uri="{FF2B5EF4-FFF2-40B4-BE49-F238E27FC236}">
-                <a16:creationId xmlns:a16="http://schemas.microsoft.com/office/drawing/2014/main" id="{E522E6E4-7C6F-78BE-9855-0CA56DABE024}"/>
+          <p:cNvPr id="11" name="Рисунок 10">
+            <a:extLst>
+              <a:ext uri="{FF2B5EF4-FFF2-40B4-BE49-F238E27FC236}">
+                <a16:creationId xmlns:a16="http://schemas.microsoft.com/office/drawing/2014/main" id="{D255FB53-FE4D-D8CA-355C-9CE9E9ABD9AC}"/>
               </a:ext>
             </a:extLst>
           </p:cNvPr>
@@ -6186,7 +5659,7 @@
         </p:blipFill>
         <p:spPr>
           <a:xfrm>
-            <a:off x="5090245" y="2220685"/>
+            <a:off x="6380202" y="2757815"/>
             <a:ext cx="1208315" cy="1208315"/>
           </a:xfrm>
           <a:prstGeom prst="rect">
@@ -6196,10 +5669,10 @@
       </p:pic>
       <p:pic>
         <p:nvPicPr>
-          <p:cNvPr id="13" name="Рисунок 12">
-            <a:extLst>
-              <a:ext uri="{FF2B5EF4-FFF2-40B4-BE49-F238E27FC236}">
-                <a16:creationId xmlns:a16="http://schemas.microsoft.com/office/drawing/2014/main" id="{45887C54-B33D-5E36-CFBE-0F60552990C6}"/>
+          <p:cNvPr id="12" name="Рисунок 11">
+            <a:extLst>
+              <a:ext uri="{FF2B5EF4-FFF2-40B4-BE49-F238E27FC236}">
+                <a16:creationId xmlns:a16="http://schemas.microsoft.com/office/drawing/2014/main" id="{AEA155D4-483B-D1F6-CE1B-0B0E602C16A9}"/>
               </a:ext>
             </a:extLst>
           </p:cNvPr>
@@ -6233,7 +5706,7 @@
         </p:blipFill>
         <p:spPr>
           <a:xfrm>
-            <a:off x="8590021" y="2329454"/>
+            <a:off x="9879978" y="2866584"/>
             <a:ext cx="1988600" cy="1213452"/>
           </a:xfrm>
           <a:prstGeom prst="rect">
@@ -6243,10 +5716,10 @@
       </p:pic>
       <p:pic>
         <p:nvPicPr>
-          <p:cNvPr id="15" name="Рисунок 14">
-            <a:extLst>
-              <a:ext uri="{FF2B5EF4-FFF2-40B4-BE49-F238E27FC236}">
-                <a16:creationId xmlns:a16="http://schemas.microsoft.com/office/drawing/2014/main" id="{C7F2301E-B263-473F-6296-82DCD5300E8E}"/>
+          <p:cNvPr id="13" name="Рисунок 12">
+            <a:extLst>
+              <a:ext uri="{FF2B5EF4-FFF2-40B4-BE49-F238E27FC236}">
+                <a16:creationId xmlns:a16="http://schemas.microsoft.com/office/drawing/2014/main" id="{EBCD754C-50F4-0C07-F013-9FEEF565F8D1}"/>
               </a:ext>
             </a:extLst>
           </p:cNvPr>
@@ -6258,15 +5731,6 @@
         <p:blipFill>
           <a:blip r:embed="rId7">
             <a:extLst>
-              <a:ext uri="{BEBA8EAE-BF5A-486C-A8C5-ECC9F3942E4B}">
-                <a14:imgProps xmlns:a14="http://schemas.microsoft.com/office/drawing/2010/main">
-                  <a14:imgLayer r:embed="rId8">
-                    <a14:imgEffect>
-                      <a14:backgroundRemoval t="10000" b="90000" l="10000" r="90000"/>
-                    </a14:imgEffect>
-                  </a14:imgLayer>
-                </a14:imgProps>
-              </a:ext>
               <a:ext uri="{28A0092B-C50C-407E-A947-70E740481C1C}">
                 <a14:useLocalDpi xmlns:a14="http://schemas.microsoft.com/office/drawing/2010/main" val="0"/>
               </a:ext>
@@ -6278,486 +5742,20 @@
         </p:blipFill>
         <p:spPr>
           <a:xfrm>
-            <a:off x="716726" y="3869264"/>
-            <a:ext cx="3582063" cy="2060692"/>
-          </a:xfrm>
-          <a:prstGeom prst="rect">
-            <a:avLst/>
-          </a:prstGeom>
-          <a:ln>
-            <a:noFill/>
-          </a:ln>
-          <a:effectLst>
-            <a:outerShdw blurRad="292100" dist="139700" dir="2700000" algn="tl" rotWithShape="0">
-              <a:srgbClr val="333333">
-                <a:alpha val="65000"/>
-              </a:srgbClr>
-            </a:outerShdw>
-          </a:effectLst>
+            <a:off x="6305471" y="4787337"/>
+            <a:ext cx="1357779" cy="1357779"/>
+          </a:xfrm>
+          <a:prstGeom prst="rect">
+            <a:avLst/>
+          </a:prstGeom>
         </p:spPr>
       </p:pic>
       <p:pic>
         <p:nvPicPr>
-          <p:cNvPr id="17" name="Рисунок 16">
-            <a:extLst>
-              <a:ext uri="{FF2B5EF4-FFF2-40B4-BE49-F238E27FC236}">
-                <a16:creationId xmlns:a16="http://schemas.microsoft.com/office/drawing/2014/main" id="{71AF2592-5DC9-4A2A-1196-FE8DC872149C}"/>
-              </a:ext>
-            </a:extLst>
-          </p:cNvPr>
-          <p:cNvPicPr>
-            <a:picLocks noChangeAspect="1"/>
-          </p:cNvPicPr>
-          <p:nvPr/>
-        </p:nvPicPr>
-        <p:blipFill>
-          <a:blip r:embed="rId9">
-            <a:extLst>
-              <a:ext uri="{28A0092B-C50C-407E-A947-70E740481C1C}">
-                <a14:useLocalDpi xmlns:a14="http://schemas.microsoft.com/office/drawing/2010/main" val="0"/>
-              </a:ext>
-            </a:extLst>
-          </a:blip>
-          <a:stretch>
-            <a:fillRect/>
-          </a:stretch>
-        </p:blipFill>
-        <p:spPr>
-          <a:xfrm>
-            <a:off x="5015514" y="4250207"/>
-            <a:ext cx="1357779" cy="1357779"/>
-          </a:xfrm>
-          <a:prstGeom prst="rect">
-            <a:avLst/>
-          </a:prstGeom>
-        </p:spPr>
-      </p:pic>
-      <p:pic>
-        <p:nvPicPr>
-          <p:cNvPr id="19" name="Рисунок 18">
-            <a:extLst>
-              <a:ext uri="{FF2B5EF4-FFF2-40B4-BE49-F238E27FC236}">
-                <a16:creationId xmlns:a16="http://schemas.microsoft.com/office/drawing/2014/main" id="{9FDCCB1F-2C7D-3995-F27C-3937D7A8637D}"/>
-              </a:ext>
-            </a:extLst>
-          </p:cNvPr>
-          <p:cNvPicPr>
-            <a:picLocks noChangeAspect="1"/>
-          </p:cNvPicPr>
-          <p:nvPr/>
-        </p:nvPicPr>
-        <p:blipFill>
-          <a:blip r:embed="rId10">
-            <a:extLst>
-              <a:ext uri="{BEBA8EAE-BF5A-486C-A8C5-ECC9F3942E4B}">
-                <a14:imgProps xmlns:a14="http://schemas.microsoft.com/office/drawing/2010/main">
-                  <a14:imgLayer r:embed="rId11">
-                    <a14:imgEffect>
-                      <a14:backgroundRemoval t="3516" b="99219" l="10000" r="90000">
-                        <a14:foregroundMark x1="45435" y1="50391" x2="45435" y2="50391"/>
-                        <a14:foregroundMark x1="39457" y1="59375" x2="39457" y2="59375"/>
-                        <a14:foregroundMark x1="36196" y1="42773" x2="36196" y2="42773"/>
-                        <a14:foregroundMark x1="25761" y1="42969" x2="25761" y2="42969"/>
-                        <a14:foregroundMark x1="25217" y1="41797" x2="25217" y2="41797"/>
-                        <a14:foregroundMark x1="25435" y1="44727" x2="25435" y2="44727"/>
-                        <a14:foregroundMark x1="24783" y1="46875" x2="24783" y2="46875"/>
-                        <a14:foregroundMark x1="25109" y1="50000" x2="25109" y2="50000"/>
-                        <a14:foregroundMark x1="25109" y1="54883" x2="25109" y2="54883"/>
-                        <a14:foregroundMark x1="25435" y1="58789" x2="25435" y2="58789"/>
-                        <a14:foregroundMark x1="25435" y1="62695" x2="25435" y2="62695"/>
-                        <a14:foregroundMark x1="25761" y1="65234" x2="25761" y2="65234"/>
-                        <a14:foregroundMark x1="50000" y1="92578" x2="50000" y2="92578"/>
-                        <a14:foregroundMark x1="51630" y1="96094" x2="51630" y2="96094"/>
-                        <a14:foregroundMark x1="26413" y1="36719" x2="26413" y2="36719"/>
-                        <a14:foregroundMark x1="27935" y1="28711" x2="27935" y2="28711"/>
-                        <a14:foregroundMark x1="32283" y1="18945" x2="32283" y2="18945"/>
-                        <a14:foregroundMark x1="29348" y1="24805" x2="29348" y2="24805"/>
-                        <a14:foregroundMark x1="32935" y1="17188" x2="32935" y2="17188"/>
-                        <a14:foregroundMark x1="50652" y1="7813" x2="50652" y2="7813"/>
-                        <a14:foregroundMark x1="52935" y1="4688" x2="52935" y2="4688"/>
-                        <a14:foregroundMark x1="53152" y1="5469" x2="53152" y2="5469"/>
-                        <a14:foregroundMark x1="54239" y1="5469" x2="66304" y2="14648"/>
-                        <a14:foregroundMark x1="66304" y1="14648" x2="74783" y2="37695"/>
-                        <a14:foregroundMark x1="74783" y1="37695" x2="75000" y2="38672"/>
-                        <a14:foregroundMark x1="31630" y1="20313" x2="50652" y2="3516"/>
-                        <a14:foregroundMark x1="50652" y1="3516" x2="53261" y2="3516"/>
-                        <a14:foregroundMark x1="50543" y1="4883" x2="38696" y2="10547"/>
-                        <a14:foregroundMark x1="38696" y1="10547" x2="35217" y2="14648"/>
-                        <a14:foregroundMark x1="48043" y1="4883" x2="40761" y2="6445"/>
-                        <a14:foregroundMark x1="37500" y1="44727" x2="35652" y2="52148"/>
-                        <a14:foregroundMark x1="39348" y1="58984" x2="39022" y2="67383"/>
-                        <a14:foregroundMark x1="75109" y1="46289" x2="74783" y2="59570"/>
-                        <a14:foregroundMark x1="74370" y1="61462" x2="69239" y2="84961"/>
-                        <a14:foregroundMark x1="74783" y1="59570" x2="74396" y2="61345"/>
-                        <a14:foregroundMark x1="69239" y1="84961" x2="58551" y2="96080"/>
-                        <a14:foregroundMark x1="52832" y1="98680" x2="52407" y2="98768"/>
-                        <a14:foregroundMark x1="46505" y1="97277" x2="41630" y2="94727"/>
-                        <a14:foregroundMark x1="41630" y1="94727" x2="32174" y2="82031"/>
-                        <a14:foregroundMark x1="32174" y1="82031" x2="27391" y2="69336"/>
-                        <a14:foregroundMark x1="45000" y1="47070" x2="46087" y2="58984"/>
-                        <a14:backgroundMark x1="44348" y1="2148" x2="44348" y2="2148"/>
-                        <a14:backgroundMark x1="24457" y1="66797" x2="24457" y2="66797"/>
-                        <a14:backgroundMark x1="24891" y1="66211" x2="24891" y2="66211"/>
-                        <a14:backgroundMark x1="52717" y1="99609" x2="52717" y2="99609"/>
-                        <a14:backgroundMark x1="55109" y1="99414" x2="55109" y2="99414"/>
-                        <a14:backgroundMark x1="56413" y1="99023" x2="56413" y2="99023"/>
-                        <a14:backgroundMark x1="56957" y1="98438" x2="56957" y2="98438"/>
-                        <a14:backgroundMark x1="50761" y1="99609" x2="50761" y2="99609"/>
-                        <a14:backgroundMark x1="49022" y1="99609" x2="49022" y2="99609"/>
-                        <a14:backgroundMark x1="49239" y1="99609" x2="51739" y2="99609"/>
-                        <a14:backgroundMark x1="53478" y1="99609" x2="55435" y2="98438"/>
-                        <a14:backgroundMark x1="56087" y1="99219" x2="58043" y2="97852"/>
-                        <a14:backgroundMark x1="60543" y1="96289" x2="62935" y2="92773"/>
-                        <a14:backgroundMark x1="56630" y1="98242" x2="53043" y2="99219"/>
-                        <a14:backgroundMark x1="52500" y1="99023" x2="47283" y2="99414"/>
-                        <a14:backgroundMark x1="76196" y1="62109" x2="75652" y2="66992"/>
-                        <a14:backgroundMark x1="74891" y1="71094" x2="74130" y2="77344"/>
-                      </a14:backgroundRemoval>
-                    </a14:imgEffect>
-                  </a14:imgLayer>
-                </a14:imgProps>
-              </a:ext>
-              <a:ext uri="{28A0092B-C50C-407E-A947-70E740481C1C}">
-                <a14:useLocalDpi xmlns:a14="http://schemas.microsoft.com/office/drawing/2010/main" val="0"/>
-              </a:ext>
-            </a:extLst>
-          </a:blip>
-          <a:stretch>
-            <a:fillRect/>
-          </a:stretch>
-        </p:blipFill>
-        <p:spPr>
-          <a:xfrm>
-            <a:off x="7945990" y="4191235"/>
-            <a:ext cx="2545725" cy="1416751"/>
-          </a:xfrm>
-          <a:prstGeom prst="rect">
-            <a:avLst/>
-          </a:prstGeom>
-        </p:spPr>
-      </p:pic>
-    </p:spTree>
-    <p:extLst>
-      <p:ext uri="{BB962C8B-B14F-4D97-AF65-F5344CB8AC3E}">
-        <p14:creationId xmlns:p14="http://schemas.microsoft.com/office/powerpoint/2010/main" val="785604778"/>
-      </p:ext>
-    </p:extLst>
-  </p:cSld>
-  <p:clrMapOvr>
-    <a:masterClrMapping/>
-  </p:clrMapOvr>
-</p:sld>
-</file>
-
-<file path=ppt/slides/slide7.xml><?xml version="1.0" encoding="utf-8"?>
-<p:sld xmlns:a="http://schemas.openxmlformats.org/drawingml/2006/main" xmlns:r="http://schemas.openxmlformats.org/officeDocument/2006/relationships" xmlns:p="http://schemas.openxmlformats.org/presentationml/2006/main">
-  <p:cSld>
-    <p:spTree>
-      <p:nvGrpSpPr>
-        <p:cNvPr id="1" name=""/>
-        <p:cNvGrpSpPr/>
-        <p:nvPr/>
-      </p:nvGrpSpPr>
-      <p:grpSpPr>
-        <a:xfrm>
-          <a:off x="0" y="0"/>
-          <a:ext cx="0" cy="0"/>
-          <a:chOff x="0" y="0"/>
-          <a:chExt cx="0" cy="0"/>
-        </a:xfrm>
-      </p:grpSpPr>
-      <p:pic>
-        <p:nvPicPr>
-          <p:cNvPr id="5" name="Рисунок 4">
-            <a:extLst>
-              <a:ext uri="{FF2B5EF4-FFF2-40B4-BE49-F238E27FC236}">
-                <a16:creationId xmlns:a16="http://schemas.microsoft.com/office/drawing/2014/main" id="{67CF3B11-50A3-3F23-FAD8-905363CE7583}"/>
-              </a:ext>
-            </a:extLst>
-          </p:cNvPr>
-          <p:cNvPicPr>
-            <a:picLocks noChangeAspect="1"/>
-          </p:cNvPicPr>
-          <p:nvPr/>
-        </p:nvPicPr>
-        <p:blipFill>
-          <a:blip r:embed="rId2">
-            <a:extLst>
-              <a:ext uri="{28A0092B-C50C-407E-A947-70E740481C1C}">
-                <a14:useLocalDpi xmlns:a14="http://schemas.microsoft.com/office/drawing/2010/main" val="0"/>
-              </a:ext>
-            </a:extLst>
-          </a:blip>
-          <a:stretch>
-            <a:fillRect/>
-          </a:stretch>
-        </p:blipFill>
-        <p:spPr>
-          <a:xfrm>
-            <a:off x="0" y="-16329"/>
-            <a:ext cx="12192000" cy="6874329"/>
-          </a:xfrm>
-          <a:prstGeom prst="rect">
-            <a:avLst/>
-          </a:prstGeom>
-        </p:spPr>
-      </p:pic>
-      <p:sp>
-        <p:nvSpPr>
-          <p:cNvPr id="3" name="TextBox 2">
-            <a:extLst>
-              <a:ext uri="{FF2B5EF4-FFF2-40B4-BE49-F238E27FC236}">
-                <a16:creationId xmlns:a16="http://schemas.microsoft.com/office/drawing/2014/main" id="{05B56169-F056-6E07-7628-BEC1B42F39C6}"/>
-              </a:ext>
-            </a:extLst>
-          </p:cNvPr>
-          <p:cNvSpPr txBox="1"/>
-          <p:nvPr/>
-        </p:nvSpPr>
-        <p:spPr>
-          <a:xfrm>
-            <a:off x="1428750" y="628650"/>
-            <a:ext cx="7649935" cy="1015663"/>
-          </a:xfrm>
-          <a:prstGeom prst="rect">
-            <a:avLst/>
-          </a:prstGeom>
-          <a:noFill/>
-        </p:spPr>
-        <p:txBody>
-          <a:bodyPr wrap="square" rtlCol="0">
-            <a:spAutoFit/>
-          </a:bodyPr>
-          <a:lstStyle/>
-          <a:p>
-            <a:r>
-              <a:rPr lang="ru-RU" sz="6000" dirty="0">
-                <a:solidFill>
-                  <a:srgbClr val="FFFF00"/>
-                </a:solidFill>
-                <a:latin typeface="Bahnschrift SemiBold Condensed" panose="020B0502040204020203" pitchFamily="34" charset="0"/>
-              </a:rPr>
-              <a:t>Структура проекта:</a:t>
-            </a:r>
-            <a:endParaRPr lang="en-US" sz="6000" dirty="0">
-              <a:solidFill>
-                <a:srgbClr val="FFFF00"/>
-              </a:solidFill>
-              <a:latin typeface="Bahnschrift SemiBold Condensed" panose="020B0502040204020203" pitchFamily="34" charset="0"/>
-            </a:endParaRPr>
-          </a:p>
-        </p:txBody>
-      </p:sp>
-      <p:sp>
-        <p:nvSpPr>
-          <p:cNvPr id="2" name="Прямоугольник 1">
-            <a:extLst>
-              <a:ext uri="{FF2B5EF4-FFF2-40B4-BE49-F238E27FC236}">
-                <a16:creationId xmlns:a16="http://schemas.microsoft.com/office/drawing/2014/main" id="{3CA034C6-6DB6-89BF-4BC7-566A1E64AD52}"/>
-              </a:ext>
-            </a:extLst>
-          </p:cNvPr>
-          <p:cNvSpPr/>
-          <p:nvPr/>
-        </p:nvSpPr>
-        <p:spPr>
-          <a:xfrm>
-            <a:off x="2759529" y="1644313"/>
-            <a:ext cx="6319156" cy="5091223"/>
-          </a:xfrm>
-          <a:prstGeom prst="rect">
-            <a:avLst/>
-          </a:prstGeom>
-          <a:solidFill>
-            <a:schemeClr val="bg1"/>
-          </a:solidFill>
-        </p:spPr>
-        <p:style>
-          <a:lnRef idx="2">
-            <a:schemeClr val="accent1">
-              <a:shade val="50000"/>
-            </a:schemeClr>
-          </a:lnRef>
-          <a:fillRef idx="1">
-            <a:schemeClr val="accent1"/>
-          </a:fillRef>
-          <a:effectRef idx="0">
-            <a:schemeClr val="accent1"/>
-          </a:effectRef>
-          <a:fontRef idx="minor">
-            <a:schemeClr val="lt1"/>
-          </a:fontRef>
-        </p:style>
-        <p:txBody>
-          <a:bodyPr rtlCol="0" anchor="ctr"/>
-          <a:lstStyle/>
-          <a:p>
-            <a:pPr algn="ctr"/>
-            <a:endParaRPr lang="en-US"/>
-          </a:p>
-        </p:txBody>
-      </p:sp>
-      <p:pic>
-        <p:nvPicPr>
-          <p:cNvPr id="7" name="Рисунок 6">
-            <a:extLst>
-              <a:ext uri="{FF2B5EF4-FFF2-40B4-BE49-F238E27FC236}">
-                <a16:creationId xmlns:a16="http://schemas.microsoft.com/office/drawing/2014/main" id="{6DA6EC31-1CC8-2B48-BFF1-9E632EADA829}"/>
-              </a:ext>
-            </a:extLst>
-          </p:cNvPr>
-          <p:cNvPicPr>
-            <a:picLocks noChangeAspect="1"/>
-          </p:cNvPicPr>
-          <p:nvPr/>
-        </p:nvPicPr>
-        <p:blipFill>
-          <a:blip r:embed="rId3">
-            <a:extLst>
-              <a:ext uri="{28A0092B-C50C-407E-A947-70E740481C1C}">
-                <a14:useLocalDpi xmlns:a14="http://schemas.microsoft.com/office/drawing/2010/main" val="0"/>
-              </a:ext>
-            </a:extLst>
-          </a:blip>
-          <a:stretch>
-            <a:fillRect/>
-          </a:stretch>
-        </p:blipFill>
-        <p:spPr>
-          <a:xfrm>
-            <a:off x="3747407" y="1909521"/>
-            <a:ext cx="862122" cy="862122"/>
-          </a:xfrm>
-          <a:prstGeom prst="rect">
-            <a:avLst/>
-          </a:prstGeom>
-        </p:spPr>
-      </p:pic>
-      <p:pic>
-        <p:nvPicPr>
-          <p:cNvPr id="11" name="Рисунок 10">
-            <a:extLst>
-              <a:ext uri="{FF2B5EF4-FFF2-40B4-BE49-F238E27FC236}">
-                <a16:creationId xmlns:a16="http://schemas.microsoft.com/office/drawing/2014/main" id="{71EF9EED-4A70-B68B-AAC3-9BDF2E07D2A0}"/>
-              </a:ext>
-            </a:extLst>
-          </p:cNvPr>
-          <p:cNvPicPr>
-            <a:picLocks noChangeAspect="1"/>
-          </p:cNvPicPr>
-          <p:nvPr/>
-        </p:nvPicPr>
-        <p:blipFill>
-          <a:blip r:embed="rId4">
-            <a:extLst>
-              <a:ext uri="{28A0092B-C50C-407E-A947-70E740481C1C}">
-                <a14:useLocalDpi xmlns:a14="http://schemas.microsoft.com/office/drawing/2010/main" val="0"/>
-              </a:ext>
-            </a:extLst>
-          </a:blip>
-          <a:stretch>
-            <a:fillRect/>
-          </a:stretch>
-        </p:blipFill>
-        <p:spPr>
-          <a:xfrm flipH="1">
-            <a:off x="5292917" y="5604906"/>
-            <a:ext cx="1067486" cy="1067486"/>
-          </a:xfrm>
-          <a:prstGeom prst="rect">
-            <a:avLst/>
-          </a:prstGeom>
-        </p:spPr>
-      </p:pic>
-      <p:pic>
-        <p:nvPicPr>
-          <p:cNvPr id="16" name="Рисунок 15">
-            <a:extLst>
-              <a:ext uri="{FF2B5EF4-FFF2-40B4-BE49-F238E27FC236}">
-                <a16:creationId xmlns:a16="http://schemas.microsoft.com/office/drawing/2014/main" id="{B47FB6A1-54FD-47B5-C12E-AE1FDE03A0EE}"/>
-              </a:ext>
-            </a:extLst>
-          </p:cNvPr>
-          <p:cNvPicPr>
-            <a:picLocks noChangeAspect="1"/>
-          </p:cNvPicPr>
-          <p:nvPr/>
-        </p:nvPicPr>
-        <p:blipFill>
-          <a:blip r:embed="rId5">
-            <a:extLst>
-              <a:ext uri="{BEBA8EAE-BF5A-486C-A8C5-ECC9F3942E4B}">
-                <a14:imgProps xmlns:a14="http://schemas.microsoft.com/office/drawing/2010/main">
-                  <a14:imgLayer r:embed="rId6">
-                    <a14:imgEffect>
-                      <a14:backgroundRemoval t="10000" b="90000" l="10000" r="90000">
-                        <a14:foregroundMark x1="24031" y1="43395" x2="24031" y2="43395"/>
-                      </a14:backgroundRemoval>
-                    </a14:imgEffect>
-                  </a14:imgLayer>
-                </a14:imgProps>
-              </a:ext>
-              <a:ext uri="{28A0092B-C50C-407E-A947-70E740481C1C}">
-                <a14:useLocalDpi xmlns:a14="http://schemas.microsoft.com/office/drawing/2010/main" val="0"/>
-              </a:ext>
-            </a:extLst>
-          </a:blip>
-          <a:stretch>
-            <a:fillRect/>
-          </a:stretch>
-        </p:blipFill>
-        <p:spPr>
-          <a:xfrm>
-            <a:off x="7139801" y="1805360"/>
-            <a:ext cx="1437261" cy="1070443"/>
-          </a:xfrm>
-          <a:prstGeom prst="rect">
-            <a:avLst/>
-          </a:prstGeom>
-        </p:spPr>
-      </p:pic>
-      <p:pic>
-        <p:nvPicPr>
-          <p:cNvPr id="20" name="Рисунок 19">
-            <a:extLst>
-              <a:ext uri="{FF2B5EF4-FFF2-40B4-BE49-F238E27FC236}">
-                <a16:creationId xmlns:a16="http://schemas.microsoft.com/office/drawing/2014/main" id="{1372BE72-5798-1F47-F160-C084654326AE}"/>
-              </a:ext>
-            </a:extLst>
-          </p:cNvPr>
-          <p:cNvPicPr>
-            <a:picLocks noChangeAspect="1"/>
-          </p:cNvPicPr>
-          <p:nvPr/>
-        </p:nvPicPr>
-        <p:blipFill>
-          <a:blip r:embed="rId7">
-            <a:extLst>
-              <a:ext uri="{28A0092B-C50C-407E-A947-70E740481C1C}">
-                <a14:useLocalDpi xmlns:a14="http://schemas.microsoft.com/office/drawing/2010/main" val="0"/>
-              </a:ext>
-            </a:extLst>
-          </a:blip>
-          <a:stretch>
-            <a:fillRect/>
-          </a:stretch>
-        </p:blipFill>
-        <p:spPr>
-          <a:xfrm>
-            <a:off x="5332122" y="2934460"/>
-            <a:ext cx="989079" cy="989079"/>
-          </a:xfrm>
-          <a:prstGeom prst="rect">
-            <a:avLst/>
-          </a:prstGeom>
-        </p:spPr>
-      </p:pic>
-      <p:pic>
-        <p:nvPicPr>
-          <p:cNvPr id="23" name="Рисунок 22">
-            <a:extLst>
-              <a:ext uri="{FF2B5EF4-FFF2-40B4-BE49-F238E27FC236}">
-                <a16:creationId xmlns:a16="http://schemas.microsoft.com/office/drawing/2014/main" id="{574E439A-70D9-E58B-D9A2-F6FE93892B4D}"/>
+          <p:cNvPr id="14" name="Рисунок 13">
+            <a:extLst>
+              <a:ext uri="{FF2B5EF4-FFF2-40B4-BE49-F238E27FC236}">
+                <a16:creationId xmlns:a16="http://schemas.microsoft.com/office/drawing/2014/main" id="{70BD164C-A234-FE9A-ACA6-72F8621307BD}"/>
               </a:ext>
             </a:extLst>
           </p:cNvPr>
@@ -6848,6 +5846,475 @@
         </p:blipFill>
         <p:spPr>
           <a:xfrm>
+            <a:off x="9095779" y="4727487"/>
+            <a:ext cx="2545725" cy="1416751"/>
+          </a:xfrm>
+          <a:prstGeom prst="rect">
+            <a:avLst/>
+          </a:prstGeom>
+        </p:spPr>
+      </p:pic>
+      <p:pic>
+        <p:nvPicPr>
+          <p:cNvPr id="15" name="Рисунок 14">
+            <a:extLst>
+              <a:ext uri="{FF2B5EF4-FFF2-40B4-BE49-F238E27FC236}">
+                <a16:creationId xmlns:a16="http://schemas.microsoft.com/office/drawing/2014/main" id="{00BC9245-623E-155B-A079-7DDE8305D8A8}"/>
+              </a:ext>
+            </a:extLst>
+          </p:cNvPr>
+          <p:cNvPicPr>
+            <a:picLocks noChangeAspect="1"/>
+          </p:cNvPicPr>
+          <p:nvPr/>
+        </p:nvPicPr>
+        <p:blipFill>
+          <a:blip r:embed="rId10">
+            <a:extLst>
+              <a:ext uri="{BEBA8EAE-BF5A-486C-A8C5-ECC9F3942E4B}">
+                <a14:imgProps xmlns:a14="http://schemas.microsoft.com/office/drawing/2010/main">
+                  <a14:imgLayer r:embed="rId11">
+                    <a14:imgEffect>
+                      <a14:backgroundRemoval t="10000" b="90000" l="10000" r="90000"/>
+                    </a14:imgEffect>
+                  </a14:imgLayer>
+                </a14:imgProps>
+              </a:ext>
+              <a:ext uri="{28A0092B-C50C-407E-A947-70E740481C1C}">
+                <a14:useLocalDpi xmlns:a14="http://schemas.microsoft.com/office/drawing/2010/main" val="0"/>
+              </a:ext>
+            </a:extLst>
+          </a:blip>
+          <a:stretch>
+            <a:fillRect/>
+          </a:stretch>
+        </p:blipFill>
+        <p:spPr>
+          <a:xfrm>
+            <a:off x="2044048" y="4381719"/>
+            <a:ext cx="3582063" cy="2060692"/>
+          </a:xfrm>
+          <a:prstGeom prst="rect">
+            <a:avLst/>
+          </a:prstGeom>
+          <a:ln>
+            <a:noFill/>
+          </a:ln>
+          <a:effectLst>
+            <a:outerShdw blurRad="292100" dist="139700" dir="2700000" algn="tl" rotWithShape="0">
+              <a:srgbClr val="333333">
+                <a:alpha val="65000"/>
+              </a:srgbClr>
+            </a:outerShdw>
+          </a:effectLst>
+        </p:spPr>
+      </p:pic>
+    </p:spTree>
+    <p:extLst>
+      <p:ext uri="{BB962C8B-B14F-4D97-AF65-F5344CB8AC3E}">
+        <p14:creationId xmlns:p14="http://schemas.microsoft.com/office/powerpoint/2010/main" val="210860449"/>
+      </p:ext>
+    </p:extLst>
+  </p:cSld>
+  <p:clrMapOvr>
+    <a:masterClrMapping/>
+  </p:clrMapOvr>
+</p:sld>
+</file>
+
+<file path=ppt/slides/slide7.xml><?xml version="1.0" encoding="utf-8"?>
+<p:sld xmlns:a="http://schemas.openxmlformats.org/drawingml/2006/main" xmlns:r="http://schemas.openxmlformats.org/officeDocument/2006/relationships" xmlns:p="http://schemas.openxmlformats.org/presentationml/2006/main">
+  <p:cSld>
+    <p:spTree>
+      <p:nvGrpSpPr>
+        <p:cNvPr id="1" name=""/>
+        <p:cNvGrpSpPr/>
+        <p:nvPr/>
+      </p:nvGrpSpPr>
+      <p:grpSpPr>
+        <a:xfrm>
+          <a:off x="0" y="0"/>
+          <a:ext cx="0" cy="0"/>
+          <a:chOff x="0" y="0"/>
+          <a:chExt cx="0" cy="0"/>
+        </a:xfrm>
+      </p:grpSpPr>
+      <p:pic>
+        <p:nvPicPr>
+          <p:cNvPr id="3" name="Рисунок 2">
+            <a:extLst>
+              <a:ext uri="{FF2B5EF4-FFF2-40B4-BE49-F238E27FC236}">
+                <a16:creationId xmlns:a16="http://schemas.microsoft.com/office/drawing/2014/main" id="{87DCD917-B3BC-B360-C5AB-4E62C9913F3C}"/>
+              </a:ext>
+            </a:extLst>
+          </p:cNvPr>
+          <p:cNvPicPr>
+            <a:picLocks noChangeAspect="1"/>
+          </p:cNvPicPr>
+          <p:nvPr/>
+        </p:nvPicPr>
+        <p:blipFill>
+          <a:blip r:embed="rId2">
+            <a:extLst>
+              <a:ext uri="{28A0092B-C50C-407E-A947-70E740481C1C}">
+                <a14:useLocalDpi xmlns:a14="http://schemas.microsoft.com/office/drawing/2010/main" val="0"/>
+              </a:ext>
+            </a:extLst>
+          </a:blip>
+          <a:stretch>
+            <a:fillRect/>
+          </a:stretch>
+        </p:blipFill>
+        <p:spPr>
+          <a:xfrm>
+            <a:off x="0" y="0"/>
+            <a:ext cx="12192000" cy="6858000"/>
+          </a:xfrm>
+          <a:prstGeom prst="rect">
+            <a:avLst/>
+          </a:prstGeom>
+        </p:spPr>
+      </p:pic>
+      <p:sp>
+        <p:nvSpPr>
+          <p:cNvPr id="2" name="TextBox 1">
+            <a:extLst>
+              <a:ext uri="{FF2B5EF4-FFF2-40B4-BE49-F238E27FC236}">
+                <a16:creationId xmlns:a16="http://schemas.microsoft.com/office/drawing/2014/main" id="{1F27ABB5-9006-4BE5-4209-ADA22134AFA4}"/>
+              </a:ext>
+            </a:extLst>
+          </p:cNvPr>
+          <p:cNvSpPr txBox="1"/>
+          <p:nvPr/>
+        </p:nvSpPr>
+        <p:spPr>
+          <a:xfrm>
+            <a:off x="3400425" y="0"/>
+            <a:ext cx="5391150" cy="1015663"/>
+          </a:xfrm>
+          <a:prstGeom prst="rect">
+            <a:avLst/>
+          </a:prstGeom>
+          <a:noFill/>
+        </p:spPr>
+        <p:txBody>
+          <a:bodyPr wrap="square" rtlCol="0">
+            <a:spAutoFit/>
+          </a:bodyPr>
+          <a:lstStyle/>
+          <a:p>
+            <a:r>
+              <a:rPr lang="ru-RU" sz="6000" dirty="0">
+                <a:solidFill>
+                  <a:schemeClr val="bg2"/>
+                </a:solidFill>
+                <a:latin typeface="Bahnschrift SemiBold Condensed" panose="020B0502040204020203" pitchFamily="34" charset="0"/>
+              </a:rPr>
+              <a:t>Структура проекта</a:t>
+            </a:r>
+          </a:p>
+        </p:txBody>
+      </p:sp>
+      <p:sp>
+        <p:nvSpPr>
+          <p:cNvPr id="4" name="Прямоугольник 3">
+            <a:extLst>
+              <a:ext uri="{FF2B5EF4-FFF2-40B4-BE49-F238E27FC236}">
+                <a16:creationId xmlns:a16="http://schemas.microsoft.com/office/drawing/2014/main" id="{E4EF4D1A-10E4-CA5F-A832-2AFE70897BCA}"/>
+              </a:ext>
+            </a:extLst>
+          </p:cNvPr>
+          <p:cNvSpPr/>
+          <p:nvPr/>
+        </p:nvSpPr>
+        <p:spPr>
+          <a:xfrm>
+            <a:off x="2773218" y="1642749"/>
+            <a:ext cx="6319156" cy="5091223"/>
+          </a:xfrm>
+          <a:prstGeom prst="rect">
+            <a:avLst/>
+          </a:prstGeom>
+          <a:solidFill>
+            <a:schemeClr val="bg1"/>
+          </a:solidFill>
+        </p:spPr>
+        <p:style>
+          <a:lnRef idx="2">
+            <a:schemeClr val="accent1">
+              <a:shade val="50000"/>
+            </a:schemeClr>
+          </a:lnRef>
+          <a:fillRef idx="1">
+            <a:schemeClr val="accent1"/>
+          </a:fillRef>
+          <a:effectRef idx="0">
+            <a:schemeClr val="accent1"/>
+          </a:effectRef>
+          <a:fontRef idx="minor">
+            <a:schemeClr val="lt1"/>
+          </a:fontRef>
+        </p:style>
+        <p:txBody>
+          <a:bodyPr rtlCol="0" anchor="ctr"/>
+          <a:lstStyle/>
+          <a:p>
+            <a:pPr algn="ctr"/>
+            <a:endParaRPr lang="en-US"/>
+          </a:p>
+        </p:txBody>
+      </p:sp>
+      <p:pic>
+        <p:nvPicPr>
+          <p:cNvPr id="5" name="Рисунок 4">
+            <a:extLst>
+              <a:ext uri="{FF2B5EF4-FFF2-40B4-BE49-F238E27FC236}">
+                <a16:creationId xmlns:a16="http://schemas.microsoft.com/office/drawing/2014/main" id="{C220D137-C08C-85DA-63F8-CD30203CAA51}"/>
+              </a:ext>
+            </a:extLst>
+          </p:cNvPr>
+          <p:cNvPicPr>
+            <a:picLocks noChangeAspect="1"/>
+          </p:cNvPicPr>
+          <p:nvPr/>
+        </p:nvPicPr>
+        <p:blipFill>
+          <a:blip r:embed="rId3">
+            <a:extLst>
+              <a:ext uri="{28A0092B-C50C-407E-A947-70E740481C1C}">
+                <a14:useLocalDpi xmlns:a14="http://schemas.microsoft.com/office/drawing/2010/main" val="0"/>
+              </a:ext>
+            </a:extLst>
+          </a:blip>
+          <a:stretch>
+            <a:fillRect/>
+          </a:stretch>
+        </p:blipFill>
+        <p:spPr>
+          <a:xfrm>
+            <a:off x="3634159" y="1909520"/>
+            <a:ext cx="862122" cy="862122"/>
+          </a:xfrm>
+          <a:prstGeom prst="rect">
+            <a:avLst/>
+          </a:prstGeom>
+        </p:spPr>
+      </p:pic>
+      <p:pic>
+        <p:nvPicPr>
+          <p:cNvPr id="6" name="Рисунок 5">
+            <a:extLst>
+              <a:ext uri="{FF2B5EF4-FFF2-40B4-BE49-F238E27FC236}">
+                <a16:creationId xmlns:a16="http://schemas.microsoft.com/office/drawing/2014/main" id="{0B45D9C3-8498-0141-AC4C-0E11098CB9DB}"/>
+              </a:ext>
+            </a:extLst>
+          </p:cNvPr>
+          <p:cNvPicPr>
+            <a:picLocks noChangeAspect="1"/>
+          </p:cNvPicPr>
+          <p:nvPr/>
+        </p:nvPicPr>
+        <p:blipFill>
+          <a:blip r:embed="rId4">
+            <a:extLst>
+              <a:ext uri="{28A0092B-C50C-407E-A947-70E740481C1C}">
+                <a14:useLocalDpi xmlns:a14="http://schemas.microsoft.com/office/drawing/2010/main" val="0"/>
+              </a:ext>
+            </a:extLst>
+          </a:blip>
+          <a:stretch>
+            <a:fillRect/>
+          </a:stretch>
+        </p:blipFill>
+        <p:spPr>
+          <a:xfrm flipH="1">
+            <a:off x="5292917" y="5604906"/>
+            <a:ext cx="1067486" cy="1067486"/>
+          </a:xfrm>
+          <a:prstGeom prst="rect">
+            <a:avLst/>
+          </a:prstGeom>
+        </p:spPr>
+      </p:pic>
+      <p:pic>
+        <p:nvPicPr>
+          <p:cNvPr id="7" name="Рисунок 6">
+            <a:extLst>
+              <a:ext uri="{FF2B5EF4-FFF2-40B4-BE49-F238E27FC236}">
+                <a16:creationId xmlns:a16="http://schemas.microsoft.com/office/drawing/2014/main" id="{EAA3D84F-8392-0F7A-DCCB-336DB633B12F}"/>
+              </a:ext>
+            </a:extLst>
+          </p:cNvPr>
+          <p:cNvPicPr>
+            <a:picLocks noChangeAspect="1"/>
+          </p:cNvPicPr>
+          <p:nvPr/>
+        </p:nvPicPr>
+        <p:blipFill>
+          <a:blip r:embed="rId5">
+            <a:extLst>
+              <a:ext uri="{BEBA8EAE-BF5A-486C-A8C5-ECC9F3942E4B}">
+                <a14:imgProps xmlns:a14="http://schemas.microsoft.com/office/drawing/2010/main">
+                  <a14:imgLayer r:embed="rId6">
+                    <a14:imgEffect>
+                      <a14:backgroundRemoval t="10000" b="90000" l="10000" r="90000">
+                        <a14:foregroundMark x1="24031" y1="43395" x2="24031" y2="43395"/>
+                      </a14:backgroundRemoval>
+                    </a14:imgEffect>
+                  </a14:imgLayer>
+                </a14:imgProps>
+              </a:ext>
+              <a:ext uri="{28A0092B-C50C-407E-A947-70E740481C1C}">
+                <a14:useLocalDpi xmlns:a14="http://schemas.microsoft.com/office/drawing/2010/main" val="0"/>
+              </a:ext>
+            </a:extLst>
+          </a:blip>
+          <a:stretch>
+            <a:fillRect/>
+          </a:stretch>
+        </p:blipFill>
+        <p:spPr>
+          <a:xfrm>
+            <a:off x="7139801" y="1805360"/>
+            <a:ext cx="1437261" cy="1070443"/>
+          </a:xfrm>
+          <a:prstGeom prst="rect">
+            <a:avLst/>
+          </a:prstGeom>
+        </p:spPr>
+      </p:pic>
+      <p:pic>
+        <p:nvPicPr>
+          <p:cNvPr id="8" name="Рисунок 7">
+            <a:extLst>
+              <a:ext uri="{FF2B5EF4-FFF2-40B4-BE49-F238E27FC236}">
+                <a16:creationId xmlns:a16="http://schemas.microsoft.com/office/drawing/2014/main" id="{96B215F2-C38A-DA6E-ED5A-332F78CBCABD}"/>
+              </a:ext>
+            </a:extLst>
+          </p:cNvPr>
+          <p:cNvPicPr>
+            <a:picLocks noChangeAspect="1"/>
+          </p:cNvPicPr>
+          <p:nvPr/>
+        </p:nvPicPr>
+        <p:blipFill>
+          <a:blip r:embed="rId7">
+            <a:extLst>
+              <a:ext uri="{28A0092B-C50C-407E-A947-70E740481C1C}">
+                <a14:useLocalDpi xmlns:a14="http://schemas.microsoft.com/office/drawing/2010/main" val="0"/>
+              </a:ext>
+            </a:extLst>
+          </a:blip>
+          <a:stretch>
+            <a:fillRect/>
+          </a:stretch>
+        </p:blipFill>
+        <p:spPr>
+          <a:xfrm>
+            <a:off x="5332122" y="2934460"/>
+            <a:ext cx="989079" cy="989079"/>
+          </a:xfrm>
+          <a:prstGeom prst="rect">
+            <a:avLst/>
+          </a:prstGeom>
+        </p:spPr>
+      </p:pic>
+      <p:pic>
+        <p:nvPicPr>
+          <p:cNvPr id="9" name="Рисунок 8">
+            <a:extLst>
+              <a:ext uri="{FF2B5EF4-FFF2-40B4-BE49-F238E27FC236}">
+                <a16:creationId xmlns:a16="http://schemas.microsoft.com/office/drawing/2014/main" id="{E61485D2-E9DD-A0A3-5871-F485484AC36F}"/>
+              </a:ext>
+            </a:extLst>
+          </p:cNvPr>
+          <p:cNvPicPr>
+            <a:picLocks noChangeAspect="1"/>
+          </p:cNvPicPr>
+          <p:nvPr/>
+        </p:nvPicPr>
+        <p:blipFill>
+          <a:blip r:embed="rId8">
+            <a:extLst>
+              <a:ext uri="{BEBA8EAE-BF5A-486C-A8C5-ECC9F3942E4B}">
+                <a14:imgProps xmlns:a14="http://schemas.microsoft.com/office/drawing/2010/main">
+                  <a14:imgLayer r:embed="rId9">
+                    <a14:imgEffect>
+                      <a14:backgroundRemoval t="3516" b="99219" l="10000" r="90000">
+                        <a14:foregroundMark x1="45435" y1="50391" x2="45435" y2="50391"/>
+                        <a14:foregroundMark x1="39457" y1="59375" x2="39457" y2="59375"/>
+                        <a14:foregroundMark x1="36196" y1="42773" x2="36196" y2="42773"/>
+                        <a14:foregroundMark x1="25761" y1="42969" x2="25761" y2="42969"/>
+                        <a14:foregroundMark x1="25217" y1="41797" x2="25217" y2="41797"/>
+                        <a14:foregroundMark x1="25435" y1="44727" x2="25435" y2="44727"/>
+                        <a14:foregroundMark x1="24783" y1="46875" x2="24783" y2="46875"/>
+                        <a14:foregroundMark x1="25109" y1="50000" x2="25109" y2="50000"/>
+                        <a14:foregroundMark x1="25109" y1="54883" x2="25109" y2="54883"/>
+                        <a14:foregroundMark x1="25435" y1="58789" x2="25435" y2="58789"/>
+                        <a14:foregroundMark x1="25435" y1="62695" x2="25435" y2="62695"/>
+                        <a14:foregroundMark x1="25761" y1="65234" x2="25761" y2="65234"/>
+                        <a14:foregroundMark x1="50000" y1="92578" x2="50000" y2="92578"/>
+                        <a14:foregroundMark x1="51630" y1="96094" x2="51630" y2="96094"/>
+                        <a14:foregroundMark x1="26413" y1="36719" x2="26413" y2="36719"/>
+                        <a14:foregroundMark x1="27935" y1="28711" x2="27935" y2="28711"/>
+                        <a14:foregroundMark x1="32283" y1="18945" x2="32283" y2="18945"/>
+                        <a14:foregroundMark x1="29348" y1="24805" x2="29348" y2="24805"/>
+                        <a14:foregroundMark x1="32935" y1="17188" x2="32935" y2="17188"/>
+                        <a14:foregroundMark x1="50652" y1="7813" x2="50652" y2="7813"/>
+                        <a14:foregroundMark x1="52935" y1="4688" x2="52935" y2="4688"/>
+                        <a14:foregroundMark x1="53152" y1="5469" x2="53152" y2="5469"/>
+                        <a14:foregroundMark x1="54239" y1="5469" x2="66304" y2="14648"/>
+                        <a14:foregroundMark x1="66304" y1="14648" x2="74783" y2="37695"/>
+                        <a14:foregroundMark x1="74783" y1="37695" x2="75000" y2="38672"/>
+                        <a14:foregroundMark x1="31630" y1="20313" x2="50652" y2="3516"/>
+                        <a14:foregroundMark x1="50652" y1="3516" x2="53261" y2="3516"/>
+                        <a14:foregroundMark x1="50543" y1="4883" x2="38696" y2="10547"/>
+                        <a14:foregroundMark x1="38696" y1="10547" x2="35217" y2="14648"/>
+                        <a14:foregroundMark x1="48043" y1="4883" x2="40761" y2="6445"/>
+                        <a14:foregroundMark x1="37500" y1="44727" x2="35652" y2="52148"/>
+                        <a14:foregroundMark x1="39348" y1="58984" x2="39022" y2="67383"/>
+                        <a14:foregroundMark x1="75109" y1="46289" x2="74783" y2="59570"/>
+                        <a14:foregroundMark x1="74370" y1="61462" x2="69239" y2="84961"/>
+                        <a14:foregroundMark x1="74783" y1="59570" x2="74396" y2="61345"/>
+                        <a14:foregroundMark x1="69239" y1="84961" x2="58551" y2="96080"/>
+                        <a14:foregroundMark x1="52832" y1="98680" x2="52407" y2="98768"/>
+                        <a14:foregroundMark x1="46505" y1="97277" x2="41630" y2="94727"/>
+                        <a14:foregroundMark x1="41630" y1="94727" x2="32174" y2="82031"/>
+                        <a14:foregroundMark x1="32174" y1="82031" x2="27391" y2="69336"/>
+                        <a14:foregroundMark x1="45000" y1="47070" x2="46087" y2="58984"/>
+                        <a14:backgroundMark x1="44348" y1="2148" x2="44348" y2="2148"/>
+                        <a14:backgroundMark x1="24457" y1="66797" x2="24457" y2="66797"/>
+                        <a14:backgroundMark x1="24891" y1="66211" x2="24891" y2="66211"/>
+                        <a14:backgroundMark x1="52717" y1="99609" x2="52717" y2="99609"/>
+                        <a14:backgroundMark x1="55109" y1="99414" x2="55109" y2="99414"/>
+                        <a14:backgroundMark x1="56413" y1="99023" x2="56413" y2="99023"/>
+                        <a14:backgroundMark x1="56957" y1="98438" x2="56957" y2="98438"/>
+                        <a14:backgroundMark x1="50761" y1="99609" x2="50761" y2="99609"/>
+                        <a14:backgroundMark x1="49022" y1="99609" x2="49022" y2="99609"/>
+                        <a14:backgroundMark x1="49239" y1="99609" x2="51739" y2="99609"/>
+                        <a14:backgroundMark x1="53478" y1="99609" x2="55435" y2="98438"/>
+                        <a14:backgroundMark x1="56087" y1="99219" x2="58043" y2="97852"/>
+                        <a14:backgroundMark x1="60543" y1="96289" x2="62935" y2="92773"/>
+                        <a14:backgroundMark x1="56630" y1="98242" x2="53043" y2="99219"/>
+                        <a14:backgroundMark x1="52500" y1="99023" x2="47283" y2="99414"/>
+                        <a14:backgroundMark x1="76196" y1="62109" x2="75652" y2="66992"/>
+                        <a14:backgroundMark x1="74891" y1="71094" x2="74130" y2="77344"/>
+                      </a14:backgroundRemoval>
+                    </a14:imgEffect>
+                  </a14:imgLayer>
+                </a14:imgProps>
+              </a:ext>
+              <a:ext uri="{28A0092B-C50C-407E-A947-70E740481C1C}">
+                <a14:useLocalDpi xmlns:a14="http://schemas.microsoft.com/office/drawing/2010/main" val="0"/>
+              </a:ext>
+            </a:extLst>
+          </a:blip>
+          <a:stretch>
+            <a:fillRect/>
+          </a:stretch>
+        </p:blipFill>
+        <p:spPr>
+          <a:xfrm>
             <a:off x="4866694" y="4188361"/>
             <a:ext cx="1919933" cy="1152615"/>
           </a:xfrm>
@@ -6858,24 +6325,24 @@
       </p:pic>
       <p:cxnSp>
         <p:nvCxnSpPr>
-          <p:cNvPr id="28" name="Прямая соединительная линия 27">
-            <a:extLst>
-              <a:ext uri="{FF2B5EF4-FFF2-40B4-BE49-F238E27FC236}">
-                <a16:creationId xmlns:a16="http://schemas.microsoft.com/office/drawing/2014/main" id="{DBF419E6-8F2E-B030-3746-561A615E1B4C}"/>
+          <p:cNvPr id="10" name="Прямая соединительная линия 9">
+            <a:extLst>
+              <a:ext uri="{FF2B5EF4-FFF2-40B4-BE49-F238E27FC236}">
+                <a16:creationId xmlns:a16="http://schemas.microsoft.com/office/drawing/2014/main" id="{7974FDAA-A1B5-DB64-2E61-FFC946DC6A00}"/>
               </a:ext>
             </a:extLst>
           </p:cNvPr>
           <p:cNvCxnSpPr>
             <a:cxnSpLocks/>
-            <a:stCxn id="7" idx="3"/>
-            <a:endCxn id="16" idx="1"/>
+            <a:stCxn id="5" idx="3"/>
+            <a:endCxn id="7" idx="1"/>
           </p:cNvCxnSpPr>
           <p:nvPr/>
         </p:nvCxnSpPr>
         <p:spPr>
           <a:xfrm>
-            <a:off x="4609529" y="2340582"/>
-            <a:ext cx="2530272" cy="0"/>
+            <a:off x="4496281" y="2340581"/>
+            <a:ext cx="2643520" cy="1"/>
           </a:xfrm>
           <a:prstGeom prst="line">
             <a:avLst/>
@@ -6899,10 +6366,10 @@
       </p:cxnSp>
       <p:cxnSp>
         <p:nvCxnSpPr>
-          <p:cNvPr id="31" name="Прямая со стрелкой 30">
-            <a:extLst>
-              <a:ext uri="{FF2B5EF4-FFF2-40B4-BE49-F238E27FC236}">
-                <a16:creationId xmlns:a16="http://schemas.microsoft.com/office/drawing/2014/main" id="{C51790BA-B23A-E43A-1F1C-1CB8D9C7B907}"/>
+          <p:cNvPr id="11" name="Прямая со стрелкой 10">
+            <a:extLst>
+              <a:ext uri="{FF2B5EF4-FFF2-40B4-BE49-F238E27FC236}">
+                <a16:creationId xmlns:a16="http://schemas.microsoft.com/office/drawing/2014/main" id="{FC908ADD-887D-8C60-78EA-E89D5D760DC9}"/>
               </a:ext>
             </a:extLst>
           </p:cNvPr>
@@ -6940,16 +6407,16 @@
       </p:cxnSp>
       <p:cxnSp>
         <p:nvCxnSpPr>
-          <p:cNvPr id="37" name="Прямая со стрелкой 36">
-            <a:extLst>
-              <a:ext uri="{FF2B5EF4-FFF2-40B4-BE49-F238E27FC236}">
-                <a16:creationId xmlns:a16="http://schemas.microsoft.com/office/drawing/2014/main" id="{39932F0E-0B70-DCC9-1494-06F8705C6B91}"/>
+          <p:cNvPr id="12" name="Прямая со стрелкой 11">
+            <a:extLst>
+              <a:ext uri="{FF2B5EF4-FFF2-40B4-BE49-F238E27FC236}">
+                <a16:creationId xmlns:a16="http://schemas.microsoft.com/office/drawing/2014/main" id="{A673D1F1-3104-53B4-5E0D-83A04CA8B861}"/>
               </a:ext>
             </a:extLst>
           </p:cNvPr>
           <p:cNvCxnSpPr>
-            <a:stCxn id="20" idx="2"/>
-            <a:endCxn id="23" idx="0"/>
+            <a:stCxn id="8" idx="2"/>
+            <a:endCxn id="9" idx="0"/>
           </p:cNvCxnSpPr>
           <p:nvPr/>
         </p:nvCxnSpPr>
@@ -6982,16 +6449,16 @@
       </p:cxnSp>
       <p:cxnSp>
         <p:nvCxnSpPr>
-          <p:cNvPr id="39" name="Прямая со стрелкой 38">
-            <a:extLst>
-              <a:ext uri="{FF2B5EF4-FFF2-40B4-BE49-F238E27FC236}">
-                <a16:creationId xmlns:a16="http://schemas.microsoft.com/office/drawing/2014/main" id="{A0DEC488-9F49-A9FC-89D6-70D5B22C2D47}"/>
+          <p:cNvPr id="13" name="Прямая со стрелкой 12">
+            <a:extLst>
+              <a:ext uri="{FF2B5EF4-FFF2-40B4-BE49-F238E27FC236}">
+                <a16:creationId xmlns:a16="http://schemas.microsoft.com/office/drawing/2014/main" id="{F7A63E6E-390F-8AB4-8B70-DD320471388B}"/>
               </a:ext>
             </a:extLst>
           </p:cNvPr>
           <p:cNvCxnSpPr>
-            <a:stCxn id="23" idx="2"/>
-            <a:endCxn id="11" idx="0"/>
+            <a:stCxn id="9" idx="2"/>
+            <a:endCxn id="6" idx="0"/>
           </p:cNvCxnSpPr>
           <p:nvPr/>
         </p:nvCxnSpPr>
@@ -7028,7 +6495,7 @@
     </p:spTree>
     <p:extLst>
       <p:ext uri="{BB962C8B-B14F-4D97-AF65-F5344CB8AC3E}">
-        <p14:creationId xmlns:p14="http://schemas.microsoft.com/office/powerpoint/2010/main" val="135230473"/>
+        <p14:creationId xmlns:p14="http://schemas.microsoft.com/office/powerpoint/2010/main" val="2447709244"/>
       </p:ext>
     </p:extLst>
   </p:cSld>
@@ -7057,10 +6524,10 @@
       </p:grpSpPr>
       <p:pic>
         <p:nvPicPr>
-          <p:cNvPr id="5" name="Рисунок 4">
-            <a:extLst>
-              <a:ext uri="{FF2B5EF4-FFF2-40B4-BE49-F238E27FC236}">
-                <a16:creationId xmlns:a16="http://schemas.microsoft.com/office/drawing/2014/main" id="{67CF3B11-50A3-3F23-FAD8-905363CE7583}"/>
+          <p:cNvPr id="3" name="Рисунок 2">
+            <a:extLst>
+              <a:ext uri="{FF2B5EF4-FFF2-40B4-BE49-F238E27FC236}">
+                <a16:creationId xmlns:a16="http://schemas.microsoft.com/office/drawing/2014/main" id="{87DCD917-B3BC-B360-C5AB-4E62C9913F3C}"/>
               </a:ext>
             </a:extLst>
           </p:cNvPr>
@@ -7084,7 +6551,7 @@
         <p:spPr>
           <a:xfrm>
             <a:off x="0" y="0"/>
-            <a:ext cx="12192000" cy="6874329"/>
+            <a:ext cx="12192000" cy="6858000"/>
           </a:xfrm>
           <a:prstGeom prst="rect">
             <a:avLst/>
@@ -7093,10 +6560,10 @@
       </p:pic>
       <p:sp>
         <p:nvSpPr>
-          <p:cNvPr id="3" name="TextBox 2">
-            <a:extLst>
-              <a:ext uri="{FF2B5EF4-FFF2-40B4-BE49-F238E27FC236}">
-                <a16:creationId xmlns:a16="http://schemas.microsoft.com/office/drawing/2014/main" id="{05B56169-F056-6E07-7628-BEC1B42F39C6}"/>
+          <p:cNvPr id="2" name="TextBox 1">
+            <a:extLst>
+              <a:ext uri="{FF2B5EF4-FFF2-40B4-BE49-F238E27FC236}">
+                <a16:creationId xmlns:a16="http://schemas.microsoft.com/office/drawing/2014/main" id="{1F27ABB5-9006-4BE5-4209-ADA22134AFA4}"/>
               </a:ext>
             </a:extLst>
           </p:cNvPr>
@@ -7105,8 +6572,8 @@
         </p:nvSpPr>
         <p:spPr>
           <a:xfrm>
-            <a:off x="1428750" y="628650"/>
-            <a:ext cx="7649935" cy="1015663"/>
+            <a:off x="3175907" y="73478"/>
+            <a:ext cx="5840186" cy="1015663"/>
           </a:xfrm>
           <a:prstGeom prst="rect">
             <a:avLst/>
@@ -7122,71 +6589,21 @@
             <a:r>
               <a:rPr lang="ru-RU" sz="6000" dirty="0">
                 <a:solidFill>
-                  <a:srgbClr val="FFFF00"/>
+                  <a:schemeClr val="bg2"/>
                 </a:solidFill>
                 <a:latin typeface="Bahnschrift SemiBold Condensed" panose="020B0502040204020203" pitchFamily="34" charset="0"/>
               </a:rPr>
-              <a:t>Проделанная работа:</a:t>
-            </a:r>
-            <a:endParaRPr lang="en-US" sz="6000" dirty="0">
-              <a:solidFill>
-                <a:srgbClr val="FFFF00"/>
-              </a:solidFill>
-              <a:latin typeface="Bahnschrift SemiBold Condensed" panose="020B0502040204020203" pitchFamily="34" charset="0"/>
-            </a:endParaRPr>
-          </a:p>
-        </p:txBody>
-      </p:sp>
-      <p:sp>
-        <p:nvSpPr>
-          <p:cNvPr id="4" name="TextBox 3">
-            <a:extLst>
-              <a:ext uri="{FF2B5EF4-FFF2-40B4-BE49-F238E27FC236}">
-                <a16:creationId xmlns:a16="http://schemas.microsoft.com/office/drawing/2014/main" id="{44CABDDF-333F-7AD8-7447-F7098B31EA7B}"/>
-              </a:ext>
-            </a:extLst>
-          </p:cNvPr>
-          <p:cNvSpPr txBox="1"/>
-          <p:nvPr/>
-        </p:nvSpPr>
-        <p:spPr>
-          <a:xfrm>
-            <a:off x="-948928" y="2266558"/>
-            <a:ext cx="10526123" cy="646331"/>
-          </a:xfrm>
-          <a:prstGeom prst="rect">
-            <a:avLst/>
-          </a:prstGeom>
-          <a:noFill/>
-        </p:spPr>
-        <p:txBody>
-          <a:bodyPr wrap="square" rtlCol="0">
-            <a:spAutoFit/>
-          </a:bodyPr>
-          <a:lstStyle/>
-          <a:p>
-            <a:pPr marL="285750" indent="-285750" algn="ctr">
-              <a:buFont typeface="Arial" panose="020B0604020202020204" pitchFamily="34" charset="0"/>
-              <a:buChar char="•"/>
-            </a:pPr>
-            <a:r>
-              <a:rPr lang="ru-RU" sz="3600" dirty="0">
-                <a:solidFill>
-                  <a:schemeClr val="accent1"/>
-                </a:solidFill>
-                <a:latin typeface="Bahnschrift SemiBold Condensed" panose="020B0502040204020203" pitchFamily="34" charset="0"/>
-              </a:rPr>
-              <a:t>Реализован тестовый графический функционал</a:t>
+              <a:t>Проделанная работа</a:t>
             </a:r>
           </a:p>
         </p:txBody>
       </p:sp>
       <p:pic>
         <p:nvPicPr>
-          <p:cNvPr id="8" name="Рисунок 7">
-            <a:extLst>
-              <a:ext uri="{FF2B5EF4-FFF2-40B4-BE49-F238E27FC236}">
-                <a16:creationId xmlns:a16="http://schemas.microsoft.com/office/drawing/2014/main" id="{3E8059E5-4D48-A704-F05F-32C3BF4AA267}"/>
+          <p:cNvPr id="4" name="Рисунок 3">
+            <a:extLst>
+              <a:ext uri="{FF2B5EF4-FFF2-40B4-BE49-F238E27FC236}">
+                <a16:creationId xmlns:a16="http://schemas.microsoft.com/office/drawing/2014/main" id="{4876C5B4-718E-F211-DAF5-689004281B81}"/>
               </a:ext>
             </a:extLst>
           </p:cNvPr>
@@ -7209,7 +6626,7 @@
         </p:blipFill>
         <p:spPr>
           <a:xfrm>
-            <a:off x="8396287" y="69676"/>
+            <a:off x="8396287" y="2310201"/>
             <a:ext cx="3795713" cy="3326739"/>
           </a:xfrm>
           <a:prstGeom prst="rect">
@@ -7219,10 +6636,10 @@
       </p:pic>
       <p:sp>
         <p:nvSpPr>
-          <p:cNvPr id="9" name="TextBox 8">
-            <a:extLst>
-              <a:ext uri="{FF2B5EF4-FFF2-40B4-BE49-F238E27FC236}">
-                <a16:creationId xmlns:a16="http://schemas.microsoft.com/office/drawing/2014/main" id="{E0A94ACC-3A03-91AE-13AC-14D97822BE43}"/>
+          <p:cNvPr id="6" name="TextBox 5">
+            <a:extLst>
+              <a:ext uri="{FF2B5EF4-FFF2-40B4-BE49-F238E27FC236}">
+                <a16:creationId xmlns:a16="http://schemas.microsoft.com/office/drawing/2014/main" id="{A34CF3D5-1375-6F9A-9934-108062CEB5F2}"/>
               </a:ext>
             </a:extLst>
           </p:cNvPr>
@@ -7231,8 +6648,8 @@
         </p:nvSpPr>
         <p:spPr>
           <a:xfrm>
-            <a:off x="-268170" y="4293444"/>
-            <a:ext cx="9164605" cy="1200329"/>
+            <a:off x="-1143812" y="2692716"/>
+            <a:ext cx="10267495" cy="646331"/>
           </a:xfrm>
           <a:prstGeom prst="rect">
             <a:avLst/>
@@ -7251,56 +6668,58 @@
             </a:pPr>
             <a:r>
               <a:rPr lang="ru-RU" sz="3600" dirty="0">
-                <a:solidFill>
-                  <a:schemeClr val="accent1"/>
-                </a:solidFill>
                 <a:latin typeface="Bahnschrift SemiBold Condensed" panose="020B0502040204020203" pitchFamily="34" charset="0"/>
               </a:rPr>
-              <a:t>Проведено первое закрытое бета-тестирование проекта</a:t>
-            </a:r>
-          </a:p>
-        </p:txBody>
-      </p:sp>
-      <p:pic>
-        <p:nvPicPr>
-          <p:cNvPr id="19" name="Рисунок 18">
-            <a:extLst>
-              <a:ext uri="{FF2B5EF4-FFF2-40B4-BE49-F238E27FC236}">
-                <a16:creationId xmlns:a16="http://schemas.microsoft.com/office/drawing/2014/main" id="{CCDA55D1-B303-80F5-EE11-1C2BE85EC58E}"/>
-              </a:ext>
-            </a:extLst>
-          </p:cNvPr>
-          <p:cNvPicPr>
-            <a:picLocks noChangeAspect="1"/>
-          </p:cNvPicPr>
-          <p:nvPr/>
-        </p:nvPicPr>
-        <p:blipFill>
-          <a:blip r:embed="rId4">
-            <a:extLst>
-              <a:ext uri="{28A0092B-C50C-407E-A947-70E740481C1C}">
-                <a14:useLocalDpi xmlns:a14="http://schemas.microsoft.com/office/drawing/2010/main" val="0"/>
-              </a:ext>
-            </a:extLst>
-          </a:blip>
-          <a:stretch>
-            <a:fillRect/>
-          </a:stretch>
-        </p:blipFill>
-        <p:spPr>
-          <a:xfrm>
-            <a:off x="8396286" y="3565079"/>
-            <a:ext cx="3795713" cy="3326739"/>
-          </a:xfrm>
-          <a:prstGeom prst="rect">
-            <a:avLst/>
-          </a:prstGeom>
-        </p:spPr>
-      </p:pic>
+              <a:t>Реализован тестовый графический функционал</a:t>
+            </a:r>
+          </a:p>
+        </p:txBody>
+      </p:sp>
+      <p:sp>
+        <p:nvSpPr>
+          <p:cNvPr id="7" name="TextBox 6">
+            <a:extLst>
+              <a:ext uri="{FF2B5EF4-FFF2-40B4-BE49-F238E27FC236}">
+                <a16:creationId xmlns:a16="http://schemas.microsoft.com/office/drawing/2014/main" id="{4906D4D7-3B62-C699-884E-C1A39E4EA512}"/>
+              </a:ext>
+            </a:extLst>
+          </p:cNvPr>
+          <p:cNvSpPr txBox="1"/>
+          <p:nvPr/>
+        </p:nvSpPr>
+        <p:spPr>
+          <a:xfrm>
+            <a:off x="-268169" y="4293444"/>
+            <a:ext cx="8930032" cy="646331"/>
+          </a:xfrm>
+          <a:prstGeom prst="rect">
+            <a:avLst/>
+          </a:prstGeom>
+          <a:noFill/>
+        </p:spPr>
+        <p:txBody>
+          <a:bodyPr wrap="square" rtlCol="0">
+            <a:spAutoFit/>
+          </a:bodyPr>
+          <a:lstStyle/>
+          <a:p>
+            <a:pPr marL="285750" indent="-285750" algn="ctr">
+              <a:buFont typeface="Arial" panose="020B0604020202020204" pitchFamily="34" charset="0"/>
+              <a:buChar char="•"/>
+            </a:pPr>
+            <a:r>
+              <a:rPr lang="ru-RU" sz="3600" dirty="0">
+                <a:latin typeface="Bahnschrift SemiBold Condensed" panose="020B0502040204020203" pitchFamily="34" charset="0"/>
+              </a:rPr>
+              <a:t>Проведено первое закрытое тестирование проекта</a:t>
+            </a:r>
+          </a:p>
+        </p:txBody>
+      </p:sp>
     </p:spTree>
     <p:extLst>
       <p:ext uri="{BB962C8B-B14F-4D97-AF65-F5344CB8AC3E}">
-        <p14:creationId xmlns:p14="http://schemas.microsoft.com/office/powerpoint/2010/main" val="4155094374"/>
+        <p14:creationId xmlns:p14="http://schemas.microsoft.com/office/powerpoint/2010/main" val="3223571326"/>
       </p:ext>
     </p:extLst>
   </p:cSld>
@@ -7329,10 +6748,10 @@
       </p:grpSpPr>
       <p:pic>
         <p:nvPicPr>
-          <p:cNvPr id="5" name="Рисунок 4">
-            <a:extLst>
-              <a:ext uri="{FF2B5EF4-FFF2-40B4-BE49-F238E27FC236}">
-                <a16:creationId xmlns:a16="http://schemas.microsoft.com/office/drawing/2014/main" id="{67CF3B11-50A3-3F23-FAD8-905363CE7583}"/>
+          <p:cNvPr id="3" name="Рисунок 2">
+            <a:extLst>
+              <a:ext uri="{FF2B5EF4-FFF2-40B4-BE49-F238E27FC236}">
+                <a16:creationId xmlns:a16="http://schemas.microsoft.com/office/drawing/2014/main" id="{87DCD917-B3BC-B360-C5AB-4E62C9913F3C}"/>
               </a:ext>
             </a:extLst>
           </p:cNvPr>
@@ -7355,8 +6774,8 @@
         </p:blipFill>
         <p:spPr>
           <a:xfrm>
-            <a:off x="0" y="-16329"/>
-            <a:ext cx="12192000" cy="6874329"/>
+            <a:off x="0" y="0"/>
+            <a:ext cx="12192000" cy="6858000"/>
           </a:xfrm>
           <a:prstGeom prst="rect">
             <a:avLst/>
@@ -7365,10 +6784,10 @@
       </p:pic>
       <p:sp>
         <p:nvSpPr>
-          <p:cNvPr id="6" name="TextBox 5">
-            <a:extLst>
-              <a:ext uri="{FF2B5EF4-FFF2-40B4-BE49-F238E27FC236}">
-                <a16:creationId xmlns:a16="http://schemas.microsoft.com/office/drawing/2014/main" id="{29458B39-E45F-6526-04C8-EC9336D7726E}"/>
+          <p:cNvPr id="2" name="TextBox 1">
+            <a:extLst>
+              <a:ext uri="{FF2B5EF4-FFF2-40B4-BE49-F238E27FC236}">
+                <a16:creationId xmlns:a16="http://schemas.microsoft.com/office/drawing/2014/main" id="{1F27ABB5-9006-4BE5-4209-ADA22134AFA4}"/>
               </a:ext>
             </a:extLst>
           </p:cNvPr>
@@ -7377,8 +6796,8 @@
         </p:nvSpPr>
         <p:spPr>
           <a:xfrm>
-            <a:off x="718458" y="1804307"/>
-            <a:ext cx="7323364" cy="1015663"/>
+            <a:off x="3065689" y="81642"/>
+            <a:ext cx="6060622" cy="1015663"/>
           </a:xfrm>
           <a:prstGeom prst="rect">
             <a:avLst/>
@@ -7394,27 +6813,21 @@
             <a:r>
               <a:rPr lang="ru-RU" sz="6000" dirty="0">
                 <a:solidFill>
-                  <a:srgbClr val="FFFF00"/>
+                  <a:schemeClr val="bg2"/>
                 </a:solidFill>
                 <a:latin typeface="Bahnschrift SemiBold Condensed" panose="020B0502040204020203" pitchFamily="34" charset="0"/>
               </a:rPr>
-              <a:t>Дальнейшее развитие:</a:t>
-            </a:r>
-            <a:endParaRPr lang="en-US" sz="6000" dirty="0">
-              <a:solidFill>
-                <a:srgbClr val="FFFF00"/>
-              </a:solidFill>
-              <a:latin typeface="Bahnschrift SemiBold Condensed" panose="020B0502040204020203" pitchFamily="34" charset="0"/>
-            </a:endParaRPr>
-          </a:p>
-        </p:txBody>
-      </p:sp>
-      <p:sp>
-        <p:nvSpPr>
-          <p:cNvPr id="18" name="TextBox 17">
-            <a:extLst>
-              <a:ext uri="{FF2B5EF4-FFF2-40B4-BE49-F238E27FC236}">
-                <a16:creationId xmlns:a16="http://schemas.microsoft.com/office/drawing/2014/main" id="{B6D5A673-BFC2-798E-29E5-8B83FA524E5C}"/>
+              <a:t>Дальнейшее развитие</a:t>
+            </a:r>
+          </a:p>
+        </p:txBody>
+      </p:sp>
+      <p:sp>
+        <p:nvSpPr>
+          <p:cNvPr id="4" name="TextBox 3">
+            <a:extLst>
+              <a:ext uri="{FF2B5EF4-FFF2-40B4-BE49-F238E27FC236}">
+                <a16:creationId xmlns:a16="http://schemas.microsoft.com/office/drawing/2014/main" id="{9BAD3A37-F0AF-ED2F-DCC1-09AE76267140}"/>
               </a:ext>
             </a:extLst>
           </p:cNvPr>
@@ -7423,8 +6836,8 @@
         </p:nvSpPr>
         <p:spPr>
           <a:xfrm>
-            <a:off x="1620982" y="2913760"/>
-            <a:ext cx="10365971" cy="1200329"/>
+            <a:off x="522514" y="2913760"/>
+            <a:ext cx="11464439" cy="1200329"/>
           </a:xfrm>
           <a:prstGeom prst="rect">
             <a:avLst/>
@@ -7440,17 +6853,11 @@
             <a:pPr algn="ctr"/>
             <a:r>
               <a:rPr lang="ru-RU" sz="3600" dirty="0">
-                <a:solidFill>
-                  <a:schemeClr val="accent1"/>
-                </a:solidFill>
                 <a:latin typeface="Bahnschrift SemiBold Condensed" panose="020B0502040204020203" pitchFamily="34" charset="0"/>
               </a:rPr>
-              <a:t>дальнейшее развитие проекта заключается в представлении его как образовательного материала в открытом доступе.</a:t>
+              <a:t>В дальнейшем развитие проекта будет заключается в представлении его как образовательного материала в открытом доступе.</a:t>
             </a:r>
             <a:endParaRPr lang="en-US" sz="3600" dirty="0">
-              <a:solidFill>
-                <a:schemeClr val="accent1"/>
-              </a:solidFill>
               <a:latin typeface="Bahnschrift SemiBold Condensed" panose="020B0502040204020203" pitchFamily="34" charset="0"/>
             </a:endParaRPr>
           </a:p>
@@ -7459,7 +6866,7 @@
     </p:spTree>
     <p:extLst>
       <p:ext uri="{BB962C8B-B14F-4D97-AF65-F5344CB8AC3E}">
-        <p14:creationId xmlns:p14="http://schemas.microsoft.com/office/powerpoint/2010/main" val="1413026795"/>
+        <p14:creationId xmlns:p14="http://schemas.microsoft.com/office/powerpoint/2010/main" val="3026675245"/>
       </p:ext>
     </p:extLst>
   </p:cSld>
